--- a/Formatted Slides/Module1_Video2.pptx
+++ b/Formatted Slides/Module1_Video2.pptx
@@ -5,36 +5,58 @@
     <p:sldMasterId id="2147483660" r:id="rId1"/>
   </p:sldMasterIdLst>
   <p:notesMasterIdLst>
-    <p:notesMasterId r:id="rId5"/>
+    <p:notesMasterId r:id="rId22"/>
   </p:notesMasterIdLst>
   <p:sldIdLst>
     <p:sldId id="452" r:id="rId2"/>
-    <p:sldId id="453" r:id="rId3"/>
-    <p:sldId id="444" r:id="rId4"/>
+    <p:sldId id="454" r:id="rId3"/>
+    <p:sldId id="453" r:id="rId4"/>
+    <p:sldId id="457" r:id="rId5"/>
+    <p:sldId id="458" r:id="rId6"/>
+    <p:sldId id="459" r:id="rId7"/>
+    <p:sldId id="460" r:id="rId8"/>
+    <p:sldId id="461" r:id="rId9"/>
+    <p:sldId id="465" r:id="rId10"/>
+    <p:sldId id="464" r:id="rId11"/>
+    <p:sldId id="466" r:id="rId12"/>
+    <p:sldId id="462" r:id="rId13"/>
+    <p:sldId id="463" r:id="rId14"/>
+    <p:sldId id="467" r:id="rId15"/>
+    <p:sldId id="468" r:id="rId16"/>
+    <p:sldId id="469" r:id="rId17"/>
+    <p:sldId id="470" r:id="rId18"/>
+    <p:sldId id="455" r:id="rId19"/>
+    <p:sldId id="456" r:id="rId20"/>
+    <p:sldId id="444" r:id="rId21"/>
   </p:sldIdLst>
   <p:sldSz cx="24384000" cy="13716000"/>
   <p:notesSz cx="6858000" cy="9144000"/>
   <p:embeddedFontLst>
     <p:embeddedFont>
       <p:font typeface="Calibri" panose="020F0502020204030204" pitchFamily="34" charset="0"/>
-      <p:regular r:id="rId6"/>
-      <p:bold r:id="rId7"/>
-      <p:italic r:id="rId8"/>
-      <p:boldItalic r:id="rId9"/>
+      <p:regular r:id="rId23"/>
+      <p:bold r:id="rId24"/>
+      <p:italic r:id="rId25"/>
+      <p:boldItalic r:id="rId26"/>
     </p:embeddedFont>
     <p:embeddedFont>
       <p:font typeface="Nunito Sans" pitchFamily="2" charset="0"/>
-      <p:regular r:id="rId10"/>
-      <p:bold r:id="rId11"/>
-      <p:italic r:id="rId12"/>
-      <p:boldItalic r:id="rId13"/>
+      <p:regular r:id="rId27"/>
+      <p:bold r:id="rId28"/>
+      <p:italic r:id="rId29"/>
+      <p:boldItalic r:id="rId30"/>
     </p:embeddedFont>
     <p:embeddedFont>
       <p:font typeface="Nunito Sans SemiBold" pitchFamily="2" charset="0"/>
-      <p:regular r:id="rId14"/>
-      <p:bold r:id="rId15"/>
-      <p:italic r:id="rId16"/>
-      <p:boldItalic r:id="rId17"/>
+      <p:regular r:id="rId31"/>
+      <p:bold r:id="rId32"/>
+      <p:italic r:id="rId33"/>
+      <p:boldItalic r:id="rId34"/>
+    </p:embeddedFont>
+    <p:embeddedFont>
+      <p:font typeface="Open Sans Semibold" panose="020B0706030804020204" pitchFamily="34" charset="0"/>
+      <p:bold r:id="rId35"/>
+      <p:boldItalic r:id="rId36"/>
     </p:embeddedFont>
   </p:embeddedFontLst>
   <p:defaultTextStyle>
@@ -222,7 +244,7 @@
           <a:p>
             <a:fld id="{A1994904-53C7-FE4A-A4F3-9371B9AA3FA4}" type="datetimeFigureOut">
               <a:rPr lang="en-US" smtClean="0"/>
-              <a:t>7/7/2023</a:t>
+              <a:t>7/30/2023</a:t>
             </a:fld>
             <a:endParaRPr lang="en-US"/>
           </a:p>
@@ -638,7 +660,7 @@
           <a:p>
             <a:fld id="{D343CE2E-3DB2-2543-A1CC-255A6E8F42E8}" type="slidenum">
               <a:rPr lang="en-US" smtClean="0"/>
-              <a:t>3</a:t>
+              <a:t>20</a:t>
             </a:fld>
             <a:endParaRPr lang="en-US"/>
           </a:p>
@@ -4032,7 +4054,7 @@
           <a:p>
             <a:r>
               <a:rPr lang="en-US" b="1" dirty="0"/>
-              <a:t>Lesson 0 – Welcome and Overview</a:t>
+              <a:t>Module 1 Lesson 2 – Data Acquisition Example</a:t>
             </a:r>
           </a:p>
         </p:txBody>
@@ -4070,10 +4092,9 @@
           </a:p>
           <a:p>
             <a:r>
-              <a:rPr lang="en-US" sz="3600"/>
+              <a:rPr lang="en-US" sz="3600" dirty="0"/>
               <a:t>Module 1 – Data Acquisition and Cleaning</a:t>
             </a:r>
-            <a:endParaRPr lang="en-US" sz="3600" dirty="0"/>
           </a:p>
           <a:p>
             <a:r>
@@ -4133,6 +4154,4987 @@
     <p:extLst>
       <p:ext uri="{BB962C8B-B14F-4D97-AF65-F5344CB8AC3E}">
         <p14:creationId xmlns:p14="http://schemas.microsoft.com/office/powerpoint/2010/main" val="3678723234"/>
+      </p:ext>
+    </p:extLst>
+  </p:cSld>
+  <p:clrMapOvr>
+    <a:masterClrMapping/>
+  </p:clrMapOvr>
+</p:sld>
+</file>
+
+<file path=ppt/slides/slide10.xml><?xml version="1.0" encoding="utf-8"?>
+<p:sld xmlns:a="http://schemas.openxmlformats.org/drawingml/2006/main" xmlns:r="http://schemas.openxmlformats.org/officeDocument/2006/relationships" xmlns:p="http://schemas.openxmlformats.org/presentationml/2006/main">
+  <p:cSld>
+    <p:spTree>
+      <p:nvGrpSpPr>
+        <p:cNvPr id="1" name=""/>
+        <p:cNvGrpSpPr/>
+        <p:nvPr/>
+      </p:nvGrpSpPr>
+      <p:grpSpPr>
+        <a:xfrm>
+          <a:off x="0" y="0"/>
+          <a:ext cx="0" cy="0"/>
+          <a:chOff x="0" y="0"/>
+          <a:chExt cx="0" cy="0"/>
+        </a:xfrm>
+      </p:grpSpPr>
+      <p:sp>
+        <p:nvSpPr>
+          <p:cNvPr id="2" name="Title 1">
+            <a:extLst>
+              <a:ext uri="{FF2B5EF4-FFF2-40B4-BE49-F238E27FC236}">
+                <a16:creationId xmlns:a16="http://schemas.microsoft.com/office/drawing/2014/main" id="{2593ED4F-E02F-639B-E907-3409496A46CE}"/>
+              </a:ext>
+            </a:extLst>
+          </p:cNvPr>
+          <p:cNvSpPr>
+            <a:spLocks noGrp="1"/>
+          </p:cNvSpPr>
+          <p:nvPr>
+            <p:ph type="title"/>
+          </p:nvPr>
+        </p:nvSpPr>
+        <p:spPr/>
+        <p:txBody>
+          <a:bodyPr>
+            <a:normAutofit/>
+          </a:bodyPr>
+          <a:lstStyle/>
+          <a:p>
+            <a:r>
+              <a:rPr lang="en-US" dirty="0"/>
+              <a:t>DATA CONCATENATION</a:t>
+            </a:r>
+          </a:p>
+        </p:txBody>
+      </p:sp>
+      <p:sp>
+        <p:nvSpPr>
+          <p:cNvPr id="3" name="Text Placeholder 2">
+            <a:extLst>
+              <a:ext uri="{FF2B5EF4-FFF2-40B4-BE49-F238E27FC236}">
+                <a16:creationId xmlns:a16="http://schemas.microsoft.com/office/drawing/2014/main" id="{92FEE801-5523-7042-9CD2-F02ACCC80EED}"/>
+              </a:ext>
+            </a:extLst>
+          </p:cNvPr>
+          <p:cNvSpPr>
+            <a:spLocks noGrp="1"/>
+          </p:cNvSpPr>
+          <p:nvPr>
+            <p:ph type="body" sz="quarter" idx="10"/>
+          </p:nvPr>
+        </p:nvSpPr>
+        <p:spPr>
+          <a:xfrm>
+            <a:off x="3048000" y="2743200"/>
+            <a:ext cx="18288000" cy="7416800"/>
+          </a:xfrm>
+        </p:spPr>
+        <p:txBody>
+          <a:bodyPr/>
+          <a:lstStyle/>
+          <a:p>
+            <a:pPr marL="457200" indent="-457200">
+              <a:buFont typeface="Arial" panose="020B0604020202020204" pitchFamily="34" charset="0"/>
+              <a:buChar char="•"/>
+            </a:pPr>
+            <a:r>
+              <a:rPr lang="en-US" sz="3600" dirty="0"/>
+              <a:t>Data concatenation involves “stacking” datasets on top of each other to form a combined set.</a:t>
+            </a:r>
+          </a:p>
+          <a:p>
+            <a:pPr marL="457200" indent="-457200">
+              <a:buFont typeface="Arial" panose="020B0604020202020204" pitchFamily="34" charset="0"/>
+              <a:buChar char="•"/>
+            </a:pPr>
+            <a:r>
+              <a:rPr lang="en-US" sz="3600" dirty="0"/>
+              <a:t>Concatenation </a:t>
+            </a:r>
+            <a:r>
+              <a:rPr lang="en-US" sz="3600" b="1" dirty="0"/>
+              <a:t>always</a:t>
+            </a:r>
+            <a:r>
+              <a:rPr lang="en-US" sz="3600" dirty="0"/>
+              <a:t> adds new observations and </a:t>
+            </a:r>
+            <a:r>
+              <a:rPr lang="en-US" sz="3600" b="1" dirty="0"/>
+              <a:t>may</a:t>
+            </a:r>
+            <a:r>
+              <a:rPr lang="en-US" sz="3600" dirty="0"/>
+              <a:t> add new variables</a:t>
+            </a:r>
+          </a:p>
+        </p:txBody>
+      </p:sp>
+      <p:graphicFrame>
+        <p:nvGraphicFramePr>
+          <p:cNvPr id="8" name="Table 4">
+            <a:extLst>
+              <a:ext uri="{FF2B5EF4-FFF2-40B4-BE49-F238E27FC236}">
+                <a16:creationId xmlns:a16="http://schemas.microsoft.com/office/drawing/2014/main" id="{936EAE41-FB13-492D-08AB-84E32A47DC0B}"/>
+              </a:ext>
+            </a:extLst>
+          </p:cNvPr>
+          <p:cNvGraphicFramePr>
+            <a:graphicFrameLocks noGrp="1"/>
+          </p:cNvGraphicFramePr>
+          <p:nvPr>
+            <p:extLst>
+              <p:ext uri="{D42A27DB-BD31-4B8C-83A1-F6EECF244321}">
+                <p14:modId xmlns:p14="http://schemas.microsoft.com/office/powerpoint/2010/main" val="305107455"/>
+              </p:ext>
+            </p:extLst>
+          </p:nvPr>
+        </p:nvGraphicFramePr>
+        <p:xfrm>
+          <a:off x="1571897" y="8925560"/>
+          <a:ext cx="8737600" cy="2468880"/>
+        </p:xfrm>
+        <a:graphic>
+          <a:graphicData uri="http://schemas.openxmlformats.org/drawingml/2006/table">
+            <a:tbl>
+              <a:tblPr firstRow="1" bandRow="1">
+                <a:tableStyleId>{5C22544A-7EE6-4342-B048-85BDC9FD1C3A}</a:tableStyleId>
+              </a:tblPr>
+              <a:tblGrid>
+                <a:gridCol w="2206171">
+                  <a:extLst>
+                    <a:ext uri="{9D8B030D-6E8A-4147-A177-3AD203B41FA5}">
+                      <a16:colId xmlns:a16="http://schemas.microsoft.com/office/drawing/2014/main" val="3699644126"/>
+                    </a:ext>
+                  </a:extLst>
+                </a:gridCol>
+                <a:gridCol w="2775132">
+                  <a:extLst>
+                    <a:ext uri="{9D8B030D-6E8A-4147-A177-3AD203B41FA5}">
+                      <a16:colId xmlns:a16="http://schemas.microsoft.com/office/drawing/2014/main" val="3667060327"/>
+                    </a:ext>
+                  </a:extLst>
+                </a:gridCol>
+                <a:gridCol w="3756297">
+                  <a:extLst>
+                    <a:ext uri="{9D8B030D-6E8A-4147-A177-3AD203B41FA5}">
+                      <a16:colId xmlns:a16="http://schemas.microsoft.com/office/drawing/2014/main" val="2576613788"/>
+                    </a:ext>
+                  </a:extLst>
+                </a:gridCol>
+              </a:tblGrid>
+              <a:tr h="370840">
+                <a:tc>
+                  <a:txBody>
+                    <a:bodyPr/>
+                    <a:lstStyle/>
+                    <a:p>
+                      <a:r>
+                        <a:rPr lang="en-US" dirty="0"/>
+                        <a:t>County</a:t>
+                      </a:r>
+                    </a:p>
+                  </a:txBody>
+                  <a:tcPr/>
+                </a:tc>
+                <a:tc>
+                  <a:txBody>
+                    <a:bodyPr/>
+                    <a:lstStyle/>
+                    <a:p>
+                      <a:r>
+                        <a:rPr lang="en-US" dirty="0"/>
+                        <a:t>Population - 2020</a:t>
+                      </a:r>
+                    </a:p>
+                  </a:txBody>
+                  <a:tcPr/>
+                </a:tc>
+                <a:tc>
+                  <a:txBody>
+                    <a:bodyPr/>
+                    <a:lstStyle/>
+                    <a:p>
+                      <a:r>
+                        <a:rPr lang="en-US" dirty="0"/>
+                        <a:t>Poverty Rate - 2020</a:t>
+                      </a:r>
+                    </a:p>
+                  </a:txBody>
+                  <a:tcPr/>
+                </a:tc>
+                <a:extLst>
+                  <a:ext uri="{0D108BD9-81ED-4DB2-BD59-A6C34878D82A}">
+                    <a16:rowId xmlns:a16="http://schemas.microsoft.com/office/drawing/2014/main" val="3356930229"/>
+                  </a:ext>
+                </a:extLst>
+              </a:tr>
+              <a:tr h="370840">
+                <a:tc>
+                  <a:txBody>
+                    <a:bodyPr/>
+                    <a:lstStyle/>
+                    <a:p>
+                      <a:r>
+                        <a:rPr lang="en-US" dirty="0"/>
+                        <a:t>Angelina</a:t>
+                      </a:r>
+                    </a:p>
+                  </a:txBody>
+                  <a:tcPr/>
+                </a:tc>
+                <a:tc>
+                  <a:txBody>
+                    <a:bodyPr/>
+                    <a:lstStyle/>
+                    <a:p>
+                      <a:r>
+                        <a:rPr lang="en-US" dirty="0"/>
+                        <a:t>87,092</a:t>
+                      </a:r>
+                    </a:p>
+                  </a:txBody>
+                  <a:tcPr/>
+                </a:tc>
+                <a:tc>
+                  <a:txBody>
+                    <a:bodyPr/>
+                    <a:lstStyle/>
+                    <a:p>
+                      <a:r>
+                        <a:rPr lang="en-US" dirty="0"/>
+                        <a:t>17%</a:t>
+                      </a:r>
+                    </a:p>
+                  </a:txBody>
+                  <a:tcPr/>
+                </a:tc>
+                <a:extLst>
+                  <a:ext uri="{0D108BD9-81ED-4DB2-BD59-A6C34878D82A}">
+                    <a16:rowId xmlns:a16="http://schemas.microsoft.com/office/drawing/2014/main" val="1243671268"/>
+                  </a:ext>
+                </a:extLst>
+              </a:tr>
+              <a:tr h="370840">
+                <a:tc>
+                  <a:txBody>
+                    <a:bodyPr/>
+                    <a:lstStyle/>
+                    <a:p>
+                      <a:r>
+                        <a:rPr lang="en-US" dirty="0"/>
+                        <a:t>Aransas</a:t>
+                      </a:r>
+                    </a:p>
+                  </a:txBody>
+                  <a:tcPr/>
+                </a:tc>
+                <a:tc>
+                  <a:txBody>
+                    <a:bodyPr/>
+                    <a:lstStyle/>
+                    <a:p>
+                      <a:r>
+                        <a:rPr lang="en-US" dirty="0"/>
+                        <a:t>23,792</a:t>
+                      </a:r>
+                    </a:p>
+                  </a:txBody>
+                  <a:tcPr/>
+                </a:tc>
+                <a:tc>
+                  <a:txBody>
+                    <a:bodyPr/>
+                    <a:lstStyle/>
+                    <a:p>
+                      <a:r>
+                        <a:rPr lang="en-US" dirty="0"/>
+                        <a:t>17.1%</a:t>
+                      </a:r>
+                    </a:p>
+                  </a:txBody>
+                  <a:tcPr/>
+                </a:tc>
+                <a:extLst>
+                  <a:ext uri="{0D108BD9-81ED-4DB2-BD59-A6C34878D82A}">
+                    <a16:rowId xmlns:a16="http://schemas.microsoft.com/office/drawing/2014/main" val="3581653560"/>
+                  </a:ext>
+                </a:extLst>
+              </a:tr>
+            </a:tbl>
+          </a:graphicData>
+        </a:graphic>
+      </p:graphicFrame>
+      <p:graphicFrame>
+        <p:nvGraphicFramePr>
+          <p:cNvPr id="9" name="Table 4">
+            <a:extLst>
+              <a:ext uri="{FF2B5EF4-FFF2-40B4-BE49-F238E27FC236}">
+                <a16:creationId xmlns:a16="http://schemas.microsoft.com/office/drawing/2014/main" id="{6B691176-DCA2-22B4-7DB4-59D685E346B7}"/>
+              </a:ext>
+            </a:extLst>
+          </p:cNvPr>
+          <p:cNvGraphicFramePr>
+            <a:graphicFrameLocks noGrp="1"/>
+          </p:cNvGraphicFramePr>
+          <p:nvPr>
+            <p:extLst>
+              <p:ext uri="{D42A27DB-BD31-4B8C-83A1-F6EECF244321}">
+                <p14:modId xmlns:p14="http://schemas.microsoft.com/office/powerpoint/2010/main" val="1295221360"/>
+              </p:ext>
+            </p:extLst>
+          </p:nvPr>
+        </p:nvGraphicFramePr>
+        <p:xfrm>
+          <a:off x="1571897" y="6143159"/>
+          <a:ext cx="8737600" cy="2468880"/>
+        </p:xfrm>
+        <a:graphic>
+          <a:graphicData uri="http://schemas.openxmlformats.org/drawingml/2006/table">
+            <a:tbl>
+              <a:tblPr firstRow="1" bandRow="1">
+                <a:tableStyleId>{5C22544A-7EE6-4342-B048-85BDC9FD1C3A}</a:tableStyleId>
+              </a:tblPr>
+              <a:tblGrid>
+                <a:gridCol w="2203762">
+                  <a:extLst>
+                    <a:ext uri="{9D8B030D-6E8A-4147-A177-3AD203B41FA5}">
+                      <a16:colId xmlns:a16="http://schemas.microsoft.com/office/drawing/2014/main" val="3699644126"/>
+                    </a:ext>
+                  </a:extLst>
+                </a:gridCol>
+                <a:gridCol w="2777540">
+                  <a:extLst>
+                    <a:ext uri="{9D8B030D-6E8A-4147-A177-3AD203B41FA5}">
+                      <a16:colId xmlns:a16="http://schemas.microsoft.com/office/drawing/2014/main" val="3667060327"/>
+                    </a:ext>
+                  </a:extLst>
+                </a:gridCol>
+                <a:gridCol w="3756298">
+                  <a:extLst>
+                    <a:ext uri="{9D8B030D-6E8A-4147-A177-3AD203B41FA5}">
+                      <a16:colId xmlns:a16="http://schemas.microsoft.com/office/drawing/2014/main" val="2576613788"/>
+                    </a:ext>
+                  </a:extLst>
+                </a:gridCol>
+              </a:tblGrid>
+              <a:tr h="0">
+                <a:tc>
+                  <a:txBody>
+                    <a:bodyPr/>
+                    <a:lstStyle/>
+                    <a:p>
+                      <a:r>
+                        <a:rPr lang="en-US" dirty="0"/>
+                        <a:t>County</a:t>
+                      </a:r>
+                    </a:p>
+                  </a:txBody>
+                  <a:tcPr/>
+                </a:tc>
+                <a:tc>
+                  <a:txBody>
+                    <a:bodyPr/>
+                    <a:lstStyle/>
+                    <a:p>
+                      <a:r>
+                        <a:rPr lang="en-US" dirty="0"/>
+                        <a:t>Population - 2020</a:t>
+                      </a:r>
+                    </a:p>
+                  </a:txBody>
+                  <a:tcPr/>
+                </a:tc>
+                <a:tc>
+                  <a:txBody>
+                    <a:bodyPr/>
+                    <a:lstStyle/>
+                    <a:p>
+                      <a:r>
+                        <a:rPr lang="en-US" dirty="0"/>
+                        <a:t>Poverty Rate - 2020</a:t>
+                      </a:r>
+                    </a:p>
+                  </a:txBody>
+                  <a:tcPr/>
+                </a:tc>
+                <a:extLst>
+                  <a:ext uri="{0D108BD9-81ED-4DB2-BD59-A6C34878D82A}">
+                    <a16:rowId xmlns:a16="http://schemas.microsoft.com/office/drawing/2014/main" val="3356930229"/>
+                  </a:ext>
+                </a:extLst>
+              </a:tr>
+              <a:tr h="370840">
+                <a:tc>
+                  <a:txBody>
+                    <a:bodyPr/>
+                    <a:lstStyle/>
+                    <a:p>
+                      <a:r>
+                        <a:rPr lang="en-US" dirty="0"/>
+                        <a:t>Anderson</a:t>
+                      </a:r>
+                    </a:p>
+                  </a:txBody>
+                  <a:tcPr/>
+                </a:tc>
+                <a:tc>
+                  <a:txBody>
+                    <a:bodyPr/>
+                    <a:lstStyle/>
+                    <a:p>
+                      <a:r>
+                        <a:rPr lang="en-US" dirty="0"/>
+                        <a:t>58,057</a:t>
+                      </a:r>
+                    </a:p>
+                  </a:txBody>
+                  <a:tcPr/>
+                </a:tc>
+                <a:tc>
+                  <a:txBody>
+                    <a:bodyPr/>
+                    <a:lstStyle/>
+                    <a:p>
+                      <a:r>
+                        <a:rPr lang="en-US" dirty="0"/>
+                        <a:t>20.9%</a:t>
+                      </a:r>
+                    </a:p>
+                  </a:txBody>
+                  <a:tcPr/>
+                </a:tc>
+                <a:extLst>
+                  <a:ext uri="{0D108BD9-81ED-4DB2-BD59-A6C34878D82A}">
+                    <a16:rowId xmlns:a16="http://schemas.microsoft.com/office/drawing/2014/main" val="1151605331"/>
+                  </a:ext>
+                </a:extLst>
+              </a:tr>
+              <a:tr h="370840">
+                <a:tc>
+                  <a:txBody>
+                    <a:bodyPr/>
+                    <a:lstStyle/>
+                    <a:p>
+                      <a:r>
+                        <a:rPr lang="en-US" dirty="0"/>
+                        <a:t>Andrews</a:t>
+                      </a:r>
+                    </a:p>
+                  </a:txBody>
+                  <a:tcPr/>
+                </a:tc>
+                <a:tc>
+                  <a:txBody>
+                    <a:bodyPr/>
+                    <a:lstStyle/>
+                    <a:p>
+                      <a:r>
+                        <a:rPr lang="en-US" dirty="0"/>
+                        <a:t>18,128</a:t>
+                      </a:r>
+                    </a:p>
+                  </a:txBody>
+                  <a:tcPr/>
+                </a:tc>
+                <a:tc>
+                  <a:txBody>
+                    <a:bodyPr/>
+                    <a:lstStyle/>
+                    <a:p>
+                      <a:r>
+                        <a:rPr lang="en-US" dirty="0"/>
+                        <a:t>9.2%</a:t>
+                      </a:r>
+                    </a:p>
+                  </a:txBody>
+                  <a:tcPr/>
+                </a:tc>
+                <a:extLst>
+                  <a:ext uri="{0D108BD9-81ED-4DB2-BD59-A6C34878D82A}">
+                    <a16:rowId xmlns:a16="http://schemas.microsoft.com/office/drawing/2014/main" val="4173016939"/>
+                  </a:ext>
+                </a:extLst>
+              </a:tr>
+            </a:tbl>
+          </a:graphicData>
+        </a:graphic>
+      </p:graphicFrame>
+      <p:sp>
+        <p:nvSpPr>
+          <p:cNvPr id="12" name="Arrow: Right 11">
+            <a:extLst>
+              <a:ext uri="{FF2B5EF4-FFF2-40B4-BE49-F238E27FC236}">
+                <a16:creationId xmlns:a16="http://schemas.microsoft.com/office/drawing/2014/main" id="{FCFAC698-90BE-6FAB-F182-D9FE110C729F}"/>
+              </a:ext>
+            </a:extLst>
+          </p:cNvPr>
+          <p:cNvSpPr/>
+          <p:nvPr/>
+        </p:nvSpPr>
+        <p:spPr>
+          <a:xfrm>
+            <a:off x="11181806" y="8151223"/>
+            <a:ext cx="2743200" cy="774337"/>
+          </a:xfrm>
+          <a:prstGeom prst="rightArrow">
+            <a:avLst/>
+          </a:prstGeom>
+          <a:solidFill>
+            <a:srgbClr val="FE6869"/>
+          </a:solidFill>
+          <a:ln>
+            <a:noFill/>
+          </a:ln>
+        </p:spPr>
+        <p:style>
+          <a:lnRef idx="2">
+            <a:schemeClr val="accent1">
+              <a:shade val="50000"/>
+            </a:schemeClr>
+          </a:lnRef>
+          <a:fillRef idx="1">
+            <a:schemeClr val="accent1"/>
+          </a:fillRef>
+          <a:effectRef idx="0">
+            <a:schemeClr val="accent1"/>
+          </a:effectRef>
+          <a:fontRef idx="minor">
+            <a:schemeClr val="lt1"/>
+          </a:fontRef>
+        </p:style>
+        <p:txBody>
+          <a:bodyPr rtlCol="0" anchor="ctr"/>
+          <a:lstStyle/>
+          <a:p>
+            <a:pPr algn="ctr"/>
+            <a:endParaRPr lang="en-US">
+              <a:solidFill>
+                <a:schemeClr val="tx1"/>
+              </a:solidFill>
+            </a:endParaRPr>
+          </a:p>
+        </p:txBody>
+      </p:sp>
+      <p:sp>
+        <p:nvSpPr>
+          <p:cNvPr id="13" name="TextBox 12">
+            <a:extLst>
+              <a:ext uri="{FF2B5EF4-FFF2-40B4-BE49-F238E27FC236}">
+                <a16:creationId xmlns:a16="http://schemas.microsoft.com/office/drawing/2014/main" id="{FE52D6FF-6939-F76C-7040-57AF395F1D0B}"/>
+              </a:ext>
+            </a:extLst>
+          </p:cNvPr>
+          <p:cNvSpPr txBox="1"/>
+          <p:nvPr/>
+        </p:nvSpPr>
+        <p:spPr>
+          <a:xfrm>
+            <a:off x="10647682" y="7377599"/>
+            <a:ext cx="3553097" cy="584775"/>
+          </a:xfrm>
+          <a:prstGeom prst="rect">
+            <a:avLst/>
+          </a:prstGeom>
+          <a:noFill/>
+        </p:spPr>
+        <p:txBody>
+          <a:bodyPr wrap="square" rtlCol="0">
+            <a:spAutoFit/>
+          </a:bodyPr>
+          <a:lstStyle/>
+          <a:p>
+            <a:pPr algn="ctr"/>
+            <a:r>
+              <a:rPr lang="en-US" sz="3200" dirty="0">
+                <a:solidFill>
+                  <a:srgbClr val="414141"/>
+                </a:solidFill>
+                <a:latin typeface="Open Sans Semibold" panose="020B0706030804020204" pitchFamily="34" charset="0"/>
+                <a:ea typeface="Open Sans Semibold" panose="020B0706030804020204" pitchFamily="34" charset="0"/>
+                <a:cs typeface="Open Sans Semibold" panose="020B0706030804020204" pitchFamily="34" charset="0"/>
+              </a:rPr>
+              <a:t>Concatenate</a:t>
+            </a:r>
+          </a:p>
+        </p:txBody>
+      </p:sp>
+      <p:graphicFrame>
+        <p:nvGraphicFramePr>
+          <p:cNvPr id="14" name="Table 4">
+            <a:extLst>
+              <a:ext uri="{FF2B5EF4-FFF2-40B4-BE49-F238E27FC236}">
+                <a16:creationId xmlns:a16="http://schemas.microsoft.com/office/drawing/2014/main" id="{E21A1A3B-EBCA-5B94-6A02-3FA8B92FEA53}"/>
+              </a:ext>
+            </a:extLst>
+          </p:cNvPr>
+          <p:cNvGraphicFramePr>
+            <a:graphicFrameLocks noGrp="1"/>
+          </p:cNvGraphicFramePr>
+          <p:nvPr>
+            <p:extLst>
+              <p:ext uri="{D42A27DB-BD31-4B8C-83A1-F6EECF244321}">
+                <p14:modId xmlns:p14="http://schemas.microsoft.com/office/powerpoint/2010/main" val="1775908322"/>
+              </p:ext>
+            </p:extLst>
+          </p:nvPr>
+        </p:nvGraphicFramePr>
+        <p:xfrm>
+          <a:off x="14383658" y="6639559"/>
+          <a:ext cx="8737601" cy="3749040"/>
+        </p:xfrm>
+        <a:graphic>
+          <a:graphicData uri="http://schemas.openxmlformats.org/drawingml/2006/table">
+            <a:tbl>
+              <a:tblPr firstRow="1" bandRow="1">
+                <a:tableStyleId>{5C22544A-7EE6-4342-B048-85BDC9FD1C3A}</a:tableStyleId>
+              </a:tblPr>
+              <a:tblGrid>
+                <a:gridCol w="1988050">
+                  <a:extLst>
+                    <a:ext uri="{9D8B030D-6E8A-4147-A177-3AD203B41FA5}">
+                      <a16:colId xmlns:a16="http://schemas.microsoft.com/office/drawing/2014/main" val="3699644126"/>
+                    </a:ext>
+                  </a:extLst>
+                </a:gridCol>
+                <a:gridCol w="3253262">
+                  <a:extLst>
+                    <a:ext uri="{9D8B030D-6E8A-4147-A177-3AD203B41FA5}">
+                      <a16:colId xmlns:a16="http://schemas.microsoft.com/office/drawing/2014/main" val="3667060327"/>
+                    </a:ext>
+                  </a:extLst>
+                </a:gridCol>
+                <a:gridCol w="3496289">
+                  <a:extLst>
+                    <a:ext uri="{9D8B030D-6E8A-4147-A177-3AD203B41FA5}">
+                      <a16:colId xmlns:a16="http://schemas.microsoft.com/office/drawing/2014/main" val="2576613788"/>
+                    </a:ext>
+                  </a:extLst>
+                </a:gridCol>
+              </a:tblGrid>
+              <a:tr h="370840">
+                <a:tc>
+                  <a:txBody>
+                    <a:bodyPr/>
+                    <a:lstStyle/>
+                    <a:p>
+                      <a:r>
+                        <a:rPr lang="en-US" dirty="0"/>
+                        <a:t>County</a:t>
+                      </a:r>
+                    </a:p>
+                  </a:txBody>
+                  <a:tcPr/>
+                </a:tc>
+                <a:tc>
+                  <a:txBody>
+                    <a:bodyPr/>
+                    <a:lstStyle/>
+                    <a:p>
+                      <a:r>
+                        <a:rPr lang="en-US" dirty="0"/>
+                        <a:t>Population - 2020</a:t>
+                      </a:r>
+                    </a:p>
+                  </a:txBody>
+                  <a:tcPr/>
+                </a:tc>
+                <a:tc>
+                  <a:txBody>
+                    <a:bodyPr/>
+                    <a:lstStyle/>
+                    <a:p>
+                      <a:r>
+                        <a:rPr lang="en-US" dirty="0"/>
+                        <a:t>Poverty Rate - 2020</a:t>
+                      </a:r>
+                    </a:p>
+                  </a:txBody>
+                  <a:tcPr/>
+                </a:tc>
+                <a:extLst>
+                  <a:ext uri="{0D108BD9-81ED-4DB2-BD59-A6C34878D82A}">
+                    <a16:rowId xmlns:a16="http://schemas.microsoft.com/office/drawing/2014/main" val="3356930229"/>
+                  </a:ext>
+                </a:extLst>
+              </a:tr>
+              <a:tr h="370840">
+                <a:tc>
+                  <a:txBody>
+                    <a:bodyPr/>
+                    <a:lstStyle/>
+                    <a:p>
+                      <a:r>
+                        <a:rPr lang="en-US" dirty="0"/>
+                        <a:t>Anderson</a:t>
+                      </a:r>
+                    </a:p>
+                  </a:txBody>
+                  <a:tcPr/>
+                </a:tc>
+                <a:tc>
+                  <a:txBody>
+                    <a:bodyPr/>
+                    <a:lstStyle/>
+                    <a:p>
+                      <a:r>
+                        <a:rPr lang="en-US" dirty="0"/>
+                        <a:t>58,057</a:t>
+                      </a:r>
+                    </a:p>
+                  </a:txBody>
+                  <a:tcPr/>
+                </a:tc>
+                <a:tc>
+                  <a:txBody>
+                    <a:bodyPr/>
+                    <a:lstStyle/>
+                    <a:p>
+                      <a:r>
+                        <a:rPr lang="en-US" dirty="0"/>
+                        <a:t>20.9%</a:t>
+                      </a:r>
+                    </a:p>
+                  </a:txBody>
+                  <a:tcPr/>
+                </a:tc>
+                <a:extLst>
+                  <a:ext uri="{0D108BD9-81ED-4DB2-BD59-A6C34878D82A}">
+                    <a16:rowId xmlns:a16="http://schemas.microsoft.com/office/drawing/2014/main" val="1151605331"/>
+                  </a:ext>
+                </a:extLst>
+              </a:tr>
+              <a:tr h="370840">
+                <a:tc>
+                  <a:txBody>
+                    <a:bodyPr/>
+                    <a:lstStyle/>
+                    <a:p>
+                      <a:r>
+                        <a:rPr lang="en-US" dirty="0"/>
+                        <a:t>Andrews</a:t>
+                      </a:r>
+                    </a:p>
+                  </a:txBody>
+                  <a:tcPr/>
+                </a:tc>
+                <a:tc>
+                  <a:txBody>
+                    <a:bodyPr/>
+                    <a:lstStyle/>
+                    <a:p>
+                      <a:r>
+                        <a:rPr lang="en-US" dirty="0"/>
+                        <a:t>18,128</a:t>
+                      </a:r>
+                    </a:p>
+                  </a:txBody>
+                  <a:tcPr/>
+                </a:tc>
+                <a:tc>
+                  <a:txBody>
+                    <a:bodyPr/>
+                    <a:lstStyle/>
+                    <a:p>
+                      <a:r>
+                        <a:rPr lang="en-US" dirty="0"/>
+                        <a:t>9.2%</a:t>
+                      </a:r>
+                    </a:p>
+                  </a:txBody>
+                  <a:tcPr/>
+                </a:tc>
+                <a:extLst>
+                  <a:ext uri="{0D108BD9-81ED-4DB2-BD59-A6C34878D82A}">
+                    <a16:rowId xmlns:a16="http://schemas.microsoft.com/office/drawing/2014/main" val="4173016939"/>
+                  </a:ext>
+                </a:extLst>
+              </a:tr>
+              <a:tr h="370840">
+                <a:tc>
+                  <a:txBody>
+                    <a:bodyPr/>
+                    <a:lstStyle/>
+                    <a:p>
+                      <a:r>
+                        <a:rPr lang="en-US" dirty="0"/>
+                        <a:t>Angelina</a:t>
+                      </a:r>
+                    </a:p>
+                  </a:txBody>
+                  <a:tcPr/>
+                </a:tc>
+                <a:tc>
+                  <a:txBody>
+                    <a:bodyPr/>
+                    <a:lstStyle/>
+                    <a:p>
+                      <a:r>
+                        <a:rPr lang="en-US" dirty="0"/>
+                        <a:t>87,092</a:t>
+                      </a:r>
+                    </a:p>
+                  </a:txBody>
+                  <a:tcPr/>
+                </a:tc>
+                <a:tc>
+                  <a:txBody>
+                    <a:bodyPr/>
+                    <a:lstStyle/>
+                    <a:p>
+                      <a:r>
+                        <a:rPr lang="en-US" dirty="0"/>
+                        <a:t>17%</a:t>
+                      </a:r>
+                    </a:p>
+                  </a:txBody>
+                  <a:tcPr/>
+                </a:tc>
+                <a:extLst>
+                  <a:ext uri="{0D108BD9-81ED-4DB2-BD59-A6C34878D82A}">
+                    <a16:rowId xmlns:a16="http://schemas.microsoft.com/office/drawing/2014/main" val="1243671268"/>
+                  </a:ext>
+                </a:extLst>
+              </a:tr>
+              <a:tr h="370840">
+                <a:tc>
+                  <a:txBody>
+                    <a:bodyPr/>
+                    <a:lstStyle/>
+                    <a:p>
+                      <a:r>
+                        <a:rPr lang="en-US" dirty="0"/>
+                        <a:t>Aransas</a:t>
+                      </a:r>
+                    </a:p>
+                  </a:txBody>
+                  <a:tcPr/>
+                </a:tc>
+                <a:tc>
+                  <a:txBody>
+                    <a:bodyPr/>
+                    <a:lstStyle/>
+                    <a:p>
+                      <a:r>
+                        <a:rPr lang="en-US" dirty="0"/>
+                        <a:t>23,792</a:t>
+                      </a:r>
+                    </a:p>
+                  </a:txBody>
+                  <a:tcPr/>
+                </a:tc>
+                <a:tc>
+                  <a:txBody>
+                    <a:bodyPr/>
+                    <a:lstStyle/>
+                    <a:p>
+                      <a:r>
+                        <a:rPr lang="en-US" dirty="0"/>
+                        <a:t>17.1%</a:t>
+                      </a:r>
+                    </a:p>
+                  </a:txBody>
+                  <a:tcPr/>
+                </a:tc>
+                <a:extLst>
+                  <a:ext uri="{0D108BD9-81ED-4DB2-BD59-A6C34878D82A}">
+                    <a16:rowId xmlns:a16="http://schemas.microsoft.com/office/drawing/2014/main" val="3581653560"/>
+                  </a:ext>
+                </a:extLst>
+              </a:tr>
+            </a:tbl>
+          </a:graphicData>
+        </a:graphic>
+      </p:graphicFrame>
+    </p:spTree>
+    <p:extLst>
+      <p:ext uri="{BB962C8B-B14F-4D97-AF65-F5344CB8AC3E}">
+        <p14:creationId xmlns:p14="http://schemas.microsoft.com/office/powerpoint/2010/main" val="2669783783"/>
+      </p:ext>
+    </p:extLst>
+  </p:cSld>
+  <p:clrMapOvr>
+    <a:masterClrMapping/>
+  </p:clrMapOvr>
+</p:sld>
+</file>
+
+<file path=ppt/slides/slide11.xml><?xml version="1.0" encoding="utf-8"?>
+<p:sld xmlns:a="http://schemas.openxmlformats.org/drawingml/2006/main" xmlns:r="http://schemas.openxmlformats.org/officeDocument/2006/relationships" xmlns:p="http://schemas.openxmlformats.org/presentationml/2006/main">
+  <p:cSld>
+    <p:spTree>
+      <p:nvGrpSpPr>
+        <p:cNvPr id="1" name=""/>
+        <p:cNvGrpSpPr/>
+        <p:nvPr/>
+      </p:nvGrpSpPr>
+      <p:grpSpPr>
+        <a:xfrm>
+          <a:off x="0" y="0"/>
+          <a:ext cx="0" cy="0"/>
+          <a:chOff x="0" y="0"/>
+          <a:chExt cx="0" cy="0"/>
+        </a:xfrm>
+      </p:grpSpPr>
+      <p:sp>
+        <p:nvSpPr>
+          <p:cNvPr id="2" name="Title 1">
+            <a:extLst>
+              <a:ext uri="{FF2B5EF4-FFF2-40B4-BE49-F238E27FC236}">
+                <a16:creationId xmlns:a16="http://schemas.microsoft.com/office/drawing/2014/main" id="{2593ED4F-E02F-639B-E907-3409496A46CE}"/>
+              </a:ext>
+            </a:extLst>
+          </p:cNvPr>
+          <p:cNvSpPr>
+            <a:spLocks noGrp="1"/>
+          </p:cNvSpPr>
+          <p:nvPr>
+            <p:ph type="title"/>
+          </p:nvPr>
+        </p:nvSpPr>
+        <p:spPr/>
+        <p:txBody>
+          <a:bodyPr>
+            <a:normAutofit fontScale="90000"/>
+          </a:bodyPr>
+          <a:lstStyle/>
+          <a:p>
+            <a:r>
+              <a:rPr lang="en-US" dirty="0"/>
+              <a:t>DATA CONCATENATION- 2</a:t>
+            </a:r>
+            <a:r>
+              <a:rPr lang="en-US" baseline="30000" dirty="0"/>
+              <a:t>nd</a:t>
+            </a:r>
+            <a:r>
+              <a:rPr lang="en-US" dirty="0"/>
+              <a:t> EXAMPLE</a:t>
+            </a:r>
+          </a:p>
+        </p:txBody>
+      </p:sp>
+      <p:sp>
+        <p:nvSpPr>
+          <p:cNvPr id="3" name="Text Placeholder 2">
+            <a:extLst>
+              <a:ext uri="{FF2B5EF4-FFF2-40B4-BE49-F238E27FC236}">
+                <a16:creationId xmlns:a16="http://schemas.microsoft.com/office/drawing/2014/main" id="{92FEE801-5523-7042-9CD2-F02ACCC80EED}"/>
+              </a:ext>
+            </a:extLst>
+          </p:cNvPr>
+          <p:cNvSpPr>
+            <a:spLocks noGrp="1"/>
+          </p:cNvSpPr>
+          <p:nvPr>
+            <p:ph type="body" sz="quarter" idx="10"/>
+          </p:nvPr>
+        </p:nvSpPr>
+        <p:spPr>
+          <a:xfrm>
+            <a:off x="3048000" y="2743200"/>
+            <a:ext cx="18288000" cy="7416800"/>
+          </a:xfrm>
+        </p:spPr>
+        <p:txBody>
+          <a:bodyPr/>
+          <a:lstStyle/>
+          <a:p>
+            <a:pPr marL="457200" indent="-457200">
+              <a:buFont typeface="Arial" panose="020B0604020202020204" pitchFamily="34" charset="0"/>
+              <a:buChar char="•"/>
+            </a:pPr>
+            <a:r>
+              <a:rPr lang="en-US" sz="3600" dirty="0"/>
+              <a:t>If the columns of the two datasets do not match, you can add empty dummy columns as needed to allow concatenation.</a:t>
+            </a:r>
+          </a:p>
+          <a:p>
+            <a:pPr marL="457200" indent="-457200">
+              <a:buFont typeface="Arial" panose="020B0604020202020204" pitchFamily="34" charset="0"/>
+              <a:buChar char="•"/>
+            </a:pPr>
+            <a:r>
+              <a:rPr lang="en-US" sz="3600" dirty="0"/>
+              <a:t>In R, NA means “not available” and is used for missing values.</a:t>
+            </a:r>
+          </a:p>
+        </p:txBody>
+      </p:sp>
+      <p:graphicFrame>
+        <p:nvGraphicFramePr>
+          <p:cNvPr id="8" name="Table 4">
+            <a:extLst>
+              <a:ext uri="{FF2B5EF4-FFF2-40B4-BE49-F238E27FC236}">
+                <a16:creationId xmlns:a16="http://schemas.microsoft.com/office/drawing/2014/main" id="{936EAE41-FB13-492D-08AB-84E32A47DC0B}"/>
+              </a:ext>
+            </a:extLst>
+          </p:cNvPr>
+          <p:cNvGraphicFramePr>
+            <a:graphicFrameLocks noGrp="1"/>
+          </p:cNvGraphicFramePr>
+          <p:nvPr>
+            <p:extLst>
+              <p:ext uri="{D42A27DB-BD31-4B8C-83A1-F6EECF244321}">
+                <p14:modId xmlns:p14="http://schemas.microsoft.com/office/powerpoint/2010/main" val="1654662903"/>
+              </p:ext>
+            </p:extLst>
+          </p:nvPr>
+        </p:nvGraphicFramePr>
+        <p:xfrm>
+          <a:off x="2232049" y="8920480"/>
+          <a:ext cx="4981303" cy="2468880"/>
+        </p:xfrm>
+        <a:graphic>
+          <a:graphicData uri="http://schemas.openxmlformats.org/drawingml/2006/table">
+            <a:tbl>
+              <a:tblPr firstRow="1" bandRow="1">
+                <a:tableStyleId>{5C22544A-7EE6-4342-B048-85BDC9FD1C3A}</a:tableStyleId>
+              </a:tblPr>
+              <a:tblGrid>
+                <a:gridCol w="2206171">
+                  <a:extLst>
+                    <a:ext uri="{9D8B030D-6E8A-4147-A177-3AD203B41FA5}">
+                      <a16:colId xmlns:a16="http://schemas.microsoft.com/office/drawing/2014/main" val="3699644126"/>
+                    </a:ext>
+                  </a:extLst>
+                </a:gridCol>
+                <a:gridCol w="2775132">
+                  <a:extLst>
+                    <a:ext uri="{9D8B030D-6E8A-4147-A177-3AD203B41FA5}">
+                      <a16:colId xmlns:a16="http://schemas.microsoft.com/office/drawing/2014/main" val="3667060327"/>
+                    </a:ext>
+                  </a:extLst>
+                </a:gridCol>
+              </a:tblGrid>
+              <a:tr h="370840">
+                <a:tc>
+                  <a:txBody>
+                    <a:bodyPr/>
+                    <a:lstStyle/>
+                    <a:p>
+                      <a:r>
+                        <a:rPr lang="en-US" dirty="0"/>
+                        <a:t>County</a:t>
+                      </a:r>
+                    </a:p>
+                  </a:txBody>
+                  <a:tcPr/>
+                </a:tc>
+                <a:tc>
+                  <a:txBody>
+                    <a:bodyPr/>
+                    <a:lstStyle/>
+                    <a:p>
+                      <a:r>
+                        <a:rPr lang="en-US" dirty="0"/>
+                        <a:t>Population - 2020</a:t>
+                      </a:r>
+                    </a:p>
+                  </a:txBody>
+                  <a:tcPr/>
+                </a:tc>
+                <a:extLst>
+                  <a:ext uri="{0D108BD9-81ED-4DB2-BD59-A6C34878D82A}">
+                    <a16:rowId xmlns:a16="http://schemas.microsoft.com/office/drawing/2014/main" val="3356930229"/>
+                  </a:ext>
+                </a:extLst>
+              </a:tr>
+              <a:tr h="370840">
+                <a:tc>
+                  <a:txBody>
+                    <a:bodyPr/>
+                    <a:lstStyle/>
+                    <a:p>
+                      <a:r>
+                        <a:rPr lang="en-US" dirty="0"/>
+                        <a:t>Angelina</a:t>
+                      </a:r>
+                    </a:p>
+                  </a:txBody>
+                  <a:tcPr/>
+                </a:tc>
+                <a:tc>
+                  <a:txBody>
+                    <a:bodyPr/>
+                    <a:lstStyle/>
+                    <a:p>
+                      <a:r>
+                        <a:rPr lang="en-US" dirty="0"/>
+                        <a:t>87,092</a:t>
+                      </a:r>
+                    </a:p>
+                  </a:txBody>
+                  <a:tcPr/>
+                </a:tc>
+                <a:extLst>
+                  <a:ext uri="{0D108BD9-81ED-4DB2-BD59-A6C34878D82A}">
+                    <a16:rowId xmlns:a16="http://schemas.microsoft.com/office/drawing/2014/main" val="1243671268"/>
+                  </a:ext>
+                </a:extLst>
+              </a:tr>
+              <a:tr h="370840">
+                <a:tc>
+                  <a:txBody>
+                    <a:bodyPr/>
+                    <a:lstStyle/>
+                    <a:p>
+                      <a:r>
+                        <a:rPr lang="en-US" dirty="0"/>
+                        <a:t>Aransas</a:t>
+                      </a:r>
+                    </a:p>
+                  </a:txBody>
+                  <a:tcPr/>
+                </a:tc>
+                <a:tc>
+                  <a:txBody>
+                    <a:bodyPr/>
+                    <a:lstStyle/>
+                    <a:p>
+                      <a:r>
+                        <a:rPr lang="en-US" dirty="0"/>
+                        <a:t>23,792</a:t>
+                      </a:r>
+                    </a:p>
+                  </a:txBody>
+                  <a:tcPr/>
+                </a:tc>
+                <a:extLst>
+                  <a:ext uri="{0D108BD9-81ED-4DB2-BD59-A6C34878D82A}">
+                    <a16:rowId xmlns:a16="http://schemas.microsoft.com/office/drawing/2014/main" val="3581653560"/>
+                  </a:ext>
+                </a:extLst>
+              </a:tr>
+            </a:tbl>
+          </a:graphicData>
+        </a:graphic>
+      </p:graphicFrame>
+      <p:graphicFrame>
+        <p:nvGraphicFramePr>
+          <p:cNvPr id="9" name="Table 4">
+            <a:extLst>
+              <a:ext uri="{FF2B5EF4-FFF2-40B4-BE49-F238E27FC236}">
+                <a16:creationId xmlns:a16="http://schemas.microsoft.com/office/drawing/2014/main" id="{6B691176-DCA2-22B4-7DB4-59D685E346B7}"/>
+              </a:ext>
+            </a:extLst>
+          </p:cNvPr>
+          <p:cNvGraphicFramePr>
+            <a:graphicFrameLocks noGrp="1"/>
+          </p:cNvGraphicFramePr>
+          <p:nvPr>
+            <p:extLst>
+              <p:ext uri="{D42A27DB-BD31-4B8C-83A1-F6EECF244321}">
+                <p14:modId xmlns:p14="http://schemas.microsoft.com/office/powerpoint/2010/main" val="2010714223"/>
+              </p:ext>
+            </p:extLst>
+          </p:nvPr>
+        </p:nvGraphicFramePr>
+        <p:xfrm>
+          <a:off x="1742671" y="6064431"/>
+          <a:ext cx="5960060" cy="2468880"/>
+        </p:xfrm>
+        <a:graphic>
+          <a:graphicData uri="http://schemas.openxmlformats.org/drawingml/2006/table">
+            <a:tbl>
+              <a:tblPr firstRow="1" bandRow="1">
+                <a:tableStyleId>{5C22544A-7EE6-4342-B048-85BDC9FD1C3A}</a:tableStyleId>
+              </a:tblPr>
+              <a:tblGrid>
+                <a:gridCol w="2203762">
+                  <a:extLst>
+                    <a:ext uri="{9D8B030D-6E8A-4147-A177-3AD203B41FA5}">
+                      <a16:colId xmlns:a16="http://schemas.microsoft.com/office/drawing/2014/main" val="3699644126"/>
+                    </a:ext>
+                  </a:extLst>
+                </a:gridCol>
+                <a:gridCol w="3756298">
+                  <a:extLst>
+                    <a:ext uri="{9D8B030D-6E8A-4147-A177-3AD203B41FA5}">
+                      <a16:colId xmlns:a16="http://schemas.microsoft.com/office/drawing/2014/main" val="2576613788"/>
+                    </a:ext>
+                  </a:extLst>
+                </a:gridCol>
+              </a:tblGrid>
+              <a:tr h="0">
+                <a:tc>
+                  <a:txBody>
+                    <a:bodyPr/>
+                    <a:lstStyle/>
+                    <a:p>
+                      <a:r>
+                        <a:rPr lang="en-US" dirty="0"/>
+                        <a:t>County</a:t>
+                      </a:r>
+                    </a:p>
+                  </a:txBody>
+                  <a:tcPr/>
+                </a:tc>
+                <a:tc>
+                  <a:txBody>
+                    <a:bodyPr/>
+                    <a:lstStyle/>
+                    <a:p>
+                      <a:r>
+                        <a:rPr lang="en-US" dirty="0"/>
+                        <a:t>Poverty Rate - 2020</a:t>
+                      </a:r>
+                    </a:p>
+                  </a:txBody>
+                  <a:tcPr/>
+                </a:tc>
+                <a:extLst>
+                  <a:ext uri="{0D108BD9-81ED-4DB2-BD59-A6C34878D82A}">
+                    <a16:rowId xmlns:a16="http://schemas.microsoft.com/office/drawing/2014/main" val="3356930229"/>
+                  </a:ext>
+                </a:extLst>
+              </a:tr>
+              <a:tr h="370840">
+                <a:tc>
+                  <a:txBody>
+                    <a:bodyPr/>
+                    <a:lstStyle/>
+                    <a:p>
+                      <a:r>
+                        <a:rPr lang="en-US" dirty="0"/>
+                        <a:t>Anderson</a:t>
+                      </a:r>
+                    </a:p>
+                  </a:txBody>
+                  <a:tcPr/>
+                </a:tc>
+                <a:tc>
+                  <a:txBody>
+                    <a:bodyPr/>
+                    <a:lstStyle/>
+                    <a:p>
+                      <a:r>
+                        <a:rPr lang="en-US" dirty="0"/>
+                        <a:t>20.9%</a:t>
+                      </a:r>
+                    </a:p>
+                  </a:txBody>
+                  <a:tcPr/>
+                </a:tc>
+                <a:extLst>
+                  <a:ext uri="{0D108BD9-81ED-4DB2-BD59-A6C34878D82A}">
+                    <a16:rowId xmlns:a16="http://schemas.microsoft.com/office/drawing/2014/main" val="1151605331"/>
+                  </a:ext>
+                </a:extLst>
+              </a:tr>
+              <a:tr h="370840">
+                <a:tc>
+                  <a:txBody>
+                    <a:bodyPr/>
+                    <a:lstStyle/>
+                    <a:p>
+                      <a:r>
+                        <a:rPr lang="en-US" dirty="0"/>
+                        <a:t>Andrews</a:t>
+                      </a:r>
+                    </a:p>
+                  </a:txBody>
+                  <a:tcPr/>
+                </a:tc>
+                <a:tc>
+                  <a:txBody>
+                    <a:bodyPr/>
+                    <a:lstStyle/>
+                    <a:p>
+                      <a:r>
+                        <a:rPr lang="en-US" dirty="0"/>
+                        <a:t>9.2%</a:t>
+                      </a:r>
+                    </a:p>
+                  </a:txBody>
+                  <a:tcPr/>
+                </a:tc>
+                <a:extLst>
+                  <a:ext uri="{0D108BD9-81ED-4DB2-BD59-A6C34878D82A}">
+                    <a16:rowId xmlns:a16="http://schemas.microsoft.com/office/drawing/2014/main" val="4173016939"/>
+                  </a:ext>
+                </a:extLst>
+              </a:tr>
+            </a:tbl>
+          </a:graphicData>
+        </a:graphic>
+      </p:graphicFrame>
+      <p:sp>
+        <p:nvSpPr>
+          <p:cNvPr id="12" name="Arrow: Right 11">
+            <a:extLst>
+              <a:ext uri="{FF2B5EF4-FFF2-40B4-BE49-F238E27FC236}">
+                <a16:creationId xmlns:a16="http://schemas.microsoft.com/office/drawing/2014/main" id="{FCFAC698-90BE-6FAB-F182-D9FE110C729F}"/>
+              </a:ext>
+            </a:extLst>
+          </p:cNvPr>
+          <p:cNvSpPr/>
+          <p:nvPr/>
+        </p:nvSpPr>
+        <p:spPr>
+          <a:xfrm>
+            <a:off x="9830526" y="8146143"/>
+            <a:ext cx="2743200" cy="774337"/>
+          </a:xfrm>
+          <a:prstGeom prst="rightArrow">
+            <a:avLst/>
+          </a:prstGeom>
+          <a:solidFill>
+            <a:srgbClr val="FE6869"/>
+          </a:solidFill>
+          <a:ln>
+            <a:noFill/>
+          </a:ln>
+        </p:spPr>
+        <p:style>
+          <a:lnRef idx="2">
+            <a:schemeClr val="accent1">
+              <a:shade val="50000"/>
+            </a:schemeClr>
+          </a:lnRef>
+          <a:fillRef idx="1">
+            <a:schemeClr val="accent1"/>
+          </a:fillRef>
+          <a:effectRef idx="0">
+            <a:schemeClr val="accent1"/>
+          </a:effectRef>
+          <a:fontRef idx="minor">
+            <a:schemeClr val="lt1"/>
+          </a:fontRef>
+        </p:style>
+        <p:txBody>
+          <a:bodyPr rtlCol="0" anchor="ctr"/>
+          <a:lstStyle/>
+          <a:p>
+            <a:pPr algn="ctr"/>
+            <a:endParaRPr lang="en-US">
+              <a:solidFill>
+                <a:schemeClr val="tx1"/>
+              </a:solidFill>
+            </a:endParaRPr>
+          </a:p>
+        </p:txBody>
+      </p:sp>
+      <p:sp>
+        <p:nvSpPr>
+          <p:cNvPr id="13" name="TextBox 12">
+            <a:extLst>
+              <a:ext uri="{FF2B5EF4-FFF2-40B4-BE49-F238E27FC236}">
+                <a16:creationId xmlns:a16="http://schemas.microsoft.com/office/drawing/2014/main" id="{FE52D6FF-6939-F76C-7040-57AF395F1D0B}"/>
+              </a:ext>
+            </a:extLst>
+          </p:cNvPr>
+          <p:cNvSpPr txBox="1"/>
+          <p:nvPr/>
+        </p:nvSpPr>
+        <p:spPr>
+          <a:xfrm>
+            <a:off x="9266646" y="7570178"/>
+            <a:ext cx="3553097" cy="584775"/>
+          </a:xfrm>
+          <a:prstGeom prst="rect">
+            <a:avLst/>
+          </a:prstGeom>
+          <a:noFill/>
+        </p:spPr>
+        <p:txBody>
+          <a:bodyPr wrap="square" rtlCol="0">
+            <a:spAutoFit/>
+          </a:bodyPr>
+          <a:lstStyle/>
+          <a:p>
+            <a:pPr algn="ctr"/>
+            <a:r>
+              <a:rPr lang="en-US" sz="3200" dirty="0">
+                <a:solidFill>
+                  <a:srgbClr val="414141"/>
+                </a:solidFill>
+                <a:latin typeface="Open Sans Semibold" panose="020B0706030804020204" pitchFamily="34" charset="0"/>
+                <a:ea typeface="Open Sans Semibold" panose="020B0706030804020204" pitchFamily="34" charset="0"/>
+                <a:cs typeface="Open Sans Semibold" panose="020B0706030804020204" pitchFamily="34" charset="0"/>
+              </a:rPr>
+              <a:t>Concatenate</a:t>
+            </a:r>
+          </a:p>
+        </p:txBody>
+      </p:sp>
+      <p:graphicFrame>
+        <p:nvGraphicFramePr>
+          <p:cNvPr id="14" name="Table 4">
+            <a:extLst>
+              <a:ext uri="{FF2B5EF4-FFF2-40B4-BE49-F238E27FC236}">
+                <a16:creationId xmlns:a16="http://schemas.microsoft.com/office/drawing/2014/main" id="{E21A1A3B-EBCA-5B94-6A02-3FA8B92FEA53}"/>
+              </a:ext>
+            </a:extLst>
+          </p:cNvPr>
+          <p:cNvGraphicFramePr>
+            <a:graphicFrameLocks noGrp="1"/>
+          </p:cNvGraphicFramePr>
+          <p:nvPr>
+            <p:extLst>
+              <p:ext uri="{D42A27DB-BD31-4B8C-83A1-F6EECF244321}">
+                <p14:modId xmlns:p14="http://schemas.microsoft.com/office/powerpoint/2010/main" val="3058886472"/>
+              </p:ext>
+            </p:extLst>
+          </p:nvPr>
+        </p:nvGraphicFramePr>
+        <p:xfrm>
+          <a:off x="14383658" y="6639559"/>
+          <a:ext cx="8737601" cy="3749040"/>
+        </p:xfrm>
+        <a:graphic>
+          <a:graphicData uri="http://schemas.openxmlformats.org/drawingml/2006/table">
+            <a:tbl>
+              <a:tblPr firstRow="1" bandRow="1">
+                <a:tableStyleId>{5C22544A-7EE6-4342-B048-85BDC9FD1C3A}</a:tableStyleId>
+              </a:tblPr>
+              <a:tblGrid>
+                <a:gridCol w="1988050">
+                  <a:extLst>
+                    <a:ext uri="{9D8B030D-6E8A-4147-A177-3AD203B41FA5}">
+                      <a16:colId xmlns:a16="http://schemas.microsoft.com/office/drawing/2014/main" val="3699644126"/>
+                    </a:ext>
+                  </a:extLst>
+                </a:gridCol>
+                <a:gridCol w="3253262">
+                  <a:extLst>
+                    <a:ext uri="{9D8B030D-6E8A-4147-A177-3AD203B41FA5}">
+                      <a16:colId xmlns:a16="http://schemas.microsoft.com/office/drawing/2014/main" val="3667060327"/>
+                    </a:ext>
+                  </a:extLst>
+                </a:gridCol>
+                <a:gridCol w="3496289">
+                  <a:extLst>
+                    <a:ext uri="{9D8B030D-6E8A-4147-A177-3AD203B41FA5}">
+                      <a16:colId xmlns:a16="http://schemas.microsoft.com/office/drawing/2014/main" val="2576613788"/>
+                    </a:ext>
+                  </a:extLst>
+                </a:gridCol>
+              </a:tblGrid>
+              <a:tr h="370840">
+                <a:tc>
+                  <a:txBody>
+                    <a:bodyPr/>
+                    <a:lstStyle/>
+                    <a:p>
+                      <a:r>
+                        <a:rPr lang="en-US" dirty="0"/>
+                        <a:t>County</a:t>
+                      </a:r>
+                    </a:p>
+                  </a:txBody>
+                  <a:tcPr/>
+                </a:tc>
+                <a:tc>
+                  <a:txBody>
+                    <a:bodyPr/>
+                    <a:lstStyle/>
+                    <a:p>
+                      <a:r>
+                        <a:rPr lang="en-US" dirty="0"/>
+                        <a:t>Population - 2020</a:t>
+                      </a:r>
+                    </a:p>
+                  </a:txBody>
+                  <a:tcPr/>
+                </a:tc>
+                <a:tc>
+                  <a:txBody>
+                    <a:bodyPr/>
+                    <a:lstStyle/>
+                    <a:p>
+                      <a:r>
+                        <a:rPr lang="en-US" dirty="0"/>
+                        <a:t>Poverty Rate - 2020</a:t>
+                      </a:r>
+                    </a:p>
+                  </a:txBody>
+                  <a:tcPr/>
+                </a:tc>
+                <a:extLst>
+                  <a:ext uri="{0D108BD9-81ED-4DB2-BD59-A6C34878D82A}">
+                    <a16:rowId xmlns:a16="http://schemas.microsoft.com/office/drawing/2014/main" val="3356930229"/>
+                  </a:ext>
+                </a:extLst>
+              </a:tr>
+              <a:tr h="370840">
+                <a:tc>
+                  <a:txBody>
+                    <a:bodyPr/>
+                    <a:lstStyle/>
+                    <a:p>
+                      <a:r>
+                        <a:rPr lang="en-US" dirty="0"/>
+                        <a:t>Anderson</a:t>
+                      </a:r>
+                    </a:p>
+                  </a:txBody>
+                  <a:tcPr/>
+                </a:tc>
+                <a:tc>
+                  <a:txBody>
+                    <a:bodyPr/>
+                    <a:lstStyle/>
+                    <a:p>
+                      <a:r>
+                        <a:rPr lang="en-US" dirty="0"/>
+                        <a:t>NA</a:t>
+                      </a:r>
+                    </a:p>
+                  </a:txBody>
+                  <a:tcPr/>
+                </a:tc>
+                <a:tc>
+                  <a:txBody>
+                    <a:bodyPr/>
+                    <a:lstStyle/>
+                    <a:p>
+                      <a:r>
+                        <a:rPr lang="en-US" dirty="0"/>
+                        <a:t>20.9%</a:t>
+                      </a:r>
+                    </a:p>
+                  </a:txBody>
+                  <a:tcPr/>
+                </a:tc>
+                <a:extLst>
+                  <a:ext uri="{0D108BD9-81ED-4DB2-BD59-A6C34878D82A}">
+                    <a16:rowId xmlns:a16="http://schemas.microsoft.com/office/drawing/2014/main" val="1151605331"/>
+                  </a:ext>
+                </a:extLst>
+              </a:tr>
+              <a:tr h="370840">
+                <a:tc>
+                  <a:txBody>
+                    <a:bodyPr/>
+                    <a:lstStyle/>
+                    <a:p>
+                      <a:r>
+                        <a:rPr lang="en-US" dirty="0"/>
+                        <a:t>Andrews</a:t>
+                      </a:r>
+                    </a:p>
+                  </a:txBody>
+                  <a:tcPr/>
+                </a:tc>
+                <a:tc>
+                  <a:txBody>
+                    <a:bodyPr/>
+                    <a:lstStyle/>
+                    <a:p>
+                      <a:r>
+                        <a:rPr lang="en-US" dirty="0"/>
+                        <a:t>NA</a:t>
+                      </a:r>
+                    </a:p>
+                  </a:txBody>
+                  <a:tcPr/>
+                </a:tc>
+                <a:tc>
+                  <a:txBody>
+                    <a:bodyPr/>
+                    <a:lstStyle/>
+                    <a:p>
+                      <a:r>
+                        <a:rPr lang="en-US" dirty="0"/>
+                        <a:t>9.2%</a:t>
+                      </a:r>
+                    </a:p>
+                  </a:txBody>
+                  <a:tcPr/>
+                </a:tc>
+                <a:extLst>
+                  <a:ext uri="{0D108BD9-81ED-4DB2-BD59-A6C34878D82A}">
+                    <a16:rowId xmlns:a16="http://schemas.microsoft.com/office/drawing/2014/main" val="4173016939"/>
+                  </a:ext>
+                </a:extLst>
+              </a:tr>
+              <a:tr h="370840">
+                <a:tc>
+                  <a:txBody>
+                    <a:bodyPr/>
+                    <a:lstStyle/>
+                    <a:p>
+                      <a:r>
+                        <a:rPr lang="en-US" dirty="0"/>
+                        <a:t>Angelina</a:t>
+                      </a:r>
+                    </a:p>
+                  </a:txBody>
+                  <a:tcPr/>
+                </a:tc>
+                <a:tc>
+                  <a:txBody>
+                    <a:bodyPr/>
+                    <a:lstStyle/>
+                    <a:p>
+                      <a:r>
+                        <a:rPr lang="en-US" dirty="0"/>
+                        <a:t>87,092</a:t>
+                      </a:r>
+                    </a:p>
+                  </a:txBody>
+                  <a:tcPr/>
+                </a:tc>
+                <a:tc>
+                  <a:txBody>
+                    <a:bodyPr/>
+                    <a:lstStyle/>
+                    <a:p>
+                      <a:r>
+                        <a:rPr lang="en-US" dirty="0"/>
+                        <a:t>NA</a:t>
+                      </a:r>
+                    </a:p>
+                  </a:txBody>
+                  <a:tcPr/>
+                </a:tc>
+                <a:extLst>
+                  <a:ext uri="{0D108BD9-81ED-4DB2-BD59-A6C34878D82A}">
+                    <a16:rowId xmlns:a16="http://schemas.microsoft.com/office/drawing/2014/main" val="1243671268"/>
+                  </a:ext>
+                </a:extLst>
+              </a:tr>
+              <a:tr h="370840">
+                <a:tc>
+                  <a:txBody>
+                    <a:bodyPr/>
+                    <a:lstStyle/>
+                    <a:p>
+                      <a:r>
+                        <a:rPr lang="en-US" dirty="0"/>
+                        <a:t>Aransas</a:t>
+                      </a:r>
+                    </a:p>
+                  </a:txBody>
+                  <a:tcPr/>
+                </a:tc>
+                <a:tc>
+                  <a:txBody>
+                    <a:bodyPr/>
+                    <a:lstStyle/>
+                    <a:p>
+                      <a:r>
+                        <a:rPr lang="en-US" dirty="0"/>
+                        <a:t>23,792</a:t>
+                      </a:r>
+                    </a:p>
+                  </a:txBody>
+                  <a:tcPr/>
+                </a:tc>
+                <a:tc>
+                  <a:txBody>
+                    <a:bodyPr/>
+                    <a:lstStyle/>
+                    <a:p>
+                      <a:r>
+                        <a:rPr lang="en-US" dirty="0"/>
+                        <a:t>NA</a:t>
+                      </a:r>
+                    </a:p>
+                  </a:txBody>
+                  <a:tcPr/>
+                </a:tc>
+                <a:extLst>
+                  <a:ext uri="{0D108BD9-81ED-4DB2-BD59-A6C34878D82A}">
+                    <a16:rowId xmlns:a16="http://schemas.microsoft.com/office/drawing/2014/main" val="3581653560"/>
+                  </a:ext>
+                </a:extLst>
+              </a:tr>
+            </a:tbl>
+          </a:graphicData>
+        </a:graphic>
+      </p:graphicFrame>
+    </p:spTree>
+    <p:extLst>
+      <p:ext uri="{BB962C8B-B14F-4D97-AF65-F5344CB8AC3E}">
+        <p14:creationId xmlns:p14="http://schemas.microsoft.com/office/powerpoint/2010/main" val="2229072703"/>
+      </p:ext>
+    </p:extLst>
+  </p:cSld>
+  <p:clrMapOvr>
+    <a:masterClrMapping/>
+  </p:clrMapOvr>
+</p:sld>
+</file>
+
+<file path=ppt/slides/slide12.xml><?xml version="1.0" encoding="utf-8"?>
+<p:sld xmlns:a="http://schemas.openxmlformats.org/drawingml/2006/main" xmlns:r="http://schemas.openxmlformats.org/officeDocument/2006/relationships" xmlns:p="http://schemas.openxmlformats.org/presentationml/2006/main">
+  <p:cSld>
+    <p:spTree>
+      <p:nvGrpSpPr>
+        <p:cNvPr id="1" name=""/>
+        <p:cNvGrpSpPr/>
+        <p:nvPr/>
+      </p:nvGrpSpPr>
+      <p:grpSpPr>
+        <a:xfrm>
+          <a:off x="0" y="0"/>
+          <a:ext cx="0" cy="0"/>
+          <a:chOff x="0" y="0"/>
+          <a:chExt cx="0" cy="0"/>
+        </a:xfrm>
+      </p:grpSpPr>
+      <p:sp>
+        <p:nvSpPr>
+          <p:cNvPr id="2" name="Title 1">
+            <a:extLst>
+              <a:ext uri="{FF2B5EF4-FFF2-40B4-BE49-F238E27FC236}">
+                <a16:creationId xmlns:a16="http://schemas.microsoft.com/office/drawing/2014/main" id="{D59046B6-A09F-C207-0838-AB9B23280EDA}"/>
+              </a:ext>
+            </a:extLst>
+          </p:cNvPr>
+          <p:cNvSpPr>
+            <a:spLocks noGrp="1"/>
+          </p:cNvSpPr>
+          <p:nvPr>
+            <p:ph type="title"/>
+          </p:nvPr>
+        </p:nvSpPr>
+        <p:spPr/>
+        <p:txBody>
+          <a:bodyPr/>
+          <a:lstStyle/>
+          <a:p>
+            <a:r>
+              <a:rPr lang="en-US" dirty="0"/>
+              <a:t>DATA MERGING - BASICS</a:t>
+            </a:r>
+          </a:p>
+        </p:txBody>
+      </p:sp>
+      <p:sp>
+        <p:nvSpPr>
+          <p:cNvPr id="3" name="Text Placeholder 2">
+            <a:extLst>
+              <a:ext uri="{FF2B5EF4-FFF2-40B4-BE49-F238E27FC236}">
+                <a16:creationId xmlns:a16="http://schemas.microsoft.com/office/drawing/2014/main" id="{B9F53EA9-73D6-78B3-1F5D-C56ADA0F803C}"/>
+              </a:ext>
+            </a:extLst>
+          </p:cNvPr>
+          <p:cNvSpPr>
+            <a:spLocks noGrp="1"/>
+          </p:cNvSpPr>
+          <p:nvPr>
+            <p:ph type="body" sz="quarter" idx="10"/>
+          </p:nvPr>
+        </p:nvSpPr>
+        <p:spPr>
+          <a:xfrm>
+            <a:off x="1959429" y="3370217"/>
+            <a:ext cx="20508685" cy="6789783"/>
+          </a:xfrm>
+        </p:spPr>
+        <p:txBody>
+          <a:bodyPr/>
+          <a:lstStyle/>
+          <a:p>
+            <a:pPr marL="457200" indent="-457200">
+              <a:buFont typeface="Arial" panose="020B0604020202020204" pitchFamily="34" charset="0"/>
+              <a:buChar char="•"/>
+            </a:pPr>
+            <a:r>
+              <a:rPr lang="en-US" sz="3600" dirty="0"/>
+              <a:t>Merging (also called joining) allows us to combine smaller datasets with different variables on the same observations into one unified </a:t>
+            </a:r>
+          </a:p>
+          <a:p>
+            <a:pPr marL="457200" indent="-457200">
+              <a:buFont typeface="Arial" panose="020B0604020202020204" pitchFamily="34" charset="0"/>
+              <a:buChar char="•"/>
+            </a:pPr>
+            <a:r>
+              <a:rPr lang="en-US" sz="3600" dirty="0"/>
+              <a:t>To merge two datasets you need a </a:t>
+            </a:r>
+            <a:r>
+              <a:rPr lang="en-US" sz="3600" b="1" dirty="0"/>
+              <a:t>key</a:t>
+            </a:r>
+            <a:r>
+              <a:rPr lang="en-US" sz="3600" dirty="0"/>
+              <a:t>, or common variable, that can be used to match observations</a:t>
+            </a:r>
+          </a:p>
+          <a:p>
+            <a:pPr marL="457200" indent="-457200">
+              <a:buFont typeface="Arial" panose="020B0604020202020204" pitchFamily="34" charset="0"/>
+              <a:buChar char="•"/>
+            </a:pPr>
+            <a:r>
+              <a:rPr lang="en-US" sz="3600" dirty="0"/>
+              <a:t>Although this can be done in Tableau, we will do this step in R because it allows more automation and lets us do cleaning and merging in the same script</a:t>
+            </a:r>
+          </a:p>
+          <a:p>
+            <a:pPr marL="1371600" lvl="1" indent="-457200">
+              <a:buFont typeface="Arial" panose="020B0604020202020204" pitchFamily="34" charset="0"/>
+              <a:buChar char="•"/>
+            </a:pPr>
+            <a:r>
+              <a:rPr lang="en-US" sz="3600" dirty="0"/>
+              <a:t>Fully preparing your datasets before moving them to Tableau also makes collaboration easier – we have other researchers using the MAP dataset without the dashboard and they can do so because it was pre-cleaned and pre-merged.</a:t>
+            </a:r>
+          </a:p>
+          <a:p>
+            <a:pPr marL="457200" indent="-457200">
+              <a:buFont typeface="Arial" panose="020B0604020202020204" pitchFamily="34" charset="0"/>
+              <a:buChar char="•"/>
+            </a:pPr>
+            <a:endParaRPr lang="en-US" b="1" dirty="0"/>
+          </a:p>
+        </p:txBody>
+      </p:sp>
+    </p:spTree>
+    <p:extLst>
+      <p:ext uri="{BB962C8B-B14F-4D97-AF65-F5344CB8AC3E}">
+        <p14:creationId xmlns:p14="http://schemas.microsoft.com/office/powerpoint/2010/main" val="1851950089"/>
+      </p:ext>
+    </p:extLst>
+  </p:cSld>
+  <p:clrMapOvr>
+    <a:masterClrMapping/>
+  </p:clrMapOvr>
+</p:sld>
+</file>
+
+<file path=ppt/slides/slide13.xml><?xml version="1.0" encoding="utf-8"?>
+<p:sld xmlns:a="http://schemas.openxmlformats.org/drawingml/2006/main" xmlns:r="http://schemas.openxmlformats.org/officeDocument/2006/relationships" xmlns:p="http://schemas.openxmlformats.org/presentationml/2006/main">
+  <p:cSld>
+    <p:spTree>
+      <p:nvGrpSpPr>
+        <p:cNvPr id="1" name=""/>
+        <p:cNvGrpSpPr/>
+        <p:nvPr/>
+      </p:nvGrpSpPr>
+      <p:grpSpPr>
+        <a:xfrm>
+          <a:off x="0" y="0"/>
+          <a:ext cx="0" cy="0"/>
+          <a:chOff x="0" y="0"/>
+          <a:chExt cx="0" cy="0"/>
+        </a:xfrm>
+      </p:grpSpPr>
+      <p:sp>
+        <p:nvSpPr>
+          <p:cNvPr id="2" name="Title 1">
+            <a:extLst>
+              <a:ext uri="{FF2B5EF4-FFF2-40B4-BE49-F238E27FC236}">
+                <a16:creationId xmlns:a16="http://schemas.microsoft.com/office/drawing/2014/main" id="{2F1F39F8-0F78-D853-307E-70A3CF1E61C0}"/>
+              </a:ext>
+            </a:extLst>
+          </p:cNvPr>
+          <p:cNvSpPr>
+            <a:spLocks noGrp="1"/>
+          </p:cNvSpPr>
+          <p:nvPr>
+            <p:ph type="title"/>
+          </p:nvPr>
+        </p:nvSpPr>
+        <p:spPr/>
+        <p:txBody>
+          <a:bodyPr/>
+          <a:lstStyle/>
+          <a:p>
+            <a:r>
+              <a:rPr lang="en-US" dirty="0"/>
+              <a:t>INNER AND OUTER MERGES</a:t>
+            </a:r>
+          </a:p>
+        </p:txBody>
+      </p:sp>
+      <p:sp>
+        <p:nvSpPr>
+          <p:cNvPr id="3" name="Text Placeholder 2">
+            <a:extLst>
+              <a:ext uri="{FF2B5EF4-FFF2-40B4-BE49-F238E27FC236}">
+                <a16:creationId xmlns:a16="http://schemas.microsoft.com/office/drawing/2014/main" id="{93E2295A-C17A-8F19-0215-AFBB847CD63C}"/>
+              </a:ext>
+            </a:extLst>
+          </p:cNvPr>
+          <p:cNvSpPr>
+            <a:spLocks noGrp="1"/>
+          </p:cNvSpPr>
+          <p:nvPr>
+            <p:ph type="body" sz="quarter" idx="10"/>
+          </p:nvPr>
+        </p:nvSpPr>
+        <p:spPr/>
+        <p:txBody>
+          <a:bodyPr/>
+          <a:lstStyle/>
+          <a:p>
+            <a:pPr marL="457200" indent="-457200">
+              <a:buFont typeface="Arial" panose="020B0604020202020204" pitchFamily="34" charset="0"/>
+              <a:buChar char="•"/>
+            </a:pPr>
+            <a:r>
+              <a:rPr lang="en-US" sz="4400" dirty="0">
+                <a:latin typeface="Nunito Sans" pitchFamily="2" charset="0"/>
+              </a:rPr>
+              <a:t>With a merge, we </a:t>
+            </a:r>
+            <a:r>
+              <a:rPr lang="en-US" sz="4400" b="1" dirty="0">
+                <a:latin typeface="Nunito Sans" pitchFamily="2" charset="0"/>
+              </a:rPr>
+              <a:t>always</a:t>
+            </a:r>
+            <a:r>
+              <a:rPr lang="en-US" sz="4400" dirty="0">
+                <a:latin typeface="Nunito Sans" pitchFamily="2" charset="0"/>
+              </a:rPr>
+              <a:t> add new variables and </a:t>
+            </a:r>
+            <a:r>
+              <a:rPr lang="en-US" sz="4400" b="1" dirty="0">
+                <a:latin typeface="Nunito Sans" pitchFamily="2" charset="0"/>
+              </a:rPr>
+              <a:t>may</a:t>
+            </a:r>
+            <a:r>
+              <a:rPr lang="en-US" sz="4400" dirty="0">
+                <a:latin typeface="Nunito Sans" pitchFamily="2" charset="0"/>
+              </a:rPr>
+              <a:t> add new observations</a:t>
+            </a:r>
+          </a:p>
+          <a:p>
+            <a:pPr marL="1371600" lvl="1" indent="-457200">
+              <a:buFont typeface="Arial" panose="020B0604020202020204" pitchFamily="34" charset="0"/>
+              <a:buChar char="•"/>
+            </a:pPr>
+            <a:r>
+              <a:rPr lang="en-US" sz="4400" b="0" i="0" u="none" strike="noStrike" dirty="0">
+                <a:effectLst/>
+                <a:latin typeface="Nunito Sans" pitchFamily="2" charset="0"/>
+              </a:rPr>
+              <a:t>With an </a:t>
+            </a:r>
+            <a:r>
+              <a:rPr lang="en-US" sz="4400" b="1" i="0" u="none" strike="noStrike" dirty="0">
+                <a:effectLst/>
+                <a:latin typeface="Nunito Sans" pitchFamily="2" charset="0"/>
+              </a:rPr>
+              <a:t>inner </a:t>
+            </a:r>
+            <a:r>
+              <a:rPr lang="en-US" sz="4400" b="1" dirty="0">
+                <a:latin typeface="Nunito Sans" pitchFamily="2" charset="0"/>
+              </a:rPr>
+              <a:t>merge</a:t>
+            </a:r>
+            <a:r>
+              <a:rPr lang="en-US" sz="4400" b="0" i="0" u="none" strike="noStrike" dirty="0">
+                <a:effectLst/>
+                <a:latin typeface="Nunito Sans" pitchFamily="2" charset="0"/>
+              </a:rPr>
+              <a:t>, we only keep observations that are present in both datasets</a:t>
+            </a:r>
+          </a:p>
+          <a:p>
+            <a:pPr marL="1371600" lvl="1" indent="-457200">
+              <a:buFont typeface="Arial" panose="020B0604020202020204" pitchFamily="34" charset="0"/>
+              <a:buChar char="•"/>
+            </a:pPr>
+            <a:r>
+              <a:rPr lang="en-US" sz="4400" dirty="0">
+                <a:latin typeface="Nunito Sans" pitchFamily="2" charset="0"/>
+              </a:rPr>
+              <a:t>With an </a:t>
+            </a:r>
+            <a:r>
+              <a:rPr lang="en-US" sz="4400" b="1" dirty="0">
+                <a:latin typeface="Nunito Sans" pitchFamily="2" charset="0"/>
+              </a:rPr>
+              <a:t>outer merge</a:t>
+            </a:r>
+            <a:r>
+              <a:rPr lang="en-US" sz="4400" dirty="0">
+                <a:latin typeface="Nunito Sans" pitchFamily="2" charset="0"/>
+              </a:rPr>
+              <a:t>, we keep all observations and leave missing variables blank</a:t>
+            </a:r>
+          </a:p>
+          <a:p>
+            <a:pPr marL="1371600" lvl="1" indent="-457200">
+              <a:buFont typeface="Arial" panose="020B0604020202020204" pitchFamily="34" charset="0"/>
+              <a:buChar char="•"/>
+            </a:pPr>
+            <a:r>
+              <a:rPr lang="en-US" sz="4400" b="0" i="0" u="none" strike="noStrike" dirty="0">
+                <a:effectLst/>
+                <a:latin typeface="Nunito Sans" pitchFamily="2" charset="0"/>
+              </a:rPr>
+              <a:t>With a </a:t>
+            </a:r>
+            <a:r>
+              <a:rPr lang="en-US" sz="4400" b="1" i="0" u="none" strike="noStrike" dirty="0">
+                <a:effectLst/>
+                <a:latin typeface="Nunito Sans" pitchFamily="2" charset="0"/>
+              </a:rPr>
+              <a:t>left/right outer merge</a:t>
+            </a:r>
+            <a:r>
+              <a:rPr lang="en-US" sz="4400" i="0" u="none" strike="noStrike" dirty="0">
+                <a:effectLst/>
+                <a:latin typeface="Nunito Sans" pitchFamily="2" charset="0"/>
+              </a:rPr>
+              <a:t>,</a:t>
+            </a:r>
+            <a:r>
+              <a:rPr lang="en-US" sz="4400" b="1" i="0" u="none" strike="noStrike" dirty="0">
+                <a:effectLst/>
+                <a:latin typeface="Nunito Sans" pitchFamily="2" charset="0"/>
+              </a:rPr>
+              <a:t> </a:t>
+            </a:r>
+            <a:r>
+              <a:rPr lang="en-US" sz="4400" i="0" u="none" strike="noStrike" dirty="0">
+                <a:effectLst/>
+                <a:latin typeface="Nunito Sans" pitchFamily="2" charset="0"/>
+              </a:rPr>
+              <a:t>we keep all observations from one of the datasets and leave missing variables blank</a:t>
+            </a:r>
+            <a:endParaRPr lang="en-US" sz="4400" b="1" i="0" u="none" strike="noStrike" dirty="0">
+              <a:effectLst/>
+              <a:latin typeface="Nunito Sans" pitchFamily="2" charset="0"/>
+            </a:endParaRPr>
+          </a:p>
+          <a:p>
+            <a:pPr marL="1371600" lvl="1" indent="-457200">
+              <a:buFont typeface="Arial" panose="020B0604020202020204" pitchFamily="34" charset="0"/>
+              <a:buChar char="•"/>
+            </a:pPr>
+            <a:endParaRPr lang="en-US" sz="4400" b="0" i="0" u="none" strike="noStrike" dirty="0">
+              <a:effectLst/>
+              <a:latin typeface="Nunito Sans" pitchFamily="2" charset="0"/>
+            </a:endParaRPr>
+          </a:p>
+          <a:p>
+            <a:pPr marL="457200" indent="-457200">
+              <a:buFont typeface="Arial" panose="020B0604020202020204" pitchFamily="34" charset="0"/>
+              <a:buChar char="•"/>
+            </a:pPr>
+            <a:endParaRPr lang="en-US" dirty="0"/>
+          </a:p>
+        </p:txBody>
+      </p:sp>
+    </p:spTree>
+    <p:extLst>
+      <p:ext uri="{BB962C8B-B14F-4D97-AF65-F5344CB8AC3E}">
+        <p14:creationId xmlns:p14="http://schemas.microsoft.com/office/powerpoint/2010/main" val="677260952"/>
+      </p:ext>
+    </p:extLst>
+  </p:cSld>
+  <p:clrMapOvr>
+    <a:masterClrMapping/>
+  </p:clrMapOvr>
+</p:sld>
+</file>
+
+<file path=ppt/slides/slide14.xml><?xml version="1.0" encoding="utf-8"?>
+<p:sld xmlns:a="http://schemas.openxmlformats.org/drawingml/2006/main" xmlns:r="http://schemas.openxmlformats.org/officeDocument/2006/relationships" xmlns:p="http://schemas.openxmlformats.org/presentationml/2006/main">
+  <p:cSld>
+    <p:spTree>
+      <p:nvGrpSpPr>
+        <p:cNvPr id="1" name=""/>
+        <p:cNvGrpSpPr/>
+        <p:nvPr/>
+      </p:nvGrpSpPr>
+      <p:grpSpPr>
+        <a:xfrm>
+          <a:off x="0" y="0"/>
+          <a:ext cx="0" cy="0"/>
+          <a:chOff x="0" y="0"/>
+          <a:chExt cx="0" cy="0"/>
+        </a:xfrm>
+      </p:grpSpPr>
+      <p:sp>
+        <p:nvSpPr>
+          <p:cNvPr id="2" name="Title 1">
+            <a:extLst>
+              <a:ext uri="{FF2B5EF4-FFF2-40B4-BE49-F238E27FC236}">
+                <a16:creationId xmlns:a16="http://schemas.microsoft.com/office/drawing/2014/main" id="{C1542959-6C11-9F31-75CD-D83B3E20C0C0}"/>
+              </a:ext>
+            </a:extLst>
+          </p:cNvPr>
+          <p:cNvSpPr>
+            <a:spLocks noGrp="1"/>
+          </p:cNvSpPr>
+          <p:nvPr>
+            <p:ph type="title"/>
+          </p:nvPr>
+        </p:nvSpPr>
+        <p:spPr>
+          <a:xfrm>
+            <a:off x="3383280" y="1475624"/>
+            <a:ext cx="18288000" cy="1143562"/>
+          </a:xfrm>
+        </p:spPr>
+        <p:txBody>
+          <a:bodyPr/>
+          <a:lstStyle/>
+          <a:p>
+            <a:r>
+              <a:rPr lang="en-US" dirty="0"/>
+              <a:t>INNER MERGE</a:t>
+            </a:r>
+          </a:p>
+        </p:txBody>
+      </p:sp>
+      <p:sp>
+        <p:nvSpPr>
+          <p:cNvPr id="3" name="Text Placeholder 2">
+            <a:extLst>
+              <a:ext uri="{FF2B5EF4-FFF2-40B4-BE49-F238E27FC236}">
+                <a16:creationId xmlns:a16="http://schemas.microsoft.com/office/drawing/2014/main" id="{2DD7EC54-F79D-611D-E240-003544F70F8E}"/>
+              </a:ext>
+            </a:extLst>
+          </p:cNvPr>
+          <p:cNvSpPr>
+            <a:spLocks noGrp="1"/>
+          </p:cNvSpPr>
+          <p:nvPr>
+            <p:ph type="body" sz="quarter" idx="10"/>
+          </p:nvPr>
+        </p:nvSpPr>
+        <p:spPr/>
+        <p:txBody>
+          <a:bodyPr/>
+          <a:lstStyle/>
+          <a:p>
+            <a:pPr marL="342900" indent="-342900" algn="l" rtl="0" eaLnBrk="1" fontAlgn="t" latinLnBrk="0" hangingPunct="1">
+              <a:spcBef>
+                <a:spcPts val="0"/>
+              </a:spcBef>
+              <a:spcAft>
+                <a:spcPts val="0"/>
+              </a:spcAft>
+              <a:buFont typeface="Arial" panose="020B0604020202020204" pitchFamily="34" charset="0"/>
+              <a:buChar char="•"/>
+            </a:pPr>
+            <a:r>
+              <a:rPr lang="en-US" sz="4400" dirty="0">
+                <a:latin typeface="Nunito Sans" pitchFamily="2" charset="0"/>
+              </a:rPr>
+              <a:t>With an inner merge, we only keep observations that are common to both datasets </a:t>
+            </a:r>
+            <a:endParaRPr lang="en-US" sz="4400" b="0" i="0" u="none" strike="noStrike" dirty="0">
+              <a:effectLst/>
+              <a:latin typeface="Nunito Sans" pitchFamily="2" charset="0"/>
+            </a:endParaRPr>
+          </a:p>
+        </p:txBody>
+      </p:sp>
+      <p:graphicFrame>
+        <p:nvGraphicFramePr>
+          <p:cNvPr id="4" name="Table 4">
+            <a:extLst>
+              <a:ext uri="{FF2B5EF4-FFF2-40B4-BE49-F238E27FC236}">
+                <a16:creationId xmlns:a16="http://schemas.microsoft.com/office/drawing/2014/main" id="{2FA0FD9F-BC16-A39B-EF59-8829D6FC2F0B}"/>
+              </a:ext>
+            </a:extLst>
+          </p:cNvPr>
+          <p:cNvGraphicFramePr>
+            <a:graphicFrameLocks noGrp="1"/>
+          </p:cNvGraphicFramePr>
+          <p:nvPr>
+            <p:extLst>
+              <p:ext uri="{D42A27DB-BD31-4B8C-83A1-F6EECF244321}">
+                <p14:modId xmlns:p14="http://schemas.microsoft.com/office/powerpoint/2010/main" val="238403016"/>
+              </p:ext>
+            </p:extLst>
+          </p:nvPr>
+        </p:nvGraphicFramePr>
+        <p:xfrm>
+          <a:off x="276357" y="7279639"/>
+          <a:ext cx="4767328" cy="3108960"/>
+        </p:xfrm>
+        <a:graphic>
+          <a:graphicData uri="http://schemas.openxmlformats.org/drawingml/2006/table">
+            <a:tbl>
+              <a:tblPr firstRow="1" bandRow="1">
+                <a:tableStyleId>{5C22544A-7EE6-4342-B048-85BDC9FD1C3A}</a:tableStyleId>
+              </a:tblPr>
+              <a:tblGrid>
+                <a:gridCol w="2383664">
+                  <a:extLst>
+                    <a:ext uri="{9D8B030D-6E8A-4147-A177-3AD203B41FA5}">
+                      <a16:colId xmlns:a16="http://schemas.microsoft.com/office/drawing/2014/main" val="2577046166"/>
+                    </a:ext>
+                  </a:extLst>
+                </a:gridCol>
+                <a:gridCol w="2383664">
+                  <a:extLst>
+                    <a:ext uri="{9D8B030D-6E8A-4147-A177-3AD203B41FA5}">
+                      <a16:colId xmlns:a16="http://schemas.microsoft.com/office/drawing/2014/main" val="1086767232"/>
+                    </a:ext>
+                  </a:extLst>
+                </a:gridCol>
+              </a:tblGrid>
+              <a:tr h="549952">
+                <a:tc>
+                  <a:txBody>
+                    <a:bodyPr/>
+                    <a:lstStyle/>
+                    <a:p>
+                      <a:r>
+                        <a:rPr lang="en-US" dirty="0"/>
+                        <a:t>County</a:t>
+                      </a:r>
+                    </a:p>
+                  </a:txBody>
+                  <a:tcPr/>
+                </a:tc>
+                <a:tc>
+                  <a:txBody>
+                    <a:bodyPr/>
+                    <a:lstStyle/>
+                    <a:p>
+                      <a:r>
+                        <a:rPr lang="en-US" dirty="0"/>
+                        <a:t>Poverty Rate - 2020</a:t>
+                      </a:r>
+                    </a:p>
+                  </a:txBody>
+                  <a:tcPr/>
+                </a:tc>
+                <a:extLst>
+                  <a:ext uri="{0D108BD9-81ED-4DB2-BD59-A6C34878D82A}">
+                    <a16:rowId xmlns:a16="http://schemas.microsoft.com/office/drawing/2014/main" val="1418649683"/>
+                  </a:ext>
+                </a:extLst>
+              </a:tr>
+              <a:tr h="549952">
+                <a:tc>
+                  <a:txBody>
+                    <a:bodyPr/>
+                    <a:lstStyle/>
+                    <a:p>
+                      <a:r>
+                        <a:rPr lang="en-US" b="1" dirty="0"/>
+                        <a:t>Andrews</a:t>
+                      </a:r>
+                    </a:p>
+                  </a:txBody>
+                  <a:tcPr/>
+                </a:tc>
+                <a:tc>
+                  <a:txBody>
+                    <a:bodyPr/>
+                    <a:lstStyle/>
+                    <a:p>
+                      <a:r>
+                        <a:rPr lang="en-US" dirty="0"/>
+                        <a:t>9.2%</a:t>
+                      </a:r>
+                    </a:p>
+                  </a:txBody>
+                  <a:tcPr/>
+                </a:tc>
+                <a:extLst>
+                  <a:ext uri="{0D108BD9-81ED-4DB2-BD59-A6C34878D82A}">
+                    <a16:rowId xmlns:a16="http://schemas.microsoft.com/office/drawing/2014/main" val="1423101745"/>
+                  </a:ext>
+                </a:extLst>
+              </a:tr>
+              <a:tr h="549952">
+                <a:tc>
+                  <a:txBody>
+                    <a:bodyPr/>
+                    <a:lstStyle/>
+                    <a:p>
+                      <a:r>
+                        <a:rPr lang="en-US" b="1" dirty="0"/>
+                        <a:t>Angelina</a:t>
+                      </a:r>
+                    </a:p>
+                  </a:txBody>
+                  <a:tcPr/>
+                </a:tc>
+                <a:tc>
+                  <a:txBody>
+                    <a:bodyPr/>
+                    <a:lstStyle/>
+                    <a:p>
+                      <a:r>
+                        <a:rPr lang="en-US" dirty="0"/>
+                        <a:t>17%</a:t>
+                      </a:r>
+                    </a:p>
+                  </a:txBody>
+                  <a:tcPr/>
+                </a:tc>
+                <a:extLst>
+                  <a:ext uri="{0D108BD9-81ED-4DB2-BD59-A6C34878D82A}">
+                    <a16:rowId xmlns:a16="http://schemas.microsoft.com/office/drawing/2014/main" val="2280745327"/>
+                  </a:ext>
+                </a:extLst>
+              </a:tr>
+              <a:tr h="549952">
+                <a:tc>
+                  <a:txBody>
+                    <a:bodyPr/>
+                    <a:lstStyle/>
+                    <a:p>
+                      <a:r>
+                        <a:rPr lang="en-US" dirty="0"/>
+                        <a:t>Aransas</a:t>
+                      </a:r>
+                    </a:p>
+                  </a:txBody>
+                  <a:tcPr/>
+                </a:tc>
+                <a:tc>
+                  <a:txBody>
+                    <a:bodyPr/>
+                    <a:lstStyle/>
+                    <a:p>
+                      <a:r>
+                        <a:rPr lang="en-US" dirty="0"/>
+                        <a:t>17.1%</a:t>
+                      </a:r>
+                    </a:p>
+                  </a:txBody>
+                  <a:tcPr/>
+                </a:tc>
+                <a:extLst>
+                  <a:ext uri="{0D108BD9-81ED-4DB2-BD59-A6C34878D82A}">
+                    <a16:rowId xmlns:a16="http://schemas.microsoft.com/office/drawing/2014/main" val="2543337701"/>
+                  </a:ext>
+                </a:extLst>
+              </a:tr>
+            </a:tbl>
+          </a:graphicData>
+        </a:graphic>
+      </p:graphicFrame>
+      <p:graphicFrame>
+        <p:nvGraphicFramePr>
+          <p:cNvPr id="5" name="Table 4">
+            <a:extLst>
+              <a:ext uri="{FF2B5EF4-FFF2-40B4-BE49-F238E27FC236}">
+                <a16:creationId xmlns:a16="http://schemas.microsoft.com/office/drawing/2014/main" id="{E295D11C-35B2-9C8A-8512-EB02EC59B20B}"/>
+              </a:ext>
+            </a:extLst>
+          </p:cNvPr>
+          <p:cNvGraphicFramePr>
+            <a:graphicFrameLocks noGrp="1"/>
+          </p:cNvGraphicFramePr>
+          <p:nvPr>
+            <p:extLst>
+              <p:ext uri="{D42A27DB-BD31-4B8C-83A1-F6EECF244321}">
+                <p14:modId xmlns:p14="http://schemas.microsoft.com/office/powerpoint/2010/main" val="508863596"/>
+              </p:ext>
+            </p:extLst>
+          </p:nvPr>
+        </p:nvGraphicFramePr>
+        <p:xfrm>
+          <a:off x="15194448" y="6959599"/>
+          <a:ext cx="8737601" cy="2468880"/>
+        </p:xfrm>
+        <a:graphic>
+          <a:graphicData uri="http://schemas.openxmlformats.org/drawingml/2006/table">
+            <a:tbl>
+              <a:tblPr firstRow="1" bandRow="1">
+                <a:tableStyleId>{5C22544A-7EE6-4342-B048-85BDC9FD1C3A}</a:tableStyleId>
+              </a:tblPr>
+              <a:tblGrid>
+                <a:gridCol w="1988050">
+                  <a:extLst>
+                    <a:ext uri="{9D8B030D-6E8A-4147-A177-3AD203B41FA5}">
+                      <a16:colId xmlns:a16="http://schemas.microsoft.com/office/drawing/2014/main" val="3699644126"/>
+                    </a:ext>
+                  </a:extLst>
+                </a:gridCol>
+                <a:gridCol w="3253262">
+                  <a:extLst>
+                    <a:ext uri="{9D8B030D-6E8A-4147-A177-3AD203B41FA5}">
+                      <a16:colId xmlns:a16="http://schemas.microsoft.com/office/drawing/2014/main" val="3667060327"/>
+                    </a:ext>
+                  </a:extLst>
+                </a:gridCol>
+                <a:gridCol w="3496289">
+                  <a:extLst>
+                    <a:ext uri="{9D8B030D-6E8A-4147-A177-3AD203B41FA5}">
+                      <a16:colId xmlns:a16="http://schemas.microsoft.com/office/drawing/2014/main" val="2576613788"/>
+                    </a:ext>
+                  </a:extLst>
+                </a:gridCol>
+              </a:tblGrid>
+              <a:tr h="370840">
+                <a:tc>
+                  <a:txBody>
+                    <a:bodyPr/>
+                    <a:lstStyle/>
+                    <a:p>
+                      <a:r>
+                        <a:rPr lang="en-US" dirty="0"/>
+                        <a:t>County</a:t>
+                      </a:r>
+                    </a:p>
+                  </a:txBody>
+                  <a:tcPr/>
+                </a:tc>
+                <a:tc>
+                  <a:txBody>
+                    <a:bodyPr/>
+                    <a:lstStyle/>
+                    <a:p>
+                      <a:r>
+                        <a:rPr lang="en-US" dirty="0"/>
+                        <a:t>Population - 2020</a:t>
+                      </a:r>
+                    </a:p>
+                  </a:txBody>
+                  <a:tcPr/>
+                </a:tc>
+                <a:tc>
+                  <a:txBody>
+                    <a:bodyPr/>
+                    <a:lstStyle/>
+                    <a:p>
+                      <a:r>
+                        <a:rPr lang="en-US" dirty="0"/>
+                        <a:t>Poverty Rate - 2020</a:t>
+                      </a:r>
+                    </a:p>
+                  </a:txBody>
+                  <a:tcPr/>
+                </a:tc>
+                <a:extLst>
+                  <a:ext uri="{0D108BD9-81ED-4DB2-BD59-A6C34878D82A}">
+                    <a16:rowId xmlns:a16="http://schemas.microsoft.com/office/drawing/2014/main" val="3356930229"/>
+                  </a:ext>
+                </a:extLst>
+              </a:tr>
+              <a:tr h="370840">
+                <a:tc>
+                  <a:txBody>
+                    <a:bodyPr/>
+                    <a:lstStyle/>
+                    <a:p>
+                      <a:r>
+                        <a:rPr lang="en-US" dirty="0"/>
+                        <a:t>Andrews</a:t>
+                      </a:r>
+                    </a:p>
+                  </a:txBody>
+                  <a:tcPr/>
+                </a:tc>
+                <a:tc>
+                  <a:txBody>
+                    <a:bodyPr/>
+                    <a:lstStyle/>
+                    <a:p>
+                      <a:r>
+                        <a:rPr lang="en-US" dirty="0"/>
+                        <a:t>18,128</a:t>
+                      </a:r>
+                    </a:p>
+                  </a:txBody>
+                  <a:tcPr/>
+                </a:tc>
+                <a:tc>
+                  <a:txBody>
+                    <a:bodyPr/>
+                    <a:lstStyle/>
+                    <a:p>
+                      <a:r>
+                        <a:rPr lang="en-US" dirty="0"/>
+                        <a:t>9.2%</a:t>
+                      </a:r>
+                    </a:p>
+                  </a:txBody>
+                  <a:tcPr/>
+                </a:tc>
+                <a:extLst>
+                  <a:ext uri="{0D108BD9-81ED-4DB2-BD59-A6C34878D82A}">
+                    <a16:rowId xmlns:a16="http://schemas.microsoft.com/office/drawing/2014/main" val="4173016939"/>
+                  </a:ext>
+                </a:extLst>
+              </a:tr>
+              <a:tr h="370840">
+                <a:tc>
+                  <a:txBody>
+                    <a:bodyPr/>
+                    <a:lstStyle/>
+                    <a:p>
+                      <a:r>
+                        <a:rPr lang="en-US" dirty="0"/>
+                        <a:t>Angelina</a:t>
+                      </a:r>
+                    </a:p>
+                  </a:txBody>
+                  <a:tcPr/>
+                </a:tc>
+                <a:tc>
+                  <a:txBody>
+                    <a:bodyPr/>
+                    <a:lstStyle/>
+                    <a:p>
+                      <a:r>
+                        <a:rPr lang="en-US" dirty="0"/>
+                        <a:t>87,092</a:t>
+                      </a:r>
+                    </a:p>
+                  </a:txBody>
+                  <a:tcPr/>
+                </a:tc>
+                <a:tc>
+                  <a:txBody>
+                    <a:bodyPr/>
+                    <a:lstStyle/>
+                    <a:p>
+                      <a:r>
+                        <a:rPr lang="en-US" dirty="0"/>
+                        <a:t>17%</a:t>
+                      </a:r>
+                    </a:p>
+                  </a:txBody>
+                  <a:tcPr/>
+                </a:tc>
+                <a:extLst>
+                  <a:ext uri="{0D108BD9-81ED-4DB2-BD59-A6C34878D82A}">
+                    <a16:rowId xmlns:a16="http://schemas.microsoft.com/office/drawing/2014/main" val="1243671268"/>
+                  </a:ext>
+                </a:extLst>
+              </a:tr>
+            </a:tbl>
+          </a:graphicData>
+        </a:graphic>
+      </p:graphicFrame>
+      <p:graphicFrame>
+        <p:nvGraphicFramePr>
+          <p:cNvPr id="6" name="Table 4">
+            <a:extLst>
+              <a:ext uri="{FF2B5EF4-FFF2-40B4-BE49-F238E27FC236}">
+                <a16:creationId xmlns:a16="http://schemas.microsoft.com/office/drawing/2014/main" id="{83EFBF20-8465-D2C1-7A48-24192D6D84A8}"/>
+              </a:ext>
+            </a:extLst>
+          </p:cNvPr>
+          <p:cNvGraphicFramePr>
+            <a:graphicFrameLocks noGrp="1"/>
+          </p:cNvGraphicFramePr>
+          <p:nvPr>
+            <p:extLst>
+              <p:ext uri="{D42A27DB-BD31-4B8C-83A1-F6EECF244321}">
+                <p14:modId xmlns:p14="http://schemas.microsoft.com/office/powerpoint/2010/main" val="3699709822"/>
+              </p:ext>
+            </p:extLst>
+          </p:nvPr>
+        </p:nvGraphicFramePr>
+        <p:xfrm>
+          <a:off x="5043685" y="6639559"/>
+          <a:ext cx="4650379" cy="3108960"/>
+        </p:xfrm>
+        <a:graphic>
+          <a:graphicData uri="http://schemas.openxmlformats.org/drawingml/2006/table">
+            <a:tbl>
+              <a:tblPr firstRow="1" bandRow="1">
+                <a:tableStyleId>{5C22544A-7EE6-4342-B048-85BDC9FD1C3A}</a:tableStyleId>
+              </a:tblPr>
+              <a:tblGrid>
+                <a:gridCol w="1985556">
+                  <a:extLst>
+                    <a:ext uri="{9D8B030D-6E8A-4147-A177-3AD203B41FA5}">
+                      <a16:colId xmlns:a16="http://schemas.microsoft.com/office/drawing/2014/main" val="3699644126"/>
+                    </a:ext>
+                  </a:extLst>
+                </a:gridCol>
+                <a:gridCol w="2664823">
+                  <a:extLst>
+                    <a:ext uri="{9D8B030D-6E8A-4147-A177-3AD203B41FA5}">
+                      <a16:colId xmlns:a16="http://schemas.microsoft.com/office/drawing/2014/main" val="3667060327"/>
+                    </a:ext>
+                  </a:extLst>
+                </a:gridCol>
+              </a:tblGrid>
+              <a:tr h="370840">
+                <a:tc>
+                  <a:txBody>
+                    <a:bodyPr/>
+                    <a:lstStyle/>
+                    <a:p>
+                      <a:r>
+                        <a:rPr lang="en-US" dirty="0"/>
+                        <a:t>County</a:t>
+                      </a:r>
+                    </a:p>
+                  </a:txBody>
+                  <a:tcPr/>
+                </a:tc>
+                <a:tc>
+                  <a:txBody>
+                    <a:bodyPr/>
+                    <a:lstStyle/>
+                    <a:p>
+                      <a:r>
+                        <a:rPr lang="en-US" dirty="0"/>
+                        <a:t>Population - 2020</a:t>
+                      </a:r>
+                    </a:p>
+                  </a:txBody>
+                  <a:tcPr/>
+                </a:tc>
+                <a:extLst>
+                  <a:ext uri="{0D108BD9-81ED-4DB2-BD59-A6C34878D82A}">
+                    <a16:rowId xmlns:a16="http://schemas.microsoft.com/office/drawing/2014/main" val="3356930229"/>
+                  </a:ext>
+                </a:extLst>
+              </a:tr>
+              <a:tr h="370840">
+                <a:tc>
+                  <a:txBody>
+                    <a:bodyPr/>
+                    <a:lstStyle/>
+                    <a:p>
+                      <a:r>
+                        <a:rPr lang="en-US" dirty="0"/>
+                        <a:t>Anderson</a:t>
+                      </a:r>
+                    </a:p>
+                  </a:txBody>
+                  <a:tcPr/>
+                </a:tc>
+                <a:tc>
+                  <a:txBody>
+                    <a:bodyPr/>
+                    <a:lstStyle/>
+                    <a:p>
+                      <a:r>
+                        <a:rPr lang="en-US" dirty="0"/>
+                        <a:t>58,057</a:t>
+                      </a:r>
+                    </a:p>
+                  </a:txBody>
+                  <a:tcPr/>
+                </a:tc>
+                <a:extLst>
+                  <a:ext uri="{0D108BD9-81ED-4DB2-BD59-A6C34878D82A}">
+                    <a16:rowId xmlns:a16="http://schemas.microsoft.com/office/drawing/2014/main" val="1151605331"/>
+                  </a:ext>
+                </a:extLst>
+              </a:tr>
+              <a:tr h="370840">
+                <a:tc>
+                  <a:txBody>
+                    <a:bodyPr/>
+                    <a:lstStyle/>
+                    <a:p>
+                      <a:r>
+                        <a:rPr lang="en-US" b="1" dirty="0"/>
+                        <a:t>Andrews</a:t>
+                      </a:r>
+                    </a:p>
+                  </a:txBody>
+                  <a:tcPr/>
+                </a:tc>
+                <a:tc>
+                  <a:txBody>
+                    <a:bodyPr/>
+                    <a:lstStyle/>
+                    <a:p>
+                      <a:r>
+                        <a:rPr lang="en-US" dirty="0"/>
+                        <a:t>18,128</a:t>
+                      </a:r>
+                    </a:p>
+                  </a:txBody>
+                  <a:tcPr/>
+                </a:tc>
+                <a:extLst>
+                  <a:ext uri="{0D108BD9-81ED-4DB2-BD59-A6C34878D82A}">
+                    <a16:rowId xmlns:a16="http://schemas.microsoft.com/office/drawing/2014/main" val="4173016939"/>
+                  </a:ext>
+                </a:extLst>
+              </a:tr>
+              <a:tr h="370840">
+                <a:tc>
+                  <a:txBody>
+                    <a:bodyPr/>
+                    <a:lstStyle/>
+                    <a:p>
+                      <a:r>
+                        <a:rPr lang="en-US" b="1" dirty="0"/>
+                        <a:t>Angelina</a:t>
+                      </a:r>
+                    </a:p>
+                  </a:txBody>
+                  <a:tcPr/>
+                </a:tc>
+                <a:tc>
+                  <a:txBody>
+                    <a:bodyPr/>
+                    <a:lstStyle/>
+                    <a:p>
+                      <a:r>
+                        <a:rPr lang="en-US" dirty="0"/>
+                        <a:t>87,092</a:t>
+                      </a:r>
+                    </a:p>
+                  </a:txBody>
+                  <a:tcPr/>
+                </a:tc>
+                <a:extLst>
+                  <a:ext uri="{0D108BD9-81ED-4DB2-BD59-A6C34878D82A}">
+                    <a16:rowId xmlns:a16="http://schemas.microsoft.com/office/drawing/2014/main" val="1243671268"/>
+                  </a:ext>
+                </a:extLst>
+              </a:tr>
+            </a:tbl>
+          </a:graphicData>
+        </a:graphic>
+      </p:graphicFrame>
+      <p:sp>
+        <p:nvSpPr>
+          <p:cNvPr id="7" name="Arrow: Right 6">
+            <a:extLst>
+              <a:ext uri="{FF2B5EF4-FFF2-40B4-BE49-F238E27FC236}">
+                <a16:creationId xmlns:a16="http://schemas.microsoft.com/office/drawing/2014/main" id="{0D64D050-E926-4236-B3A8-685F0CCA2337}"/>
+              </a:ext>
+            </a:extLst>
+          </p:cNvPr>
+          <p:cNvSpPr/>
+          <p:nvPr/>
+        </p:nvSpPr>
+        <p:spPr>
+          <a:xfrm>
+            <a:off x="10659291" y="7916091"/>
+            <a:ext cx="3735978" cy="1358538"/>
+          </a:xfrm>
+          <a:prstGeom prst="rightArrow">
+            <a:avLst/>
+          </a:prstGeom>
+          <a:solidFill>
+            <a:srgbClr val="FE6869"/>
+          </a:solidFill>
+          <a:ln>
+            <a:noFill/>
+          </a:ln>
+        </p:spPr>
+        <p:style>
+          <a:lnRef idx="2">
+            <a:schemeClr val="accent1">
+              <a:shade val="50000"/>
+            </a:schemeClr>
+          </a:lnRef>
+          <a:fillRef idx="1">
+            <a:schemeClr val="accent1"/>
+          </a:fillRef>
+          <a:effectRef idx="0">
+            <a:schemeClr val="accent1"/>
+          </a:effectRef>
+          <a:fontRef idx="minor">
+            <a:schemeClr val="lt1"/>
+          </a:fontRef>
+        </p:style>
+        <p:txBody>
+          <a:bodyPr rtlCol="0" anchor="ctr"/>
+          <a:lstStyle/>
+          <a:p>
+            <a:pPr algn="ctr"/>
+            <a:endParaRPr lang="en-US">
+              <a:solidFill>
+                <a:schemeClr val="tx1"/>
+              </a:solidFill>
+            </a:endParaRPr>
+          </a:p>
+        </p:txBody>
+      </p:sp>
+      <p:sp>
+        <p:nvSpPr>
+          <p:cNvPr id="8" name="TextBox 7">
+            <a:extLst>
+              <a:ext uri="{FF2B5EF4-FFF2-40B4-BE49-F238E27FC236}">
+                <a16:creationId xmlns:a16="http://schemas.microsoft.com/office/drawing/2014/main" id="{C3037351-2B8C-88BF-75CD-3B4592AD1D9D}"/>
+              </a:ext>
+            </a:extLst>
+          </p:cNvPr>
+          <p:cNvSpPr txBox="1"/>
+          <p:nvPr/>
+        </p:nvSpPr>
+        <p:spPr>
+          <a:xfrm>
+            <a:off x="10598331" y="7412500"/>
+            <a:ext cx="3187337" cy="461665"/>
+          </a:xfrm>
+          <a:prstGeom prst="rect">
+            <a:avLst/>
+          </a:prstGeom>
+          <a:noFill/>
+        </p:spPr>
+        <p:txBody>
+          <a:bodyPr wrap="square" rtlCol="0">
+            <a:spAutoFit/>
+          </a:bodyPr>
+          <a:lstStyle/>
+          <a:p>
+            <a:pPr algn="ctr"/>
+            <a:r>
+              <a:rPr lang="en-US" sz="2400" dirty="0">
+                <a:solidFill>
+                  <a:srgbClr val="414141"/>
+                </a:solidFill>
+                <a:latin typeface="Open Sans Semibold" panose="020B0706030804020204" pitchFamily="34" charset="0"/>
+                <a:ea typeface="Open Sans Semibold" panose="020B0706030804020204" pitchFamily="34" charset="0"/>
+                <a:cs typeface="Open Sans Semibold" panose="020B0706030804020204" pitchFamily="34" charset="0"/>
+              </a:rPr>
+              <a:t>Inner Merge</a:t>
+            </a:r>
+          </a:p>
+        </p:txBody>
+      </p:sp>
+    </p:spTree>
+    <p:extLst>
+      <p:ext uri="{BB962C8B-B14F-4D97-AF65-F5344CB8AC3E}">
+        <p14:creationId xmlns:p14="http://schemas.microsoft.com/office/powerpoint/2010/main" val="575195178"/>
+      </p:ext>
+    </p:extLst>
+  </p:cSld>
+  <p:clrMapOvr>
+    <a:masterClrMapping/>
+  </p:clrMapOvr>
+</p:sld>
+</file>
+
+<file path=ppt/slides/slide15.xml><?xml version="1.0" encoding="utf-8"?>
+<p:sld xmlns:a="http://schemas.openxmlformats.org/drawingml/2006/main" xmlns:r="http://schemas.openxmlformats.org/officeDocument/2006/relationships" xmlns:p="http://schemas.openxmlformats.org/presentationml/2006/main">
+  <p:cSld>
+    <p:spTree>
+      <p:nvGrpSpPr>
+        <p:cNvPr id="1" name=""/>
+        <p:cNvGrpSpPr/>
+        <p:nvPr/>
+      </p:nvGrpSpPr>
+      <p:grpSpPr>
+        <a:xfrm>
+          <a:off x="0" y="0"/>
+          <a:ext cx="0" cy="0"/>
+          <a:chOff x="0" y="0"/>
+          <a:chExt cx="0" cy="0"/>
+        </a:xfrm>
+      </p:grpSpPr>
+      <p:sp>
+        <p:nvSpPr>
+          <p:cNvPr id="2" name="Title 1">
+            <a:extLst>
+              <a:ext uri="{FF2B5EF4-FFF2-40B4-BE49-F238E27FC236}">
+                <a16:creationId xmlns:a16="http://schemas.microsoft.com/office/drawing/2014/main" id="{738C8F55-65F6-13D7-65F0-DE9AA6B0695D}"/>
+              </a:ext>
+            </a:extLst>
+          </p:cNvPr>
+          <p:cNvSpPr>
+            <a:spLocks noGrp="1"/>
+          </p:cNvSpPr>
+          <p:nvPr>
+            <p:ph type="title"/>
+          </p:nvPr>
+        </p:nvSpPr>
+        <p:spPr/>
+        <p:txBody>
+          <a:bodyPr/>
+          <a:lstStyle/>
+          <a:p>
+            <a:r>
+              <a:rPr lang="en-US" dirty="0"/>
+              <a:t>LEFT OUTER JOIN</a:t>
+            </a:r>
+          </a:p>
+        </p:txBody>
+      </p:sp>
+      <p:sp>
+        <p:nvSpPr>
+          <p:cNvPr id="3" name="Text Placeholder 2">
+            <a:extLst>
+              <a:ext uri="{FF2B5EF4-FFF2-40B4-BE49-F238E27FC236}">
+                <a16:creationId xmlns:a16="http://schemas.microsoft.com/office/drawing/2014/main" id="{0C64593F-280D-A59A-1DDE-FE35D4642D47}"/>
+              </a:ext>
+            </a:extLst>
+          </p:cNvPr>
+          <p:cNvSpPr>
+            <a:spLocks noGrp="1"/>
+          </p:cNvSpPr>
+          <p:nvPr>
+            <p:ph type="body" sz="quarter" idx="10"/>
+          </p:nvPr>
+        </p:nvSpPr>
+        <p:spPr>
+          <a:xfrm>
+            <a:off x="3048000" y="2986903"/>
+            <a:ext cx="18288000" cy="6629400"/>
+          </a:xfrm>
+        </p:spPr>
+        <p:txBody>
+          <a:bodyPr/>
+          <a:lstStyle/>
+          <a:p>
+            <a:pPr marL="457200" indent="-457200">
+              <a:buFont typeface="Arial" panose="020B0604020202020204" pitchFamily="34" charset="0"/>
+              <a:buChar char="•"/>
+            </a:pPr>
+            <a:r>
+              <a:rPr lang="en-US" sz="3600" dirty="0"/>
+              <a:t>With a left outer merge, we keep all observations in the left dataset and discard observations that are in the right dataset only</a:t>
+            </a:r>
+          </a:p>
+          <a:p>
+            <a:pPr marL="457200" indent="-457200">
+              <a:buFont typeface="Arial" panose="020B0604020202020204" pitchFamily="34" charset="0"/>
+              <a:buChar char="•"/>
+            </a:pPr>
+            <a:r>
+              <a:rPr lang="en-US" sz="3600" dirty="0"/>
+              <a:t>For a right outer join, the opposite applies.</a:t>
+            </a:r>
+          </a:p>
+        </p:txBody>
+      </p:sp>
+      <p:graphicFrame>
+        <p:nvGraphicFramePr>
+          <p:cNvPr id="4" name="Table 4">
+            <a:extLst>
+              <a:ext uri="{FF2B5EF4-FFF2-40B4-BE49-F238E27FC236}">
+                <a16:creationId xmlns:a16="http://schemas.microsoft.com/office/drawing/2014/main" id="{9D8E2451-A23D-6F10-1CC5-8AF2474A1D87}"/>
+              </a:ext>
+            </a:extLst>
+          </p:cNvPr>
+          <p:cNvGraphicFramePr>
+            <a:graphicFrameLocks noGrp="1"/>
+          </p:cNvGraphicFramePr>
+          <p:nvPr>
+            <p:extLst>
+              <p:ext uri="{D42A27DB-BD31-4B8C-83A1-F6EECF244321}">
+                <p14:modId xmlns:p14="http://schemas.microsoft.com/office/powerpoint/2010/main" val="2949350808"/>
+              </p:ext>
+            </p:extLst>
+          </p:nvPr>
+        </p:nvGraphicFramePr>
+        <p:xfrm>
+          <a:off x="15097541" y="6121235"/>
+          <a:ext cx="8737601" cy="3108960"/>
+        </p:xfrm>
+        <a:graphic>
+          <a:graphicData uri="http://schemas.openxmlformats.org/drawingml/2006/table">
+            <a:tbl>
+              <a:tblPr firstRow="1" bandRow="1">
+                <a:tableStyleId>{5C22544A-7EE6-4342-B048-85BDC9FD1C3A}</a:tableStyleId>
+              </a:tblPr>
+              <a:tblGrid>
+                <a:gridCol w="1988050">
+                  <a:extLst>
+                    <a:ext uri="{9D8B030D-6E8A-4147-A177-3AD203B41FA5}">
+                      <a16:colId xmlns:a16="http://schemas.microsoft.com/office/drawing/2014/main" val="3699644126"/>
+                    </a:ext>
+                  </a:extLst>
+                </a:gridCol>
+                <a:gridCol w="3253262">
+                  <a:extLst>
+                    <a:ext uri="{9D8B030D-6E8A-4147-A177-3AD203B41FA5}">
+                      <a16:colId xmlns:a16="http://schemas.microsoft.com/office/drawing/2014/main" val="3667060327"/>
+                    </a:ext>
+                  </a:extLst>
+                </a:gridCol>
+                <a:gridCol w="3496289">
+                  <a:extLst>
+                    <a:ext uri="{9D8B030D-6E8A-4147-A177-3AD203B41FA5}">
+                      <a16:colId xmlns:a16="http://schemas.microsoft.com/office/drawing/2014/main" val="2576613788"/>
+                    </a:ext>
+                  </a:extLst>
+                </a:gridCol>
+              </a:tblGrid>
+              <a:tr h="370840">
+                <a:tc>
+                  <a:txBody>
+                    <a:bodyPr/>
+                    <a:lstStyle/>
+                    <a:p>
+                      <a:r>
+                        <a:rPr lang="en-US" dirty="0"/>
+                        <a:t>County</a:t>
+                      </a:r>
+                    </a:p>
+                  </a:txBody>
+                  <a:tcPr/>
+                </a:tc>
+                <a:tc>
+                  <a:txBody>
+                    <a:bodyPr/>
+                    <a:lstStyle/>
+                    <a:p>
+                      <a:r>
+                        <a:rPr lang="en-US" dirty="0"/>
+                        <a:t>Population - 2020</a:t>
+                      </a:r>
+                    </a:p>
+                  </a:txBody>
+                  <a:tcPr/>
+                </a:tc>
+                <a:tc>
+                  <a:txBody>
+                    <a:bodyPr/>
+                    <a:lstStyle/>
+                    <a:p>
+                      <a:r>
+                        <a:rPr lang="en-US" dirty="0"/>
+                        <a:t>Poverty Rate - 2020</a:t>
+                      </a:r>
+                    </a:p>
+                  </a:txBody>
+                  <a:tcPr/>
+                </a:tc>
+                <a:extLst>
+                  <a:ext uri="{0D108BD9-81ED-4DB2-BD59-A6C34878D82A}">
+                    <a16:rowId xmlns:a16="http://schemas.microsoft.com/office/drawing/2014/main" val="3356930229"/>
+                  </a:ext>
+                </a:extLst>
+              </a:tr>
+              <a:tr h="370840">
+                <a:tc>
+                  <a:txBody>
+                    <a:bodyPr/>
+                    <a:lstStyle/>
+                    <a:p>
+                      <a:r>
+                        <a:rPr lang="en-US" dirty="0"/>
+                        <a:t>Anderson</a:t>
+                      </a:r>
+                    </a:p>
+                  </a:txBody>
+                  <a:tcPr/>
+                </a:tc>
+                <a:tc>
+                  <a:txBody>
+                    <a:bodyPr/>
+                    <a:lstStyle/>
+                    <a:p>
+                      <a:r>
+                        <a:rPr lang="en-US" dirty="0"/>
+                        <a:t>58,057</a:t>
+                      </a:r>
+                    </a:p>
+                  </a:txBody>
+                  <a:tcPr/>
+                </a:tc>
+                <a:tc>
+                  <a:txBody>
+                    <a:bodyPr/>
+                    <a:lstStyle/>
+                    <a:p>
+                      <a:r>
+                        <a:rPr lang="en-US" dirty="0"/>
+                        <a:t>NA</a:t>
+                      </a:r>
+                    </a:p>
+                  </a:txBody>
+                  <a:tcPr/>
+                </a:tc>
+                <a:extLst>
+                  <a:ext uri="{0D108BD9-81ED-4DB2-BD59-A6C34878D82A}">
+                    <a16:rowId xmlns:a16="http://schemas.microsoft.com/office/drawing/2014/main" val="1151605331"/>
+                  </a:ext>
+                </a:extLst>
+              </a:tr>
+              <a:tr h="370840">
+                <a:tc>
+                  <a:txBody>
+                    <a:bodyPr/>
+                    <a:lstStyle/>
+                    <a:p>
+                      <a:r>
+                        <a:rPr lang="en-US" dirty="0"/>
+                        <a:t>Andrews</a:t>
+                      </a:r>
+                    </a:p>
+                  </a:txBody>
+                  <a:tcPr/>
+                </a:tc>
+                <a:tc>
+                  <a:txBody>
+                    <a:bodyPr/>
+                    <a:lstStyle/>
+                    <a:p>
+                      <a:r>
+                        <a:rPr lang="en-US" dirty="0"/>
+                        <a:t>18,128</a:t>
+                      </a:r>
+                    </a:p>
+                  </a:txBody>
+                  <a:tcPr/>
+                </a:tc>
+                <a:tc>
+                  <a:txBody>
+                    <a:bodyPr/>
+                    <a:lstStyle/>
+                    <a:p>
+                      <a:r>
+                        <a:rPr lang="en-US" dirty="0"/>
+                        <a:t>9.2%</a:t>
+                      </a:r>
+                    </a:p>
+                  </a:txBody>
+                  <a:tcPr/>
+                </a:tc>
+                <a:extLst>
+                  <a:ext uri="{0D108BD9-81ED-4DB2-BD59-A6C34878D82A}">
+                    <a16:rowId xmlns:a16="http://schemas.microsoft.com/office/drawing/2014/main" val="4173016939"/>
+                  </a:ext>
+                </a:extLst>
+              </a:tr>
+              <a:tr h="370840">
+                <a:tc>
+                  <a:txBody>
+                    <a:bodyPr/>
+                    <a:lstStyle/>
+                    <a:p>
+                      <a:r>
+                        <a:rPr lang="en-US" dirty="0"/>
+                        <a:t>Angelina</a:t>
+                      </a:r>
+                    </a:p>
+                  </a:txBody>
+                  <a:tcPr/>
+                </a:tc>
+                <a:tc>
+                  <a:txBody>
+                    <a:bodyPr/>
+                    <a:lstStyle/>
+                    <a:p>
+                      <a:r>
+                        <a:rPr lang="en-US" dirty="0"/>
+                        <a:t>87,092</a:t>
+                      </a:r>
+                    </a:p>
+                  </a:txBody>
+                  <a:tcPr/>
+                </a:tc>
+                <a:tc>
+                  <a:txBody>
+                    <a:bodyPr/>
+                    <a:lstStyle/>
+                    <a:p>
+                      <a:r>
+                        <a:rPr lang="en-US" dirty="0"/>
+                        <a:t>17%</a:t>
+                      </a:r>
+                    </a:p>
+                  </a:txBody>
+                  <a:tcPr/>
+                </a:tc>
+                <a:extLst>
+                  <a:ext uri="{0D108BD9-81ED-4DB2-BD59-A6C34878D82A}">
+                    <a16:rowId xmlns:a16="http://schemas.microsoft.com/office/drawing/2014/main" val="1243671268"/>
+                  </a:ext>
+                </a:extLst>
+              </a:tr>
+            </a:tbl>
+          </a:graphicData>
+        </a:graphic>
+      </p:graphicFrame>
+      <p:graphicFrame>
+        <p:nvGraphicFramePr>
+          <p:cNvPr id="5" name="Table 4">
+            <a:extLst>
+              <a:ext uri="{FF2B5EF4-FFF2-40B4-BE49-F238E27FC236}">
+                <a16:creationId xmlns:a16="http://schemas.microsoft.com/office/drawing/2014/main" id="{64BFDFAE-A5D3-B6BA-C846-247D42D39A6A}"/>
+              </a:ext>
+            </a:extLst>
+          </p:cNvPr>
+          <p:cNvGraphicFramePr>
+            <a:graphicFrameLocks noGrp="1"/>
+          </p:cNvGraphicFramePr>
+          <p:nvPr>
+            <p:extLst>
+              <p:ext uri="{D42A27DB-BD31-4B8C-83A1-F6EECF244321}">
+                <p14:modId xmlns:p14="http://schemas.microsoft.com/office/powerpoint/2010/main" val="3831794412"/>
+              </p:ext>
+            </p:extLst>
+          </p:nvPr>
+        </p:nvGraphicFramePr>
+        <p:xfrm>
+          <a:off x="5213109" y="6845300"/>
+          <a:ext cx="4949340" cy="3108960"/>
+        </p:xfrm>
+        <a:graphic>
+          <a:graphicData uri="http://schemas.openxmlformats.org/drawingml/2006/table">
+            <a:tbl>
+              <a:tblPr firstRow="1" bandRow="1">
+                <a:tableStyleId>{5C22544A-7EE6-4342-B048-85BDC9FD1C3A}</a:tableStyleId>
+              </a:tblPr>
+              <a:tblGrid>
+                <a:gridCol w="1864475">
+                  <a:extLst>
+                    <a:ext uri="{9D8B030D-6E8A-4147-A177-3AD203B41FA5}">
+                      <a16:colId xmlns:a16="http://schemas.microsoft.com/office/drawing/2014/main" val="3699644126"/>
+                    </a:ext>
+                  </a:extLst>
+                </a:gridCol>
+                <a:gridCol w="3084865">
+                  <a:extLst>
+                    <a:ext uri="{9D8B030D-6E8A-4147-A177-3AD203B41FA5}">
+                      <a16:colId xmlns:a16="http://schemas.microsoft.com/office/drawing/2014/main" val="2576613788"/>
+                    </a:ext>
+                  </a:extLst>
+                </a:gridCol>
+              </a:tblGrid>
+              <a:tr h="370840">
+                <a:tc>
+                  <a:txBody>
+                    <a:bodyPr/>
+                    <a:lstStyle/>
+                    <a:p>
+                      <a:r>
+                        <a:rPr lang="en-US" dirty="0"/>
+                        <a:t>County</a:t>
+                      </a:r>
+                    </a:p>
+                  </a:txBody>
+                  <a:tcPr/>
+                </a:tc>
+                <a:tc>
+                  <a:txBody>
+                    <a:bodyPr/>
+                    <a:lstStyle/>
+                    <a:p>
+                      <a:r>
+                        <a:rPr lang="en-US" dirty="0"/>
+                        <a:t>Poverty Rate - 2020</a:t>
+                      </a:r>
+                    </a:p>
+                  </a:txBody>
+                  <a:tcPr/>
+                </a:tc>
+                <a:extLst>
+                  <a:ext uri="{0D108BD9-81ED-4DB2-BD59-A6C34878D82A}">
+                    <a16:rowId xmlns:a16="http://schemas.microsoft.com/office/drawing/2014/main" val="3356930229"/>
+                  </a:ext>
+                </a:extLst>
+              </a:tr>
+              <a:tr h="370840">
+                <a:tc>
+                  <a:txBody>
+                    <a:bodyPr/>
+                    <a:lstStyle/>
+                    <a:p>
+                      <a:r>
+                        <a:rPr lang="en-US" dirty="0"/>
+                        <a:t>Andrews</a:t>
+                      </a:r>
+                    </a:p>
+                  </a:txBody>
+                  <a:tcPr/>
+                </a:tc>
+                <a:tc>
+                  <a:txBody>
+                    <a:bodyPr/>
+                    <a:lstStyle/>
+                    <a:p>
+                      <a:r>
+                        <a:rPr lang="en-US" dirty="0"/>
+                        <a:t>9.2%</a:t>
+                      </a:r>
+                    </a:p>
+                  </a:txBody>
+                  <a:tcPr/>
+                </a:tc>
+                <a:extLst>
+                  <a:ext uri="{0D108BD9-81ED-4DB2-BD59-A6C34878D82A}">
+                    <a16:rowId xmlns:a16="http://schemas.microsoft.com/office/drawing/2014/main" val="4173016939"/>
+                  </a:ext>
+                </a:extLst>
+              </a:tr>
+              <a:tr h="370840">
+                <a:tc>
+                  <a:txBody>
+                    <a:bodyPr/>
+                    <a:lstStyle/>
+                    <a:p>
+                      <a:r>
+                        <a:rPr lang="en-US" dirty="0"/>
+                        <a:t>Angelina</a:t>
+                      </a:r>
+                    </a:p>
+                  </a:txBody>
+                  <a:tcPr/>
+                </a:tc>
+                <a:tc>
+                  <a:txBody>
+                    <a:bodyPr/>
+                    <a:lstStyle/>
+                    <a:p>
+                      <a:r>
+                        <a:rPr lang="en-US" dirty="0"/>
+                        <a:t>17%</a:t>
+                      </a:r>
+                    </a:p>
+                  </a:txBody>
+                  <a:tcPr/>
+                </a:tc>
+                <a:extLst>
+                  <a:ext uri="{0D108BD9-81ED-4DB2-BD59-A6C34878D82A}">
+                    <a16:rowId xmlns:a16="http://schemas.microsoft.com/office/drawing/2014/main" val="1243671268"/>
+                  </a:ext>
+                </a:extLst>
+              </a:tr>
+              <a:tr h="370840">
+                <a:tc>
+                  <a:txBody>
+                    <a:bodyPr/>
+                    <a:lstStyle/>
+                    <a:p>
+                      <a:r>
+                        <a:rPr lang="en-US" dirty="0"/>
+                        <a:t>Aransas</a:t>
+                      </a:r>
+                    </a:p>
+                  </a:txBody>
+                  <a:tcPr/>
+                </a:tc>
+                <a:tc>
+                  <a:txBody>
+                    <a:bodyPr/>
+                    <a:lstStyle/>
+                    <a:p>
+                      <a:r>
+                        <a:rPr lang="en-US" dirty="0"/>
+                        <a:t>17.1%</a:t>
+                      </a:r>
+                    </a:p>
+                  </a:txBody>
+                  <a:tcPr/>
+                </a:tc>
+                <a:extLst>
+                  <a:ext uri="{0D108BD9-81ED-4DB2-BD59-A6C34878D82A}">
+                    <a16:rowId xmlns:a16="http://schemas.microsoft.com/office/drawing/2014/main" val="3581653560"/>
+                  </a:ext>
+                </a:extLst>
+              </a:tr>
+            </a:tbl>
+          </a:graphicData>
+        </a:graphic>
+      </p:graphicFrame>
+      <p:graphicFrame>
+        <p:nvGraphicFramePr>
+          <p:cNvPr id="6" name="Table 4">
+            <a:extLst>
+              <a:ext uri="{FF2B5EF4-FFF2-40B4-BE49-F238E27FC236}">
+                <a16:creationId xmlns:a16="http://schemas.microsoft.com/office/drawing/2014/main" id="{77D0B72A-86FB-F263-166D-9C5B1CD4B716}"/>
+              </a:ext>
+            </a:extLst>
+          </p:cNvPr>
+          <p:cNvGraphicFramePr>
+            <a:graphicFrameLocks noGrp="1"/>
+          </p:cNvGraphicFramePr>
+          <p:nvPr>
+            <p:extLst>
+              <p:ext uri="{D42A27DB-BD31-4B8C-83A1-F6EECF244321}">
+                <p14:modId xmlns:p14="http://schemas.microsoft.com/office/powerpoint/2010/main" val="3565066825"/>
+              </p:ext>
+            </p:extLst>
+          </p:nvPr>
+        </p:nvGraphicFramePr>
+        <p:xfrm>
+          <a:off x="263769" y="6121235"/>
+          <a:ext cx="4949340" cy="3108960"/>
+        </p:xfrm>
+        <a:graphic>
+          <a:graphicData uri="http://schemas.openxmlformats.org/drawingml/2006/table">
+            <a:tbl>
+              <a:tblPr firstRow="1" bandRow="1">
+                <a:tableStyleId>{5C22544A-7EE6-4342-B048-85BDC9FD1C3A}</a:tableStyleId>
+              </a:tblPr>
+              <a:tblGrid>
+                <a:gridCol w="2084015">
+                  <a:extLst>
+                    <a:ext uri="{9D8B030D-6E8A-4147-A177-3AD203B41FA5}">
+                      <a16:colId xmlns:a16="http://schemas.microsoft.com/office/drawing/2014/main" val="3699644126"/>
+                    </a:ext>
+                  </a:extLst>
+                </a:gridCol>
+                <a:gridCol w="2865325">
+                  <a:extLst>
+                    <a:ext uri="{9D8B030D-6E8A-4147-A177-3AD203B41FA5}">
+                      <a16:colId xmlns:a16="http://schemas.microsoft.com/office/drawing/2014/main" val="3667060327"/>
+                    </a:ext>
+                  </a:extLst>
+                </a:gridCol>
+              </a:tblGrid>
+              <a:tr h="370840">
+                <a:tc>
+                  <a:txBody>
+                    <a:bodyPr/>
+                    <a:lstStyle/>
+                    <a:p>
+                      <a:r>
+                        <a:rPr lang="en-US" dirty="0"/>
+                        <a:t>County</a:t>
+                      </a:r>
+                    </a:p>
+                  </a:txBody>
+                  <a:tcPr/>
+                </a:tc>
+                <a:tc>
+                  <a:txBody>
+                    <a:bodyPr/>
+                    <a:lstStyle/>
+                    <a:p>
+                      <a:r>
+                        <a:rPr lang="en-US" dirty="0"/>
+                        <a:t>Population - 2020</a:t>
+                      </a:r>
+                    </a:p>
+                  </a:txBody>
+                  <a:tcPr/>
+                </a:tc>
+                <a:extLst>
+                  <a:ext uri="{0D108BD9-81ED-4DB2-BD59-A6C34878D82A}">
+                    <a16:rowId xmlns:a16="http://schemas.microsoft.com/office/drawing/2014/main" val="3356930229"/>
+                  </a:ext>
+                </a:extLst>
+              </a:tr>
+              <a:tr h="370840">
+                <a:tc>
+                  <a:txBody>
+                    <a:bodyPr/>
+                    <a:lstStyle/>
+                    <a:p>
+                      <a:r>
+                        <a:rPr lang="en-US" dirty="0"/>
+                        <a:t>Anderson</a:t>
+                      </a:r>
+                    </a:p>
+                  </a:txBody>
+                  <a:tcPr/>
+                </a:tc>
+                <a:tc>
+                  <a:txBody>
+                    <a:bodyPr/>
+                    <a:lstStyle/>
+                    <a:p>
+                      <a:r>
+                        <a:rPr lang="en-US" dirty="0"/>
+                        <a:t>58,057</a:t>
+                      </a:r>
+                    </a:p>
+                  </a:txBody>
+                  <a:tcPr/>
+                </a:tc>
+                <a:extLst>
+                  <a:ext uri="{0D108BD9-81ED-4DB2-BD59-A6C34878D82A}">
+                    <a16:rowId xmlns:a16="http://schemas.microsoft.com/office/drawing/2014/main" val="1151605331"/>
+                  </a:ext>
+                </a:extLst>
+              </a:tr>
+              <a:tr h="370840">
+                <a:tc>
+                  <a:txBody>
+                    <a:bodyPr/>
+                    <a:lstStyle/>
+                    <a:p>
+                      <a:r>
+                        <a:rPr lang="en-US" dirty="0"/>
+                        <a:t>Andrews</a:t>
+                      </a:r>
+                    </a:p>
+                  </a:txBody>
+                  <a:tcPr/>
+                </a:tc>
+                <a:tc>
+                  <a:txBody>
+                    <a:bodyPr/>
+                    <a:lstStyle/>
+                    <a:p>
+                      <a:r>
+                        <a:rPr lang="en-US" dirty="0"/>
+                        <a:t>18,128</a:t>
+                      </a:r>
+                    </a:p>
+                  </a:txBody>
+                  <a:tcPr/>
+                </a:tc>
+                <a:extLst>
+                  <a:ext uri="{0D108BD9-81ED-4DB2-BD59-A6C34878D82A}">
+                    <a16:rowId xmlns:a16="http://schemas.microsoft.com/office/drawing/2014/main" val="4173016939"/>
+                  </a:ext>
+                </a:extLst>
+              </a:tr>
+              <a:tr h="0">
+                <a:tc>
+                  <a:txBody>
+                    <a:bodyPr/>
+                    <a:lstStyle/>
+                    <a:p>
+                      <a:r>
+                        <a:rPr lang="en-US" dirty="0"/>
+                        <a:t>Angelina</a:t>
+                      </a:r>
+                    </a:p>
+                  </a:txBody>
+                  <a:tcPr/>
+                </a:tc>
+                <a:tc>
+                  <a:txBody>
+                    <a:bodyPr/>
+                    <a:lstStyle/>
+                    <a:p>
+                      <a:r>
+                        <a:rPr lang="en-US" dirty="0"/>
+                        <a:t>87,092</a:t>
+                      </a:r>
+                    </a:p>
+                  </a:txBody>
+                  <a:tcPr/>
+                </a:tc>
+                <a:extLst>
+                  <a:ext uri="{0D108BD9-81ED-4DB2-BD59-A6C34878D82A}">
+                    <a16:rowId xmlns:a16="http://schemas.microsoft.com/office/drawing/2014/main" val="1243671268"/>
+                  </a:ext>
+                </a:extLst>
+              </a:tr>
+            </a:tbl>
+          </a:graphicData>
+        </a:graphic>
+      </p:graphicFrame>
+      <p:sp>
+        <p:nvSpPr>
+          <p:cNvPr id="7" name="Arrow: Right 6">
+            <a:extLst>
+              <a:ext uri="{FF2B5EF4-FFF2-40B4-BE49-F238E27FC236}">
+                <a16:creationId xmlns:a16="http://schemas.microsoft.com/office/drawing/2014/main" id="{D8BD894C-0AC7-2528-25E1-7EF04A47DB55}"/>
+              </a:ext>
+            </a:extLst>
+          </p:cNvPr>
+          <p:cNvSpPr/>
+          <p:nvPr/>
+        </p:nvSpPr>
+        <p:spPr>
+          <a:xfrm>
+            <a:off x="11269362" y="7675715"/>
+            <a:ext cx="2952191" cy="1308580"/>
+          </a:xfrm>
+          <a:prstGeom prst="rightArrow">
+            <a:avLst/>
+          </a:prstGeom>
+          <a:solidFill>
+            <a:srgbClr val="FE6869"/>
+          </a:solidFill>
+          <a:ln>
+            <a:noFill/>
+          </a:ln>
+        </p:spPr>
+        <p:style>
+          <a:lnRef idx="2">
+            <a:schemeClr val="accent1">
+              <a:shade val="50000"/>
+            </a:schemeClr>
+          </a:lnRef>
+          <a:fillRef idx="1">
+            <a:schemeClr val="accent1"/>
+          </a:fillRef>
+          <a:effectRef idx="0">
+            <a:schemeClr val="accent1"/>
+          </a:effectRef>
+          <a:fontRef idx="minor">
+            <a:schemeClr val="lt1"/>
+          </a:fontRef>
+        </p:style>
+        <p:txBody>
+          <a:bodyPr rtlCol="0" anchor="ctr"/>
+          <a:lstStyle/>
+          <a:p>
+            <a:pPr algn="ctr"/>
+            <a:endParaRPr lang="en-US">
+              <a:solidFill>
+                <a:schemeClr val="tx1"/>
+              </a:solidFill>
+            </a:endParaRPr>
+          </a:p>
+        </p:txBody>
+      </p:sp>
+      <p:sp>
+        <p:nvSpPr>
+          <p:cNvPr id="8" name="TextBox 7">
+            <a:extLst>
+              <a:ext uri="{FF2B5EF4-FFF2-40B4-BE49-F238E27FC236}">
+                <a16:creationId xmlns:a16="http://schemas.microsoft.com/office/drawing/2014/main" id="{9F4DFB26-B9AE-639B-44CB-6B27ACE2558F}"/>
+              </a:ext>
+            </a:extLst>
+          </p:cNvPr>
+          <p:cNvSpPr txBox="1"/>
+          <p:nvPr/>
+        </p:nvSpPr>
+        <p:spPr>
+          <a:xfrm>
+            <a:off x="11038437" y="7168205"/>
+            <a:ext cx="3183116" cy="523220"/>
+          </a:xfrm>
+          <a:prstGeom prst="rect">
+            <a:avLst/>
+          </a:prstGeom>
+          <a:noFill/>
+        </p:spPr>
+        <p:txBody>
+          <a:bodyPr wrap="square" rtlCol="0">
+            <a:spAutoFit/>
+          </a:bodyPr>
+          <a:lstStyle/>
+          <a:p>
+            <a:pPr algn="ctr"/>
+            <a:r>
+              <a:rPr lang="en-US" sz="2800" dirty="0">
+                <a:solidFill>
+                  <a:srgbClr val="414141"/>
+                </a:solidFill>
+                <a:latin typeface="Open Sans Semibold" panose="020B0706030804020204" pitchFamily="34" charset="0"/>
+                <a:ea typeface="Open Sans Semibold" panose="020B0706030804020204" pitchFamily="34" charset="0"/>
+                <a:cs typeface="Open Sans Semibold" panose="020B0706030804020204" pitchFamily="34" charset="0"/>
+              </a:rPr>
+              <a:t>Left Outer Merge</a:t>
+            </a:r>
+          </a:p>
+        </p:txBody>
+      </p:sp>
+    </p:spTree>
+    <p:extLst>
+      <p:ext uri="{BB962C8B-B14F-4D97-AF65-F5344CB8AC3E}">
+        <p14:creationId xmlns:p14="http://schemas.microsoft.com/office/powerpoint/2010/main" val="1692538180"/>
+      </p:ext>
+    </p:extLst>
+  </p:cSld>
+  <p:clrMapOvr>
+    <a:masterClrMapping/>
+  </p:clrMapOvr>
+</p:sld>
+</file>
+
+<file path=ppt/slides/slide16.xml><?xml version="1.0" encoding="utf-8"?>
+<p:sld xmlns:a="http://schemas.openxmlformats.org/drawingml/2006/main" xmlns:r="http://schemas.openxmlformats.org/officeDocument/2006/relationships" xmlns:p="http://schemas.openxmlformats.org/presentationml/2006/main">
+  <p:cSld>
+    <p:spTree>
+      <p:nvGrpSpPr>
+        <p:cNvPr id="1" name=""/>
+        <p:cNvGrpSpPr/>
+        <p:nvPr/>
+      </p:nvGrpSpPr>
+      <p:grpSpPr>
+        <a:xfrm>
+          <a:off x="0" y="0"/>
+          <a:ext cx="0" cy="0"/>
+          <a:chOff x="0" y="0"/>
+          <a:chExt cx="0" cy="0"/>
+        </a:xfrm>
+      </p:grpSpPr>
+      <p:sp>
+        <p:nvSpPr>
+          <p:cNvPr id="2" name="Title 1">
+            <a:extLst>
+              <a:ext uri="{FF2B5EF4-FFF2-40B4-BE49-F238E27FC236}">
+                <a16:creationId xmlns:a16="http://schemas.microsoft.com/office/drawing/2014/main" id="{795083EC-5BDB-B772-DD73-10FED26B329B}"/>
+              </a:ext>
+            </a:extLst>
+          </p:cNvPr>
+          <p:cNvSpPr>
+            <a:spLocks noGrp="1"/>
+          </p:cNvSpPr>
+          <p:nvPr>
+            <p:ph type="title"/>
+          </p:nvPr>
+        </p:nvSpPr>
+        <p:spPr/>
+        <p:txBody>
+          <a:bodyPr/>
+          <a:lstStyle/>
+          <a:p>
+            <a:r>
+              <a:rPr lang="en-US" dirty="0"/>
+              <a:t>FULL OUTER JOIN</a:t>
+            </a:r>
+          </a:p>
+        </p:txBody>
+      </p:sp>
+      <p:sp>
+        <p:nvSpPr>
+          <p:cNvPr id="3" name="Text Placeholder 2">
+            <a:extLst>
+              <a:ext uri="{FF2B5EF4-FFF2-40B4-BE49-F238E27FC236}">
+                <a16:creationId xmlns:a16="http://schemas.microsoft.com/office/drawing/2014/main" id="{AAEE9AB0-C554-82B0-E139-5607E2A4A3EB}"/>
+              </a:ext>
+            </a:extLst>
+          </p:cNvPr>
+          <p:cNvSpPr>
+            <a:spLocks noGrp="1"/>
+          </p:cNvSpPr>
+          <p:nvPr>
+            <p:ph type="body" sz="quarter" idx="10"/>
+          </p:nvPr>
+        </p:nvSpPr>
+        <p:spPr/>
+        <p:txBody>
+          <a:bodyPr/>
+          <a:lstStyle/>
+          <a:p>
+            <a:pPr marL="457200" indent="-457200">
+              <a:buFont typeface="Arial" panose="020B0604020202020204" pitchFamily="34" charset="0"/>
+              <a:buChar char="•"/>
+            </a:pPr>
+            <a:r>
+              <a:rPr lang="en-US" sz="4000" dirty="0"/>
+              <a:t>With an outer merge, we keep all observations present in the first dataset only, second dataset only, or both.</a:t>
+            </a:r>
+          </a:p>
+        </p:txBody>
+      </p:sp>
+      <p:graphicFrame>
+        <p:nvGraphicFramePr>
+          <p:cNvPr id="4" name="Table 4">
+            <a:extLst>
+              <a:ext uri="{FF2B5EF4-FFF2-40B4-BE49-F238E27FC236}">
+                <a16:creationId xmlns:a16="http://schemas.microsoft.com/office/drawing/2014/main" id="{739EFA1A-34C4-76A8-12A4-4BD1A97FDCF7}"/>
+              </a:ext>
+            </a:extLst>
+          </p:cNvPr>
+          <p:cNvGraphicFramePr>
+            <a:graphicFrameLocks noGrp="1"/>
+          </p:cNvGraphicFramePr>
+          <p:nvPr>
+            <p:extLst>
+              <p:ext uri="{D42A27DB-BD31-4B8C-83A1-F6EECF244321}">
+                <p14:modId xmlns:p14="http://schemas.microsoft.com/office/powerpoint/2010/main" val="2092544321"/>
+              </p:ext>
+            </p:extLst>
+          </p:nvPr>
+        </p:nvGraphicFramePr>
+        <p:xfrm>
+          <a:off x="15219055" y="6633845"/>
+          <a:ext cx="8382350" cy="3749040"/>
+        </p:xfrm>
+        <a:graphic>
+          <a:graphicData uri="http://schemas.openxmlformats.org/drawingml/2006/table">
+            <a:tbl>
+              <a:tblPr firstRow="1" bandRow="1">
+                <a:tableStyleId>{5C22544A-7EE6-4342-B048-85BDC9FD1C3A}</a:tableStyleId>
+              </a:tblPr>
+              <a:tblGrid>
+                <a:gridCol w="2129831">
+                  <a:extLst>
+                    <a:ext uri="{9D8B030D-6E8A-4147-A177-3AD203B41FA5}">
+                      <a16:colId xmlns:a16="http://schemas.microsoft.com/office/drawing/2014/main" val="3699644126"/>
+                    </a:ext>
+                  </a:extLst>
+                </a:gridCol>
+                <a:gridCol w="2898380">
+                  <a:extLst>
+                    <a:ext uri="{9D8B030D-6E8A-4147-A177-3AD203B41FA5}">
+                      <a16:colId xmlns:a16="http://schemas.microsoft.com/office/drawing/2014/main" val="3667060327"/>
+                    </a:ext>
+                  </a:extLst>
+                </a:gridCol>
+                <a:gridCol w="3354139">
+                  <a:extLst>
+                    <a:ext uri="{9D8B030D-6E8A-4147-A177-3AD203B41FA5}">
+                      <a16:colId xmlns:a16="http://schemas.microsoft.com/office/drawing/2014/main" val="2576613788"/>
+                    </a:ext>
+                  </a:extLst>
+                </a:gridCol>
+              </a:tblGrid>
+              <a:tr h="370840">
+                <a:tc>
+                  <a:txBody>
+                    <a:bodyPr/>
+                    <a:lstStyle/>
+                    <a:p>
+                      <a:r>
+                        <a:rPr lang="en-US" dirty="0"/>
+                        <a:t>County</a:t>
+                      </a:r>
+                    </a:p>
+                  </a:txBody>
+                  <a:tcPr/>
+                </a:tc>
+                <a:tc>
+                  <a:txBody>
+                    <a:bodyPr/>
+                    <a:lstStyle/>
+                    <a:p>
+                      <a:r>
+                        <a:rPr lang="en-US" dirty="0"/>
+                        <a:t>Population - 2020</a:t>
+                      </a:r>
+                    </a:p>
+                  </a:txBody>
+                  <a:tcPr/>
+                </a:tc>
+                <a:tc>
+                  <a:txBody>
+                    <a:bodyPr/>
+                    <a:lstStyle/>
+                    <a:p>
+                      <a:r>
+                        <a:rPr lang="en-US" dirty="0"/>
+                        <a:t>Poverty Rate - 2020</a:t>
+                      </a:r>
+                    </a:p>
+                  </a:txBody>
+                  <a:tcPr/>
+                </a:tc>
+                <a:extLst>
+                  <a:ext uri="{0D108BD9-81ED-4DB2-BD59-A6C34878D82A}">
+                    <a16:rowId xmlns:a16="http://schemas.microsoft.com/office/drawing/2014/main" val="3356930229"/>
+                  </a:ext>
+                </a:extLst>
+              </a:tr>
+              <a:tr h="370840">
+                <a:tc>
+                  <a:txBody>
+                    <a:bodyPr/>
+                    <a:lstStyle/>
+                    <a:p>
+                      <a:r>
+                        <a:rPr lang="en-US" dirty="0"/>
+                        <a:t>Anderson</a:t>
+                      </a:r>
+                    </a:p>
+                  </a:txBody>
+                  <a:tcPr/>
+                </a:tc>
+                <a:tc>
+                  <a:txBody>
+                    <a:bodyPr/>
+                    <a:lstStyle/>
+                    <a:p>
+                      <a:r>
+                        <a:rPr lang="en-US" dirty="0"/>
+                        <a:t>58,057</a:t>
+                      </a:r>
+                    </a:p>
+                  </a:txBody>
+                  <a:tcPr/>
+                </a:tc>
+                <a:tc>
+                  <a:txBody>
+                    <a:bodyPr/>
+                    <a:lstStyle/>
+                    <a:p>
+                      <a:r>
+                        <a:rPr lang="en-US" dirty="0"/>
+                        <a:t>NA</a:t>
+                      </a:r>
+                    </a:p>
+                  </a:txBody>
+                  <a:tcPr/>
+                </a:tc>
+                <a:extLst>
+                  <a:ext uri="{0D108BD9-81ED-4DB2-BD59-A6C34878D82A}">
+                    <a16:rowId xmlns:a16="http://schemas.microsoft.com/office/drawing/2014/main" val="1151605331"/>
+                  </a:ext>
+                </a:extLst>
+              </a:tr>
+              <a:tr h="370840">
+                <a:tc>
+                  <a:txBody>
+                    <a:bodyPr/>
+                    <a:lstStyle/>
+                    <a:p>
+                      <a:r>
+                        <a:rPr lang="en-US" dirty="0"/>
+                        <a:t>Andrews</a:t>
+                      </a:r>
+                    </a:p>
+                  </a:txBody>
+                  <a:tcPr/>
+                </a:tc>
+                <a:tc>
+                  <a:txBody>
+                    <a:bodyPr/>
+                    <a:lstStyle/>
+                    <a:p>
+                      <a:r>
+                        <a:rPr lang="en-US" dirty="0"/>
+                        <a:t>18,128</a:t>
+                      </a:r>
+                    </a:p>
+                  </a:txBody>
+                  <a:tcPr/>
+                </a:tc>
+                <a:tc>
+                  <a:txBody>
+                    <a:bodyPr/>
+                    <a:lstStyle/>
+                    <a:p>
+                      <a:r>
+                        <a:rPr lang="en-US" dirty="0"/>
+                        <a:t>9.2%</a:t>
+                      </a:r>
+                    </a:p>
+                  </a:txBody>
+                  <a:tcPr/>
+                </a:tc>
+                <a:extLst>
+                  <a:ext uri="{0D108BD9-81ED-4DB2-BD59-A6C34878D82A}">
+                    <a16:rowId xmlns:a16="http://schemas.microsoft.com/office/drawing/2014/main" val="4173016939"/>
+                  </a:ext>
+                </a:extLst>
+              </a:tr>
+              <a:tr h="370840">
+                <a:tc>
+                  <a:txBody>
+                    <a:bodyPr/>
+                    <a:lstStyle/>
+                    <a:p>
+                      <a:r>
+                        <a:rPr lang="en-US" dirty="0"/>
+                        <a:t>Angelina</a:t>
+                      </a:r>
+                    </a:p>
+                  </a:txBody>
+                  <a:tcPr/>
+                </a:tc>
+                <a:tc>
+                  <a:txBody>
+                    <a:bodyPr/>
+                    <a:lstStyle/>
+                    <a:p>
+                      <a:r>
+                        <a:rPr lang="en-US" dirty="0"/>
+                        <a:t>87,092</a:t>
+                      </a:r>
+                    </a:p>
+                  </a:txBody>
+                  <a:tcPr/>
+                </a:tc>
+                <a:tc>
+                  <a:txBody>
+                    <a:bodyPr/>
+                    <a:lstStyle/>
+                    <a:p>
+                      <a:r>
+                        <a:rPr lang="en-US" dirty="0"/>
+                        <a:t>17%</a:t>
+                      </a:r>
+                    </a:p>
+                  </a:txBody>
+                  <a:tcPr/>
+                </a:tc>
+                <a:extLst>
+                  <a:ext uri="{0D108BD9-81ED-4DB2-BD59-A6C34878D82A}">
+                    <a16:rowId xmlns:a16="http://schemas.microsoft.com/office/drawing/2014/main" val="1243671268"/>
+                  </a:ext>
+                </a:extLst>
+              </a:tr>
+              <a:tr h="370840">
+                <a:tc>
+                  <a:txBody>
+                    <a:bodyPr/>
+                    <a:lstStyle/>
+                    <a:p>
+                      <a:r>
+                        <a:rPr lang="en-US" dirty="0"/>
+                        <a:t>Aransas</a:t>
+                      </a:r>
+                    </a:p>
+                  </a:txBody>
+                  <a:tcPr/>
+                </a:tc>
+                <a:tc>
+                  <a:txBody>
+                    <a:bodyPr/>
+                    <a:lstStyle/>
+                    <a:p>
+                      <a:r>
+                        <a:rPr lang="en-US" dirty="0"/>
+                        <a:t>NA</a:t>
+                      </a:r>
+                    </a:p>
+                  </a:txBody>
+                  <a:tcPr/>
+                </a:tc>
+                <a:tc>
+                  <a:txBody>
+                    <a:bodyPr/>
+                    <a:lstStyle/>
+                    <a:p>
+                      <a:r>
+                        <a:rPr lang="en-US" dirty="0"/>
+                        <a:t>17.1%</a:t>
+                      </a:r>
+                    </a:p>
+                  </a:txBody>
+                  <a:tcPr/>
+                </a:tc>
+                <a:extLst>
+                  <a:ext uri="{0D108BD9-81ED-4DB2-BD59-A6C34878D82A}">
+                    <a16:rowId xmlns:a16="http://schemas.microsoft.com/office/drawing/2014/main" val="3581653560"/>
+                  </a:ext>
+                </a:extLst>
+              </a:tr>
+            </a:tbl>
+          </a:graphicData>
+        </a:graphic>
+      </p:graphicFrame>
+      <p:graphicFrame>
+        <p:nvGraphicFramePr>
+          <p:cNvPr id="5" name="Table 4">
+            <a:extLst>
+              <a:ext uri="{FF2B5EF4-FFF2-40B4-BE49-F238E27FC236}">
+                <a16:creationId xmlns:a16="http://schemas.microsoft.com/office/drawing/2014/main" id="{3BFCC007-FD9F-9C08-605C-787B12F46C54}"/>
+              </a:ext>
+            </a:extLst>
+          </p:cNvPr>
+          <p:cNvGraphicFramePr>
+            <a:graphicFrameLocks noGrp="1"/>
+          </p:cNvGraphicFramePr>
+          <p:nvPr>
+            <p:extLst>
+              <p:ext uri="{D42A27DB-BD31-4B8C-83A1-F6EECF244321}">
+                <p14:modId xmlns:p14="http://schemas.microsoft.com/office/powerpoint/2010/main" val="3487657783"/>
+              </p:ext>
+            </p:extLst>
+          </p:nvPr>
+        </p:nvGraphicFramePr>
+        <p:xfrm>
+          <a:off x="5539434" y="7273925"/>
+          <a:ext cx="4982868" cy="3108960"/>
+        </p:xfrm>
+        <a:graphic>
+          <a:graphicData uri="http://schemas.openxmlformats.org/drawingml/2006/table">
+            <a:tbl>
+              <a:tblPr firstRow="1" bandRow="1">
+                <a:tableStyleId>{5C22544A-7EE6-4342-B048-85BDC9FD1C3A}</a:tableStyleId>
+              </a:tblPr>
+              <a:tblGrid>
+                <a:gridCol w="1988050">
+                  <a:extLst>
+                    <a:ext uri="{9D8B030D-6E8A-4147-A177-3AD203B41FA5}">
+                      <a16:colId xmlns:a16="http://schemas.microsoft.com/office/drawing/2014/main" val="3699644126"/>
+                    </a:ext>
+                  </a:extLst>
+                </a:gridCol>
+                <a:gridCol w="2994818">
+                  <a:extLst>
+                    <a:ext uri="{9D8B030D-6E8A-4147-A177-3AD203B41FA5}">
+                      <a16:colId xmlns:a16="http://schemas.microsoft.com/office/drawing/2014/main" val="2576613788"/>
+                    </a:ext>
+                  </a:extLst>
+                </a:gridCol>
+              </a:tblGrid>
+              <a:tr h="370840">
+                <a:tc>
+                  <a:txBody>
+                    <a:bodyPr/>
+                    <a:lstStyle/>
+                    <a:p>
+                      <a:r>
+                        <a:rPr lang="en-US" dirty="0"/>
+                        <a:t>County</a:t>
+                      </a:r>
+                    </a:p>
+                  </a:txBody>
+                  <a:tcPr/>
+                </a:tc>
+                <a:tc>
+                  <a:txBody>
+                    <a:bodyPr/>
+                    <a:lstStyle/>
+                    <a:p>
+                      <a:r>
+                        <a:rPr lang="en-US" dirty="0"/>
+                        <a:t>Poverty Rate - 2020</a:t>
+                      </a:r>
+                    </a:p>
+                  </a:txBody>
+                  <a:tcPr/>
+                </a:tc>
+                <a:extLst>
+                  <a:ext uri="{0D108BD9-81ED-4DB2-BD59-A6C34878D82A}">
+                    <a16:rowId xmlns:a16="http://schemas.microsoft.com/office/drawing/2014/main" val="3356930229"/>
+                  </a:ext>
+                </a:extLst>
+              </a:tr>
+              <a:tr h="370840">
+                <a:tc>
+                  <a:txBody>
+                    <a:bodyPr/>
+                    <a:lstStyle/>
+                    <a:p>
+                      <a:r>
+                        <a:rPr lang="en-US" dirty="0"/>
+                        <a:t>Andrews</a:t>
+                      </a:r>
+                    </a:p>
+                  </a:txBody>
+                  <a:tcPr/>
+                </a:tc>
+                <a:tc>
+                  <a:txBody>
+                    <a:bodyPr/>
+                    <a:lstStyle/>
+                    <a:p>
+                      <a:r>
+                        <a:rPr lang="en-US" dirty="0"/>
+                        <a:t>9.2%</a:t>
+                      </a:r>
+                    </a:p>
+                  </a:txBody>
+                  <a:tcPr/>
+                </a:tc>
+                <a:extLst>
+                  <a:ext uri="{0D108BD9-81ED-4DB2-BD59-A6C34878D82A}">
+                    <a16:rowId xmlns:a16="http://schemas.microsoft.com/office/drawing/2014/main" val="4173016939"/>
+                  </a:ext>
+                </a:extLst>
+              </a:tr>
+              <a:tr h="370840">
+                <a:tc>
+                  <a:txBody>
+                    <a:bodyPr/>
+                    <a:lstStyle/>
+                    <a:p>
+                      <a:r>
+                        <a:rPr lang="en-US" dirty="0"/>
+                        <a:t>Angelina</a:t>
+                      </a:r>
+                    </a:p>
+                  </a:txBody>
+                  <a:tcPr/>
+                </a:tc>
+                <a:tc>
+                  <a:txBody>
+                    <a:bodyPr/>
+                    <a:lstStyle/>
+                    <a:p>
+                      <a:r>
+                        <a:rPr lang="en-US" dirty="0"/>
+                        <a:t>17%</a:t>
+                      </a:r>
+                    </a:p>
+                  </a:txBody>
+                  <a:tcPr/>
+                </a:tc>
+                <a:extLst>
+                  <a:ext uri="{0D108BD9-81ED-4DB2-BD59-A6C34878D82A}">
+                    <a16:rowId xmlns:a16="http://schemas.microsoft.com/office/drawing/2014/main" val="1243671268"/>
+                  </a:ext>
+                </a:extLst>
+              </a:tr>
+              <a:tr h="370840">
+                <a:tc>
+                  <a:txBody>
+                    <a:bodyPr/>
+                    <a:lstStyle/>
+                    <a:p>
+                      <a:r>
+                        <a:rPr lang="en-US" dirty="0"/>
+                        <a:t>Aransas</a:t>
+                      </a:r>
+                    </a:p>
+                  </a:txBody>
+                  <a:tcPr/>
+                </a:tc>
+                <a:tc>
+                  <a:txBody>
+                    <a:bodyPr/>
+                    <a:lstStyle/>
+                    <a:p>
+                      <a:r>
+                        <a:rPr lang="en-US" dirty="0"/>
+                        <a:t>17.1%</a:t>
+                      </a:r>
+                    </a:p>
+                  </a:txBody>
+                  <a:tcPr/>
+                </a:tc>
+                <a:extLst>
+                  <a:ext uri="{0D108BD9-81ED-4DB2-BD59-A6C34878D82A}">
+                    <a16:rowId xmlns:a16="http://schemas.microsoft.com/office/drawing/2014/main" val="3581653560"/>
+                  </a:ext>
+                </a:extLst>
+              </a:tr>
+            </a:tbl>
+          </a:graphicData>
+        </a:graphic>
+      </p:graphicFrame>
+      <p:graphicFrame>
+        <p:nvGraphicFramePr>
+          <p:cNvPr id="6" name="Table 4">
+            <a:extLst>
+              <a:ext uri="{FF2B5EF4-FFF2-40B4-BE49-F238E27FC236}">
+                <a16:creationId xmlns:a16="http://schemas.microsoft.com/office/drawing/2014/main" id="{3E755112-088B-1614-AE3A-82CEBE9EDF1C}"/>
+              </a:ext>
+            </a:extLst>
+          </p:cNvPr>
+          <p:cNvGraphicFramePr>
+            <a:graphicFrameLocks noGrp="1"/>
+          </p:cNvGraphicFramePr>
+          <p:nvPr>
+            <p:extLst>
+              <p:ext uri="{D42A27DB-BD31-4B8C-83A1-F6EECF244321}">
+                <p14:modId xmlns:p14="http://schemas.microsoft.com/office/powerpoint/2010/main" val="3594475095"/>
+              </p:ext>
+            </p:extLst>
+          </p:nvPr>
+        </p:nvGraphicFramePr>
+        <p:xfrm>
+          <a:off x="567899" y="6633845"/>
+          <a:ext cx="4982868" cy="3108960"/>
+        </p:xfrm>
+        <a:graphic>
+          <a:graphicData uri="http://schemas.openxmlformats.org/drawingml/2006/table">
+            <a:tbl>
+              <a:tblPr firstRow="1" bandRow="1">
+                <a:tableStyleId>{5C22544A-7EE6-4342-B048-85BDC9FD1C3A}</a:tableStyleId>
+              </a:tblPr>
+              <a:tblGrid>
+                <a:gridCol w="1997134">
+                  <a:extLst>
+                    <a:ext uri="{9D8B030D-6E8A-4147-A177-3AD203B41FA5}">
+                      <a16:colId xmlns:a16="http://schemas.microsoft.com/office/drawing/2014/main" val="3699644126"/>
+                    </a:ext>
+                  </a:extLst>
+                </a:gridCol>
+                <a:gridCol w="2985734">
+                  <a:extLst>
+                    <a:ext uri="{9D8B030D-6E8A-4147-A177-3AD203B41FA5}">
+                      <a16:colId xmlns:a16="http://schemas.microsoft.com/office/drawing/2014/main" val="3667060327"/>
+                    </a:ext>
+                  </a:extLst>
+                </a:gridCol>
+              </a:tblGrid>
+              <a:tr h="370840">
+                <a:tc>
+                  <a:txBody>
+                    <a:bodyPr/>
+                    <a:lstStyle/>
+                    <a:p>
+                      <a:r>
+                        <a:rPr lang="en-US" dirty="0"/>
+                        <a:t>County</a:t>
+                      </a:r>
+                    </a:p>
+                  </a:txBody>
+                  <a:tcPr/>
+                </a:tc>
+                <a:tc>
+                  <a:txBody>
+                    <a:bodyPr/>
+                    <a:lstStyle/>
+                    <a:p>
+                      <a:r>
+                        <a:rPr lang="en-US" dirty="0"/>
+                        <a:t>Population - 2020</a:t>
+                      </a:r>
+                    </a:p>
+                  </a:txBody>
+                  <a:tcPr/>
+                </a:tc>
+                <a:extLst>
+                  <a:ext uri="{0D108BD9-81ED-4DB2-BD59-A6C34878D82A}">
+                    <a16:rowId xmlns:a16="http://schemas.microsoft.com/office/drawing/2014/main" val="3356930229"/>
+                  </a:ext>
+                </a:extLst>
+              </a:tr>
+              <a:tr h="370840">
+                <a:tc>
+                  <a:txBody>
+                    <a:bodyPr/>
+                    <a:lstStyle/>
+                    <a:p>
+                      <a:r>
+                        <a:rPr lang="en-US" dirty="0"/>
+                        <a:t>Anderson</a:t>
+                      </a:r>
+                    </a:p>
+                  </a:txBody>
+                  <a:tcPr/>
+                </a:tc>
+                <a:tc>
+                  <a:txBody>
+                    <a:bodyPr/>
+                    <a:lstStyle/>
+                    <a:p>
+                      <a:r>
+                        <a:rPr lang="en-US" dirty="0"/>
+                        <a:t>58,057</a:t>
+                      </a:r>
+                    </a:p>
+                  </a:txBody>
+                  <a:tcPr/>
+                </a:tc>
+                <a:extLst>
+                  <a:ext uri="{0D108BD9-81ED-4DB2-BD59-A6C34878D82A}">
+                    <a16:rowId xmlns:a16="http://schemas.microsoft.com/office/drawing/2014/main" val="1151605331"/>
+                  </a:ext>
+                </a:extLst>
+              </a:tr>
+              <a:tr h="370840">
+                <a:tc>
+                  <a:txBody>
+                    <a:bodyPr/>
+                    <a:lstStyle/>
+                    <a:p>
+                      <a:r>
+                        <a:rPr lang="en-US" dirty="0"/>
+                        <a:t>Andrews</a:t>
+                      </a:r>
+                    </a:p>
+                  </a:txBody>
+                  <a:tcPr/>
+                </a:tc>
+                <a:tc>
+                  <a:txBody>
+                    <a:bodyPr/>
+                    <a:lstStyle/>
+                    <a:p>
+                      <a:r>
+                        <a:rPr lang="en-US" dirty="0"/>
+                        <a:t>18,128</a:t>
+                      </a:r>
+                    </a:p>
+                  </a:txBody>
+                  <a:tcPr/>
+                </a:tc>
+                <a:extLst>
+                  <a:ext uri="{0D108BD9-81ED-4DB2-BD59-A6C34878D82A}">
+                    <a16:rowId xmlns:a16="http://schemas.microsoft.com/office/drawing/2014/main" val="4173016939"/>
+                  </a:ext>
+                </a:extLst>
+              </a:tr>
+              <a:tr h="370840">
+                <a:tc>
+                  <a:txBody>
+                    <a:bodyPr/>
+                    <a:lstStyle/>
+                    <a:p>
+                      <a:r>
+                        <a:rPr lang="en-US" dirty="0"/>
+                        <a:t>Angelina</a:t>
+                      </a:r>
+                    </a:p>
+                  </a:txBody>
+                  <a:tcPr/>
+                </a:tc>
+                <a:tc>
+                  <a:txBody>
+                    <a:bodyPr/>
+                    <a:lstStyle/>
+                    <a:p>
+                      <a:r>
+                        <a:rPr lang="en-US" dirty="0"/>
+                        <a:t>87,092</a:t>
+                      </a:r>
+                    </a:p>
+                  </a:txBody>
+                  <a:tcPr/>
+                </a:tc>
+                <a:extLst>
+                  <a:ext uri="{0D108BD9-81ED-4DB2-BD59-A6C34878D82A}">
+                    <a16:rowId xmlns:a16="http://schemas.microsoft.com/office/drawing/2014/main" val="1243671268"/>
+                  </a:ext>
+                </a:extLst>
+              </a:tr>
+            </a:tbl>
+          </a:graphicData>
+        </a:graphic>
+      </p:graphicFrame>
+      <p:sp>
+        <p:nvSpPr>
+          <p:cNvPr id="7" name="Arrow: Right 6">
+            <a:extLst>
+              <a:ext uri="{FF2B5EF4-FFF2-40B4-BE49-F238E27FC236}">
+                <a16:creationId xmlns:a16="http://schemas.microsoft.com/office/drawing/2014/main" id="{80D6F904-5593-FCC9-CD42-043E87A94EE9}"/>
+              </a:ext>
+            </a:extLst>
+          </p:cNvPr>
+          <p:cNvSpPr/>
+          <p:nvPr/>
+        </p:nvSpPr>
+        <p:spPr>
+          <a:xfrm>
+            <a:off x="11417643" y="8402595"/>
+            <a:ext cx="3262184" cy="1757405"/>
+          </a:xfrm>
+          <a:prstGeom prst="rightArrow">
+            <a:avLst/>
+          </a:prstGeom>
+          <a:solidFill>
+            <a:srgbClr val="FE6869"/>
+          </a:solidFill>
+          <a:ln>
+            <a:noFill/>
+          </a:ln>
+        </p:spPr>
+        <p:style>
+          <a:lnRef idx="2">
+            <a:schemeClr val="accent1">
+              <a:shade val="50000"/>
+            </a:schemeClr>
+          </a:lnRef>
+          <a:fillRef idx="1">
+            <a:schemeClr val="accent1"/>
+          </a:fillRef>
+          <a:effectRef idx="0">
+            <a:schemeClr val="accent1"/>
+          </a:effectRef>
+          <a:fontRef idx="minor">
+            <a:schemeClr val="lt1"/>
+          </a:fontRef>
+        </p:style>
+        <p:txBody>
+          <a:bodyPr rtlCol="0" anchor="ctr"/>
+          <a:lstStyle/>
+          <a:p>
+            <a:pPr algn="ctr"/>
+            <a:endParaRPr lang="en-US">
+              <a:solidFill>
+                <a:schemeClr val="tx1"/>
+              </a:solidFill>
+            </a:endParaRPr>
+          </a:p>
+        </p:txBody>
+      </p:sp>
+      <p:sp>
+        <p:nvSpPr>
+          <p:cNvPr id="8" name="TextBox 7">
+            <a:extLst>
+              <a:ext uri="{FF2B5EF4-FFF2-40B4-BE49-F238E27FC236}">
+                <a16:creationId xmlns:a16="http://schemas.microsoft.com/office/drawing/2014/main" id="{D9EDDB5C-98E9-A3D2-AAF1-8DAD8F85B11A}"/>
+              </a:ext>
+            </a:extLst>
+          </p:cNvPr>
+          <p:cNvSpPr txBox="1"/>
+          <p:nvPr/>
+        </p:nvSpPr>
+        <p:spPr>
+          <a:xfrm>
+            <a:off x="11061530" y="7740935"/>
+            <a:ext cx="3558746" cy="584775"/>
+          </a:xfrm>
+          <a:prstGeom prst="rect">
+            <a:avLst/>
+          </a:prstGeom>
+          <a:noFill/>
+        </p:spPr>
+        <p:txBody>
+          <a:bodyPr wrap="square" rtlCol="0">
+            <a:spAutoFit/>
+          </a:bodyPr>
+          <a:lstStyle/>
+          <a:p>
+            <a:pPr algn="ctr"/>
+            <a:r>
+              <a:rPr lang="en-US" sz="3200" dirty="0">
+                <a:solidFill>
+                  <a:srgbClr val="414141"/>
+                </a:solidFill>
+                <a:latin typeface="Open Sans Semibold" panose="020B0706030804020204" pitchFamily="34" charset="0"/>
+                <a:ea typeface="Open Sans Semibold" panose="020B0706030804020204" pitchFamily="34" charset="0"/>
+                <a:cs typeface="Open Sans Semibold" panose="020B0706030804020204" pitchFamily="34" charset="0"/>
+              </a:rPr>
+              <a:t>Outer Join</a:t>
+            </a:r>
+          </a:p>
+        </p:txBody>
+      </p:sp>
+    </p:spTree>
+    <p:extLst>
+      <p:ext uri="{BB962C8B-B14F-4D97-AF65-F5344CB8AC3E}">
+        <p14:creationId xmlns:p14="http://schemas.microsoft.com/office/powerpoint/2010/main" val="467729558"/>
+      </p:ext>
+    </p:extLst>
+  </p:cSld>
+  <p:clrMapOvr>
+    <a:masterClrMapping/>
+  </p:clrMapOvr>
+</p:sld>
+</file>
+
+<file path=ppt/slides/slide17.xml><?xml version="1.0" encoding="utf-8"?>
+<p:sld xmlns:a="http://schemas.openxmlformats.org/drawingml/2006/main" xmlns:r="http://schemas.openxmlformats.org/officeDocument/2006/relationships" xmlns:p="http://schemas.openxmlformats.org/presentationml/2006/main">
+  <p:cSld>
+    <p:spTree>
+      <p:nvGrpSpPr>
+        <p:cNvPr id="1" name=""/>
+        <p:cNvGrpSpPr/>
+        <p:nvPr/>
+      </p:nvGrpSpPr>
+      <p:grpSpPr>
+        <a:xfrm>
+          <a:off x="0" y="0"/>
+          <a:ext cx="0" cy="0"/>
+          <a:chOff x="0" y="0"/>
+          <a:chExt cx="0" cy="0"/>
+        </a:xfrm>
+      </p:grpSpPr>
+      <p:sp>
+        <p:nvSpPr>
+          <p:cNvPr id="2" name="Title 1">
+            <a:extLst>
+              <a:ext uri="{FF2B5EF4-FFF2-40B4-BE49-F238E27FC236}">
+                <a16:creationId xmlns:a16="http://schemas.microsoft.com/office/drawing/2014/main" id="{92DE5F17-717C-86DE-F604-7F8B3DD3C7AB}"/>
+              </a:ext>
+            </a:extLst>
+          </p:cNvPr>
+          <p:cNvSpPr>
+            <a:spLocks noGrp="1"/>
+          </p:cNvSpPr>
+          <p:nvPr>
+            <p:ph type="title"/>
+          </p:nvPr>
+        </p:nvSpPr>
+        <p:spPr/>
+        <p:txBody>
+          <a:bodyPr>
+            <a:normAutofit/>
+          </a:bodyPr>
+          <a:lstStyle/>
+          <a:p>
+            <a:r>
+              <a:rPr lang="en-US" dirty="0"/>
+              <a:t>RESOURCE DATA</a:t>
+            </a:r>
+          </a:p>
+        </p:txBody>
+      </p:sp>
+      <p:sp>
+        <p:nvSpPr>
+          <p:cNvPr id="3" name="Text Placeholder 2">
+            <a:extLst>
+              <a:ext uri="{FF2B5EF4-FFF2-40B4-BE49-F238E27FC236}">
+                <a16:creationId xmlns:a16="http://schemas.microsoft.com/office/drawing/2014/main" id="{632BABA7-ACBD-A526-3AF5-B596D67C5FD5}"/>
+              </a:ext>
+            </a:extLst>
+          </p:cNvPr>
+          <p:cNvSpPr>
+            <a:spLocks noGrp="1"/>
+          </p:cNvSpPr>
+          <p:nvPr>
+            <p:ph type="body" sz="quarter" idx="10"/>
+          </p:nvPr>
+        </p:nvSpPr>
+        <p:spPr/>
+        <p:txBody>
+          <a:bodyPr/>
+          <a:lstStyle/>
+          <a:p>
+            <a:pPr marL="457200" indent="-457200">
+              <a:buFont typeface="Arial" panose="020B0604020202020204" pitchFamily="34" charset="0"/>
+              <a:buChar char="•"/>
+            </a:pPr>
+            <a:r>
+              <a:rPr lang="en-US" sz="5400" dirty="0"/>
+              <a:t>Is concatenate or merge more suitable for our resource data?</a:t>
+            </a:r>
+          </a:p>
+          <a:p>
+            <a:pPr marL="1371600" lvl="1" indent="-457200">
+              <a:buFont typeface="Arial" panose="020B0604020202020204" pitchFamily="34" charset="0"/>
+              <a:buChar char="•"/>
+            </a:pPr>
+            <a:r>
+              <a:rPr lang="en-US" sz="5400" dirty="0"/>
+              <a:t>Q: Are we adding variables or observations when combining these sets?</a:t>
+            </a:r>
+          </a:p>
+          <a:p>
+            <a:pPr marL="1371600" lvl="1" indent="-457200">
+              <a:buFont typeface="Arial" panose="020B0604020202020204" pitchFamily="34" charset="0"/>
+              <a:buChar char="•"/>
+            </a:pPr>
+            <a:r>
+              <a:rPr lang="en-US" sz="5400" dirty="0"/>
+              <a:t>A: Since we are adding observations, we will concatenate.  Later we will merge in the existing MAP dataset.</a:t>
+            </a:r>
+          </a:p>
+        </p:txBody>
+      </p:sp>
+    </p:spTree>
+    <p:extLst>
+      <p:ext uri="{BB962C8B-B14F-4D97-AF65-F5344CB8AC3E}">
+        <p14:creationId xmlns:p14="http://schemas.microsoft.com/office/powerpoint/2010/main" val="3467596911"/>
+      </p:ext>
+    </p:extLst>
+  </p:cSld>
+  <p:clrMapOvr>
+    <a:masterClrMapping/>
+  </p:clrMapOvr>
+  <p:timing>
+    <p:tnLst>
+      <p:par>
+        <p:cTn id="1" dur="indefinite" restart="never" nodeType="tmRoot">
+          <p:childTnLst>
+            <p:seq concurrent="1" nextAc="seek">
+              <p:cTn id="2" dur="indefinite" nodeType="mainSeq">
+                <p:childTnLst>
+                  <p:par>
+                    <p:cTn id="3" fill="hold">
+                      <p:stCondLst>
+                        <p:cond delay="indefinite"/>
+                      </p:stCondLst>
+                      <p:childTnLst>
+                        <p:par>
+                          <p:cTn id="4" fill="hold">
+                            <p:stCondLst>
+                              <p:cond delay="0"/>
+                            </p:stCondLst>
+                            <p:childTnLst>
+                              <p:par>
+                                <p:cTn id="5" presetID="10" presetClass="entr" presetSubtype="0" fill="hold" nodeType="clickEffect">
+                                  <p:stCondLst>
+                                    <p:cond delay="0"/>
+                                  </p:stCondLst>
+                                  <p:childTnLst>
+                                    <p:set>
+                                      <p:cBhvr>
+                                        <p:cTn id="6" dur="1" fill="hold">
+                                          <p:stCondLst>
+                                            <p:cond delay="0"/>
+                                          </p:stCondLst>
+                                        </p:cTn>
+                                        <p:tgtEl>
+                                          <p:spTgt spid="3">
+                                            <p:txEl>
+                                              <p:pRg st="1" end="1"/>
+                                            </p:txEl>
+                                          </p:spTgt>
+                                        </p:tgtEl>
+                                        <p:attrNameLst>
+                                          <p:attrName>style.visibility</p:attrName>
+                                        </p:attrNameLst>
+                                      </p:cBhvr>
+                                      <p:to>
+                                        <p:strVal val="visible"/>
+                                      </p:to>
+                                    </p:set>
+                                    <p:animEffect transition="in" filter="fade">
+                                      <p:cBhvr>
+                                        <p:cTn id="7" dur="500"/>
+                                        <p:tgtEl>
+                                          <p:spTgt spid="3">
+                                            <p:txEl>
+                                              <p:pRg st="1" end="1"/>
+                                            </p:txEl>
+                                          </p:spTgt>
+                                        </p:tgtEl>
+                                      </p:cBhvr>
+                                    </p:animEffect>
+                                  </p:childTnLst>
+                                </p:cTn>
+                              </p:par>
+                            </p:childTnLst>
+                          </p:cTn>
+                        </p:par>
+                      </p:childTnLst>
+                    </p:cTn>
+                  </p:par>
+                  <p:par>
+                    <p:cTn id="8" fill="hold">
+                      <p:stCondLst>
+                        <p:cond delay="indefinite"/>
+                      </p:stCondLst>
+                      <p:childTnLst>
+                        <p:par>
+                          <p:cTn id="9" fill="hold">
+                            <p:stCondLst>
+                              <p:cond delay="0"/>
+                            </p:stCondLst>
+                            <p:childTnLst>
+                              <p:par>
+                                <p:cTn id="10" presetID="10" presetClass="entr" presetSubtype="0" fill="hold" nodeType="clickEffect">
+                                  <p:stCondLst>
+                                    <p:cond delay="0"/>
+                                  </p:stCondLst>
+                                  <p:childTnLst>
+                                    <p:set>
+                                      <p:cBhvr>
+                                        <p:cTn id="11" dur="1" fill="hold">
+                                          <p:stCondLst>
+                                            <p:cond delay="0"/>
+                                          </p:stCondLst>
+                                        </p:cTn>
+                                        <p:tgtEl>
+                                          <p:spTgt spid="3">
+                                            <p:txEl>
+                                              <p:pRg st="2" end="2"/>
+                                            </p:txEl>
+                                          </p:spTgt>
+                                        </p:tgtEl>
+                                        <p:attrNameLst>
+                                          <p:attrName>style.visibility</p:attrName>
+                                        </p:attrNameLst>
+                                      </p:cBhvr>
+                                      <p:to>
+                                        <p:strVal val="visible"/>
+                                      </p:to>
+                                    </p:set>
+                                    <p:animEffect transition="in" filter="fade">
+                                      <p:cBhvr>
+                                        <p:cTn id="12" dur="500"/>
+                                        <p:tgtEl>
+                                          <p:spTgt spid="3">
+                                            <p:txEl>
+                                              <p:pRg st="2" end="2"/>
+                                            </p:txEl>
+                                          </p:spTgt>
+                                        </p:tgtEl>
+                                      </p:cBhvr>
+                                    </p:animEffect>
+                                  </p:childTnLst>
+                                </p:cTn>
+                              </p:par>
+                            </p:childTnLst>
+                          </p:cTn>
+                        </p:par>
+                      </p:childTnLst>
+                    </p:cTn>
+                  </p:par>
+                </p:childTnLst>
+              </p:cTn>
+              <p:prevCondLst>
+                <p:cond evt="onPrev" delay="0">
+                  <p:tgtEl>
+                    <p:sldTgt/>
+                  </p:tgtEl>
+                </p:cond>
+              </p:prevCondLst>
+              <p:nextCondLst>
+                <p:cond evt="onNext" delay="0">
+                  <p:tgtEl>
+                    <p:sldTgt/>
+                  </p:tgtEl>
+                </p:cond>
+              </p:nextCondLst>
+            </p:seq>
+          </p:childTnLst>
+        </p:cTn>
+      </p:par>
+    </p:tnLst>
+  </p:timing>
+</p:sld>
+</file>
+
+<file path=ppt/slides/slide18.xml><?xml version="1.0" encoding="utf-8"?>
+<p:sld xmlns:a="http://schemas.openxmlformats.org/drawingml/2006/main" xmlns:r="http://schemas.openxmlformats.org/officeDocument/2006/relationships" xmlns:p="http://schemas.openxmlformats.org/presentationml/2006/main">
+  <p:cSld>
+    <p:spTree>
+      <p:nvGrpSpPr>
+        <p:cNvPr id="1" name=""/>
+        <p:cNvGrpSpPr/>
+        <p:nvPr/>
+      </p:nvGrpSpPr>
+      <p:grpSpPr>
+        <a:xfrm>
+          <a:off x="0" y="0"/>
+          <a:ext cx="0" cy="0"/>
+          <a:chOff x="0" y="0"/>
+          <a:chExt cx="0" cy="0"/>
+        </a:xfrm>
+      </p:grpSpPr>
+      <p:sp>
+        <p:nvSpPr>
+          <p:cNvPr id="2" name="Title 1">
+            <a:extLst>
+              <a:ext uri="{FF2B5EF4-FFF2-40B4-BE49-F238E27FC236}">
+                <a16:creationId xmlns:a16="http://schemas.microsoft.com/office/drawing/2014/main" id="{CD77C265-AE5A-672F-6578-F2E917F52E05}"/>
+              </a:ext>
+            </a:extLst>
+          </p:cNvPr>
+          <p:cNvSpPr>
+            <a:spLocks noGrp="1"/>
+          </p:cNvSpPr>
+          <p:nvPr>
+            <p:ph type="title"/>
+          </p:nvPr>
+        </p:nvSpPr>
+        <p:spPr/>
+        <p:txBody>
+          <a:bodyPr/>
+          <a:lstStyle/>
+          <a:p>
+            <a:r>
+              <a:rPr lang="en-US" dirty="0"/>
+              <a:t>RECAP</a:t>
+            </a:r>
+          </a:p>
+        </p:txBody>
+      </p:sp>
+      <p:sp>
+        <p:nvSpPr>
+          <p:cNvPr id="3" name="Text Placeholder 2">
+            <a:extLst>
+              <a:ext uri="{FF2B5EF4-FFF2-40B4-BE49-F238E27FC236}">
+                <a16:creationId xmlns:a16="http://schemas.microsoft.com/office/drawing/2014/main" id="{1F21A99F-B2DC-B27D-1B48-E7B2AAACDC0A}"/>
+              </a:ext>
+            </a:extLst>
+          </p:cNvPr>
+          <p:cNvSpPr>
+            <a:spLocks noGrp="1"/>
+          </p:cNvSpPr>
+          <p:nvPr>
+            <p:ph type="body" sz="quarter" idx="10"/>
+          </p:nvPr>
+        </p:nvSpPr>
+        <p:spPr/>
+        <p:txBody>
+          <a:bodyPr/>
+          <a:lstStyle/>
+          <a:p>
+            <a:pPr marL="457200" indent="-457200">
+              <a:buFont typeface="Arial" panose="020B0604020202020204" pitchFamily="34" charset="0"/>
+              <a:buChar char="•"/>
+            </a:pPr>
+            <a:r>
+              <a:rPr lang="en-US" sz="4000" dirty="0"/>
+              <a:t>We downloaded the data for our resource dashboard.</a:t>
+            </a:r>
+          </a:p>
+          <a:p>
+            <a:pPr marL="457200" indent="-457200">
+              <a:buFont typeface="Arial" panose="020B0604020202020204" pitchFamily="34" charset="0"/>
+              <a:buChar char="•"/>
+            </a:pPr>
+            <a:r>
+              <a:rPr lang="en-US" sz="4000" dirty="0"/>
+              <a:t>We discussed the difference between concatenation and merging.</a:t>
+            </a:r>
+          </a:p>
+          <a:p>
+            <a:pPr marL="457200" indent="-457200">
+              <a:buFont typeface="Arial" panose="020B0604020202020204" pitchFamily="34" charset="0"/>
+              <a:buChar char="•"/>
+            </a:pPr>
+            <a:r>
+              <a:rPr lang="en-US" sz="4000" dirty="0"/>
+              <a:t>We reviewed four common types of merges (inner, outer full, outer left, outer right).</a:t>
+            </a:r>
+          </a:p>
+          <a:p>
+            <a:pPr marL="457200" indent="-457200">
+              <a:buFont typeface="Arial" panose="020B0604020202020204" pitchFamily="34" charset="0"/>
+              <a:buChar char="•"/>
+            </a:pPr>
+            <a:r>
+              <a:rPr lang="en-US" sz="4000" dirty="0"/>
+              <a:t>We decided that, at this time, we will concatenate our resource dashboard data.</a:t>
+            </a:r>
+          </a:p>
+        </p:txBody>
+      </p:sp>
+    </p:spTree>
+    <p:extLst>
+      <p:ext uri="{BB962C8B-B14F-4D97-AF65-F5344CB8AC3E}">
+        <p14:creationId xmlns:p14="http://schemas.microsoft.com/office/powerpoint/2010/main" val="3306090632"/>
+      </p:ext>
+    </p:extLst>
+  </p:cSld>
+  <p:clrMapOvr>
+    <a:masterClrMapping/>
+  </p:clrMapOvr>
+</p:sld>
+</file>
+
+<file path=ppt/slides/slide19.xml><?xml version="1.0" encoding="utf-8"?>
+<p:sld xmlns:a="http://schemas.openxmlformats.org/drawingml/2006/main" xmlns:r="http://schemas.openxmlformats.org/officeDocument/2006/relationships" xmlns:p="http://schemas.openxmlformats.org/presentationml/2006/main">
+  <p:cSld>
+    <p:spTree>
+      <p:nvGrpSpPr>
+        <p:cNvPr id="1" name=""/>
+        <p:cNvGrpSpPr/>
+        <p:nvPr/>
+      </p:nvGrpSpPr>
+      <p:grpSpPr>
+        <a:xfrm>
+          <a:off x="0" y="0"/>
+          <a:ext cx="0" cy="0"/>
+          <a:chOff x="0" y="0"/>
+          <a:chExt cx="0" cy="0"/>
+        </a:xfrm>
+      </p:grpSpPr>
+      <p:sp>
+        <p:nvSpPr>
+          <p:cNvPr id="2" name="Title 1">
+            <a:extLst>
+              <a:ext uri="{FF2B5EF4-FFF2-40B4-BE49-F238E27FC236}">
+                <a16:creationId xmlns:a16="http://schemas.microsoft.com/office/drawing/2014/main" id="{FF138D44-C7B5-37F2-53AE-3E7E5C06E3FE}"/>
+              </a:ext>
+            </a:extLst>
+          </p:cNvPr>
+          <p:cNvSpPr>
+            <a:spLocks noGrp="1"/>
+          </p:cNvSpPr>
+          <p:nvPr>
+            <p:ph type="title"/>
+          </p:nvPr>
+        </p:nvSpPr>
+        <p:spPr/>
+        <p:txBody>
+          <a:bodyPr/>
+          <a:lstStyle/>
+          <a:p>
+            <a:r>
+              <a:rPr lang="en-US" dirty="0"/>
+              <a:t>WHAT’S NEXT?</a:t>
+            </a:r>
+          </a:p>
+        </p:txBody>
+      </p:sp>
+      <p:sp>
+        <p:nvSpPr>
+          <p:cNvPr id="3" name="Text Placeholder 2">
+            <a:extLst>
+              <a:ext uri="{FF2B5EF4-FFF2-40B4-BE49-F238E27FC236}">
+                <a16:creationId xmlns:a16="http://schemas.microsoft.com/office/drawing/2014/main" id="{92FE91F9-5E93-E1B3-968C-C21609CDC66B}"/>
+              </a:ext>
+            </a:extLst>
+          </p:cNvPr>
+          <p:cNvSpPr>
+            <a:spLocks noGrp="1"/>
+          </p:cNvSpPr>
+          <p:nvPr>
+            <p:ph type="body" sz="quarter" idx="10"/>
+          </p:nvPr>
+        </p:nvSpPr>
+        <p:spPr/>
+        <p:txBody>
+          <a:bodyPr/>
+          <a:lstStyle/>
+          <a:p>
+            <a:pPr marL="457200" indent="-457200">
+              <a:buFont typeface="Arial" panose="020B0604020202020204" pitchFamily="34" charset="0"/>
+              <a:buChar char="•"/>
+            </a:pPr>
+            <a:r>
+              <a:rPr lang="en-US" sz="4400" dirty="0"/>
+              <a:t>We will download and install R and RStudio!</a:t>
+            </a:r>
+          </a:p>
+          <a:p>
+            <a:pPr marL="457200" indent="-457200">
+              <a:buFont typeface="Arial" panose="020B0604020202020204" pitchFamily="34" charset="0"/>
+              <a:buChar char="•"/>
+            </a:pPr>
+            <a:r>
+              <a:rPr lang="en-US" sz="4400" dirty="0"/>
+              <a:t>PRACTICE: Download the number of LCDCs, psychiatrists, and counsellors by county from the </a:t>
+            </a:r>
+            <a:r>
+              <a:rPr lang="en-US" sz="4400" dirty="0">
+                <a:hlinkClick r:id="rId2"/>
+              </a:rPr>
+              <a:t>https://healthdata.dshs.texas.gov/dashboard/health-care-workforce/hprc/health-profession-supply</a:t>
+            </a:r>
+            <a:r>
+              <a:rPr lang="en-US" sz="4400" dirty="0"/>
+              <a:t> page as CSVs.</a:t>
+            </a:r>
+          </a:p>
+        </p:txBody>
+      </p:sp>
+    </p:spTree>
+    <p:extLst>
+      <p:ext uri="{BB962C8B-B14F-4D97-AF65-F5344CB8AC3E}">
+        <p14:creationId xmlns:p14="http://schemas.microsoft.com/office/powerpoint/2010/main" val="1417321777"/>
       </p:ext>
     </p:extLst>
   </p:cSld>
@@ -4164,7 +9166,7 @@
           <p:cNvPr id="2" name="Title 1">
             <a:extLst>
               <a:ext uri="{FF2B5EF4-FFF2-40B4-BE49-F238E27FC236}">
-                <a16:creationId xmlns:a16="http://schemas.microsoft.com/office/drawing/2014/main" id="{DB7EA309-C9D9-2641-9E3E-4E10A3A939FF}"/>
+                <a16:creationId xmlns:a16="http://schemas.microsoft.com/office/drawing/2014/main" id="{BC8A20E0-16E6-2871-11A9-0B965B69372F}"/>
               </a:ext>
             </a:extLst>
           </p:cNvPr>
@@ -4182,7 +9184,7 @@
           <a:p>
             <a:r>
               <a:rPr lang="en-US" dirty="0"/>
-              <a:t>TOPICS</a:t>
+              <a:t>LAST TIME</a:t>
             </a:r>
           </a:p>
         </p:txBody>
@@ -4192,7 +9194,7 @@
           <p:cNvPr id="3" name="Text Placeholder 2">
             <a:extLst>
               <a:ext uri="{FF2B5EF4-FFF2-40B4-BE49-F238E27FC236}">
-                <a16:creationId xmlns:a16="http://schemas.microsoft.com/office/drawing/2014/main" id="{E148928B-5533-1F45-B821-D97852D2A781}"/>
+                <a16:creationId xmlns:a16="http://schemas.microsoft.com/office/drawing/2014/main" id="{AFDD975E-25C4-865E-8BCB-4620ED0255CD}"/>
               </a:ext>
             </a:extLst>
           </p:cNvPr>
@@ -4213,8 +9215,8 @@
               <a:buChar char="•"/>
             </a:pPr>
             <a:r>
-              <a:rPr lang="en-US" sz="4400" dirty="0"/>
-              <a:t>Welcome!</a:t>
+              <a:rPr lang="en-US" sz="4000" dirty="0"/>
+              <a:t>We discussed good practices to follow when searching for and collecting data from open public sources.</a:t>
             </a:r>
           </a:p>
           <a:p>
@@ -4223,8 +9225,8 @@
               <a:buChar char="•"/>
             </a:pPr>
             <a:r>
-              <a:rPr lang="en-US" sz="4400" dirty="0"/>
-              <a:t>Purpose of this video series</a:t>
+              <a:rPr lang="en-US" sz="4000" dirty="0"/>
+              <a:t>We reviewed the data sources and documentation for the MAP dataset as an example to follow when collecting the data for our resource library.</a:t>
             </a:r>
           </a:p>
           <a:p>
@@ -4233,8 +9235,8 @@
               <a:buChar char="•"/>
             </a:pPr>
             <a:r>
-              <a:rPr lang="en-US" sz="4400" dirty="0"/>
-              <a:t>Steps to building a dashboard</a:t>
+              <a:rPr lang="en-US" sz="4000" dirty="0"/>
+              <a:t> We defined geocodes and their uses in data analysis and dashboard building.</a:t>
             </a:r>
           </a:p>
           <a:p>
@@ -4242,27 +9244,14 @@
               <a:buFont typeface="Arial" panose="020B0604020202020204" pitchFamily="34" charset="0"/>
               <a:buChar char="•"/>
             </a:pPr>
-            <a:r>
-              <a:rPr lang="en-US" sz="4400" dirty="0"/>
-              <a:t>Demo of our mental health dashboard</a:t>
-            </a:r>
-          </a:p>
-          <a:p>
-            <a:pPr marL="457200" indent="-457200">
-              <a:buFont typeface="Arial" panose="020B0604020202020204" pitchFamily="34" charset="0"/>
-              <a:buChar char="•"/>
-            </a:pPr>
-            <a:r>
-              <a:rPr lang="en-US" sz="4400" dirty="0"/>
-              <a:t>Next Steps</a:t>
-            </a:r>
+            <a:endParaRPr lang="en-US" dirty="0"/>
           </a:p>
         </p:txBody>
       </p:sp>
     </p:spTree>
     <p:extLst>
       <p:ext uri="{BB962C8B-B14F-4D97-AF65-F5344CB8AC3E}">
-        <p14:creationId xmlns:p14="http://schemas.microsoft.com/office/powerpoint/2010/main" val="4119661440"/>
+        <p14:creationId xmlns:p14="http://schemas.microsoft.com/office/powerpoint/2010/main" val="2527124232"/>
       </p:ext>
     </p:extLst>
   </p:cSld>
@@ -4272,7 +9261,7 @@
 </p:sld>
 </file>
 
-<file path=ppt/slides/slide3.xml><?xml version="1.0" encoding="utf-8"?>
+<file path=ppt/slides/slide20.xml><?xml version="1.0" encoding="utf-8"?>
 <p:sld xmlns:a="http://schemas.openxmlformats.org/drawingml/2006/main" xmlns:r="http://schemas.openxmlformats.org/officeDocument/2006/relationships" xmlns:p="http://schemas.openxmlformats.org/presentationml/2006/main">
   <p:cSld>
     <p:bg>
@@ -4469,7 +9458,7 @@
         </p:nvSpPr>
         <p:spPr>
           <a:xfrm>
-            <a:off x="11326437" y="3371966"/>
+            <a:off x="11140438" y="3315588"/>
             <a:ext cx="2103120" cy="2103120"/>
           </a:xfrm>
           <a:prstGeom prst="ellipse">
@@ -5023,7 +10012,7 @@
         </p:blipFill>
         <p:spPr>
           <a:xfrm>
-            <a:off x="11699867" y="3745396"/>
+            <a:off x="11513868" y="3695116"/>
             <a:ext cx="1356260" cy="1356260"/>
           </a:xfrm>
           <a:prstGeom prst="rect">
@@ -5146,6 +10135,1424 @@
       </p:transition>
     </mc:Fallback>
   </mc:AlternateContent>
+</p:sld>
+</file>
+
+<file path=ppt/slides/slide3.xml><?xml version="1.0" encoding="utf-8"?>
+<p:sld xmlns:a="http://schemas.openxmlformats.org/drawingml/2006/main" xmlns:r="http://schemas.openxmlformats.org/officeDocument/2006/relationships" xmlns:p="http://schemas.openxmlformats.org/presentationml/2006/main">
+  <p:cSld>
+    <p:spTree>
+      <p:nvGrpSpPr>
+        <p:cNvPr id="1" name=""/>
+        <p:cNvGrpSpPr/>
+        <p:nvPr/>
+      </p:nvGrpSpPr>
+      <p:grpSpPr>
+        <a:xfrm>
+          <a:off x="0" y="0"/>
+          <a:ext cx="0" cy="0"/>
+          <a:chOff x="0" y="0"/>
+          <a:chExt cx="0" cy="0"/>
+        </a:xfrm>
+      </p:grpSpPr>
+      <p:sp>
+        <p:nvSpPr>
+          <p:cNvPr id="2" name="Title 1">
+            <a:extLst>
+              <a:ext uri="{FF2B5EF4-FFF2-40B4-BE49-F238E27FC236}">
+                <a16:creationId xmlns:a16="http://schemas.microsoft.com/office/drawing/2014/main" id="{DB7EA309-C9D9-2641-9E3E-4E10A3A939FF}"/>
+              </a:ext>
+            </a:extLst>
+          </p:cNvPr>
+          <p:cNvSpPr>
+            <a:spLocks noGrp="1"/>
+          </p:cNvSpPr>
+          <p:nvPr>
+            <p:ph type="title"/>
+          </p:nvPr>
+        </p:nvSpPr>
+        <p:spPr/>
+        <p:txBody>
+          <a:bodyPr/>
+          <a:lstStyle/>
+          <a:p>
+            <a:r>
+              <a:rPr lang="en-US" dirty="0"/>
+              <a:t>IN THIS VIDEO</a:t>
+            </a:r>
+          </a:p>
+        </p:txBody>
+      </p:sp>
+      <p:sp>
+        <p:nvSpPr>
+          <p:cNvPr id="3" name="Text Placeholder 2">
+            <a:extLst>
+              <a:ext uri="{FF2B5EF4-FFF2-40B4-BE49-F238E27FC236}">
+                <a16:creationId xmlns:a16="http://schemas.microsoft.com/office/drawing/2014/main" id="{E148928B-5533-1F45-B821-D97852D2A781}"/>
+              </a:ext>
+            </a:extLst>
+          </p:cNvPr>
+          <p:cNvSpPr>
+            <a:spLocks noGrp="1"/>
+          </p:cNvSpPr>
+          <p:nvPr>
+            <p:ph type="body" sz="quarter" idx="10"/>
+          </p:nvPr>
+        </p:nvSpPr>
+        <p:spPr/>
+        <p:txBody>
+          <a:bodyPr/>
+          <a:lstStyle/>
+          <a:p>
+            <a:pPr marL="457200" indent="-457200">
+              <a:buFont typeface="Arial" panose="020B0604020202020204" pitchFamily="34" charset="0"/>
+              <a:buChar char="•"/>
+            </a:pPr>
+            <a:r>
+              <a:rPr lang="en-US" sz="4400" dirty="0"/>
+              <a:t>We will download the datasets needed for the resource dashboard, as discussed in Module 0 Video 2</a:t>
+            </a:r>
+          </a:p>
+          <a:p>
+            <a:pPr marL="457200" indent="-457200">
+              <a:buFont typeface="Arial" panose="020B0604020202020204" pitchFamily="34" charset="0"/>
+              <a:buChar char="•"/>
+            </a:pPr>
+            <a:r>
+              <a:rPr lang="en-US" sz="4400" dirty="0"/>
+              <a:t>We will identify what steps, if any, need to be taken to clean the datasets</a:t>
+            </a:r>
+          </a:p>
+          <a:p>
+            <a:pPr marL="457200" indent="-457200">
+              <a:buFont typeface="Arial" panose="020B0604020202020204" pitchFamily="34" charset="0"/>
+              <a:buChar char="•"/>
+            </a:pPr>
+            <a:r>
+              <a:rPr lang="en-US" sz="4400" dirty="0"/>
+              <a:t>We will discuss dataset concatenation and merging and how it applies to this problem</a:t>
+            </a:r>
+          </a:p>
+        </p:txBody>
+      </p:sp>
+    </p:spTree>
+    <p:extLst>
+      <p:ext uri="{BB962C8B-B14F-4D97-AF65-F5344CB8AC3E}">
+        <p14:creationId xmlns:p14="http://schemas.microsoft.com/office/powerpoint/2010/main" val="4119661440"/>
+      </p:ext>
+    </p:extLst>
+  </p:cSld>
+  <p:clrMapOvr>
+    <a:masterClrMapping/>
+  </p:clrMapOvr>
+</p:sld>
+</file>
+
+<file path=ppt/slides/slide4.xml><?xml version="1.0" encoding="utf-8"?>
+<p:sld xmlns:a="http://schemas.openxmlformats.org/drawingml/2006/main" xmlns:r="http://schemas.openxmlformats.org/officeDocument/2006/relationships" xmlns:p="http://schemas.openxmlformats.org/presentationml/2006/main">
+  <p:cSld>
+    <p:spTree>
+      <p:nvGrpSpPr>
+        <p:cNvPr id="1" name=""/>
+        <p:cNvGrpSpPr/>
+        <p:nvPr/>
+      </p:nvGrpSpPr>
+      <p:grpSpPr>
+        <a:xfrm>
+          <a:off x="0" y="0"/>
+          <a:ext cx="0" cy="0"/>
+          <a:chOff x="0" y="0"/>
+          <a:chExt cx="0" cy="0"/>
+        </a:xfrm>
+      </p:grpSpPr>
+      <p:sp>
+        <p:nvSpPr>
+          <p:cNvPr id="2" name="Title 1">
+            <a:extLst>
+              <a:ext uri="{FF2B5EF4-FFF2-40B4-BE49-F238E27FC236}">
+                <a16:creationId xmlns:a16="http://schemas.microsoft.com/office/drawing/2014/main" id="{54470029-32D9-056C-7800-DDA18CCD01C1}"/>
+              </a:ext>
+            </a:extLst>
+          </p:cNvPr>
+          <p:cNvSpPr>
+            <a:spLocks noGrp="1"/>
+          </p:cNvSpPr>
+          <p:nvPr>
+            <p:ph type="title"/>
+          </p:nvPr>
+        </p:nvSpPr>
+        <p:spPr/>
+        <p:txBody>
+          <a:bodyPr>
+            <a:normAutofit/>
+          </a:bodyPr>
+          <a:lstStyle/>
+          <a:p>
+            <a:r>
+              <a:rPr lang="en-US" dirty="0"/>
+              <a:t>REVIEW – DATA SOURCES</a:t>
+            </a:r>
+          </a:p>
+        </p:txBody>
+      </p:sp>
+      <p:sp>
+        <p:nvSpPr>
+          <p:cNvPr id="3" name="Text Placeholder 2">
+            <a:extLst>
+              <a:ext uri="{FF2B5EF4-FFF2-40B4-BE49-F238E27FC236}">
+                <a16:creationId xmlns:a16="http://schemas.microsoft.com/office/drawing/2014/main" id="{EDBC5D6E-6E1D-C404-288C-8B655452E180}"/>
+              </a:ext>
+            </a:extLst>
+          </p:cNvPr>
+          <p:cNvSpPr>
+            <a:spLocks noGrp="1"/>
+          </p:cNvSpPr>
+          <p:nvPr>
+            <p:ph type="body" sz="quarter" idx="10"/>
+          </p:nvPr>
+        </p:nvSpPr>
+        <p:spPr>
+          <a:xfrm>
+            <a:off x="3048000" y="2792627"/>
+            <a:ext cx="18288000" cy="7367373"/>
+          </a:xfrm>
+        </p:spPr>
+        <p:txBody>
+          <a:bodyPr/>
+          <a:lstStyle/>
+          <a:p>
+            <a:r>
+              <a:rPr lang="en-US" sz="3400" dirty="0"/>
+              <a:t>Sources:</a:t>
+            </a:r>
+          </a:p>
+          <a:p>
+            <a:pPr marL="514350" indent="-514350">
+              <a:buFont typeface="+mj-lt"/>
+              <a:buAutoNum type="arabicPeriod"/>
+            </a:pPr>
+            <a:r>
+              <a:rPr lang="en-US" sz="3400" dirty="0"/>
+              <a:t>Mental and behavioral health authorities in Texas - </a:t>
+            </a:r>
+            <a:r>
+              <a:rPr lang="en-US" sz="3400" dirty="0">
+                <a:hlinkClick r:id="rId2"/>
+              </a:rPr>
+              <a:t>https://www.hhs.texas.gov/services/mental-health-substance-use/mental-health-substance-use-resources/find-your-local-mental-health-or-behavioral-health-authority</a:t>
+            </a:r>
+            <a:r>
+              <a:rPr lang="en-US" sz="3400" dirty="0"/>
+              <a:t>  </a:t>
+            </a:r>
+          </a:p>
+          <a:p>
+            <a:pPr marL="514350" indent="-514350">
+              <a:buFont typeface="+mj-lt"/>
+              <a:buAutoNum type="arabicPeriod"/>
+            </a:pPr>
+            <a:r>
+              <a:rPr lang="en-US" sz="3400" dirty="0"/>
+              <a:t>A directory of treatment facilities - </a:t>
+            </a:r>
+            <a:r>
+              <a:rPr lang="en-US" sz="3400" dirty="0">
+                <a:hlinkClick r:id="rId3"/>
+              </a:rPr>
+              <a:t>https://findtreatment.gov/</a:t>
+            </a:r>
+            <a:r>
+              <a:rPr lang="en-US" sz="3400" dirty="0"/>
+              <a:t>  </a:t>
+            </a:r>
+          </a:p>
+          <a:p>
+            <a:pPr marL="514350" indent="-514350">
+              <a:buFont typeface="+mj-lt"/>
+              <a:buAutoNum type="arabicPeriod"/>
+            </a:pPr>
+            <a:r>
+              <a:rPr lang="en-US" sz="3400" dirty="0"/>
+              <a:t>A directory of emergency rooms - </a:t>
+            </a:r>
+            <a:r>
+              <a:rPr lang="en-US" sz="3400" dirty="0">
+                <a:hlinkClick r:id="rId4"/>
+              </a:rPr>
+              <a:t>https://data.cms.gov/provider-data/dataset/xubh-q36u</a:t>
+            </a:r>
+            <a:r>
+              <a:rPr lang="en-US" sz="3400" dirty="0"/>
+              <a:t>  </a:t>
+            </a:r>
+          </a:p>
+          <a:p>
+            <a:pPr marL="514350" indent="-514350">
+              <a:buFont typeface="+mj-lt"/>
+              <a:buAutoNum type="arabicPeriod"/>
+            </a:pPr>
+            <a:r>
+              <a:rPr lang="en-US" sz="3400" dirty="0"/>
+              <a:t>Data on the number of licensed MH professionals (LCDCs, counsellors, psychiatrists, etc...) per county - </a:t>
+            </a:r>
+            <a:r>
+              <a:rPr lang="en-US" sz="3400" dirty="0">
+                <a:hlinkClick r:id="rId5"/>
+              </a:rPr>
+              <a:t>https://healthdata.dshs.texas.gov/dashboard/health-care-workforce/hprc/health-profession-supply</a:t>
+            </a:r>
+            <a:r>
+              <a:rPr lang="en-US" sz="3400" dirty="0"/>
+              <a:t>  </a:t>
+            </a:r>
+          </a:p>
+          <a:p>
+            <a:endParaRPr lang="en-US" dirty="0"/>
+          </a:p>
+        </p:txBody>
+      </p:sp>
+    </p:spTree>
+    <p:extLst>
+      <p:ext uri="{BB962C8B-B14F-4D97-AF65-F5344CB8AC3E}">
+        <p14:creationId xmlns:p14="http://schemas.microsoft.com/office/powerpoint/2010/main" val="1898986150"/>
+      </p:ext>
+    </p:extLst>
+  </p:cSld>
+  <p:clrMapOvr>
+    <a:masterClrMapping/>
+  </p:clrMapOvr>
+</p:sld>
+</file>
+
+<file path=ppt/slides/slide5.xml><?xml version="1.0" encoding="utf-8"?>
+<p:sld xmlns:a="http://schemas.openxmlformats.org/drawingml/2006/main" xmlns:r="http://schemas.openxmlformats.org/officeDocument/2006/relationships" xmlns:p="http://schemas.openxmlformats.org/presentationml/2006/main">
+  <p:cSld>
+    <p:spTree>
+      <p:nvGrpSpPr>
+        <p:cNvPr id="1" name=""/>
+        <p:cNvGrpSpPr/>
+        <p:nvPr/>
+      </p:nvGrpSpPr>
+      <p:grpSpPr>
+        <a:xfrm>
+          <a:off x="0" y="0"/>
+          <a:ext cx="0" cy="0"/>
+          <a:chOff x="0" y="0"/>
+          <a:chExt cx="0" cy="0"/>
+        </a:xfrm>
+      </p:grpSpPr>
+      <p:sp>
+        <p:nvSpPr>
+          <p:cNvPr id="2" name="Title 1">
+            <a:extLst>
+              <a:ext uri="{FF2B5EF4-FFF2-40B4-BE49-F238E27FC236}">
+                <a16:creationId xmlns:a16="http://schemas.microsoft.com/office/drawing/2014/main" id="{212AE5F6-EFD9-C3BF-2C20-EBD1E6A16B41}"/>
+              </a:ext>
+            </a:extLst>
+          </p:cNvPr>
+          <p:cNvSpPr>
+            <a:spLocks noGrp="1"/>
+          </p:cNvSpPr>
+          <p:nvPr>
+            <p:ph type="title"/>
+          </p:nvPr>
+        </p:nvSpPr>
+        <p:spPr/>
+        <p:txBody>
+          <a:bodyPr>
+            <a:normAutofit fontScale="90000"/>
+          </a:bodyPr>
+          <a:lstStyle/>
+          <a:p>
+            <a:r>
+              <a:rPr lang="en-US" sz="6000" dirty="0"/>
+              <a:t>MENTAL AND BEHAVIORAL HEALTH AUTHORITIES</a:t>
+            </a:r>
+            <a:endParaRPr lang="en-US" dirty="0"/>
+          </a:p>
+        </p:txBody>
+      </p:sp>
+      <p:sp>
+        <p:nvSpPr>
+          <p:cNvPr id="3" name="Text Placeholder 2">
+            <a:extLst>
+              <a:ext uri="{FF2B5EF4-FFF2-40B4-BE49-F238E27FC236}">
+                <a16:creationId xmlns:a16="http://schemas.microsoft.com/office/drawing/2014/main" id="{25754B9D-5833-B545-AD26-D81C5F619590}"/>
+              </a:ext>
+            </a:extLst>
+          </p:cNvPr>
+          <p:cNvSpPr>
+            <a:spLocks noGrp="1"/>
+          </p:cNvSpPr>
+          <p:nvPr>
+            <p:ph type="body" sz="quarter" idx="10"/>
+          </p:nvPr>
+        </p:nvSpPr>
+        <p:spPr>
+          <a:xfrm>
+            <a:off x="3048000" y="3530599"/>
+            <a:ext cx="18288000" cy="7269205"/>
+          </a:xfrm>
+        </p:spPr>
+        <p:txBody>
+          <a:bodyPr/>
+          <a:lstStyle/>
+          <a:p>
+            <a:pPr marL="457200" indent="-457200">
+              <a:buFont typeface="Arial" panose="020B0604020202020204" pitchFamily="34" charset="0"/>
+              <a:buChar char="•"/>
+            </a:pPr>
+            <a:r>
+              <a:rPr lang="en-US" sz="4000" dirty="0"/>
+              <a:t>How to download:  </a:t>
+            </a:r>
+            <a:r>
+              <a:rPr lang="en-US" sz="4000" dirty="0">
+                <a:solidFill>
+                  <a:srgbClr val="3B8686"/>
+                </a:solidFill>
+              </a:rPr>
+              <a:t>Unfortunately, manually creating the Excel file was used for this task.</a:t>
+            </a:r>
+          </a:p>
+          <a:p>
+            <a:pPr marL="457200" indent="-457200">
+              <a:buFont typeface="Arial" panose="020B0604020202020204" pitchFamily="34" charset="0"/>
+              <a:buChar char="•"/>
+            </a:pPr>
+            <a:r>
+              <a:rPr lang="en-US" sz="4000" dirty="0"/>
+              <a:t>What geocodes are used, if any</a:t>
+            </a:r>
+            <a:r>
+              <a:rPr lang="en-US" sz="4000" dirty="0">
+                <a:solidFill>
+                  <a:srgbClr val="3B8686"/>
+                </a:solidFill>
+              </a:rPr>
+              <a:t>?  Street addresses for physical offices and county names for counties served.</a:t>
+            </a:r>
+          </a:p>
+          <a:p>
+            <a:pPr marL="457200" indent="-457200">
+              <a:buFont typeface="Arial" panose="020B0604020202020204" pitchFamily="34" charset="0"/>
+              <a:buChar char="•"/>
+            </a:pPr>
+            <a:r>
+              <a:rPr lang="en-US" sz="4000" dirty="0"/>
+              <a:t>What cleaning/preprocessing will be needed, if any?  </a:t>
+            </a:r>
+            <a:r>
+              <a:rPr lang="en-US" sz="4000" dirty="0">
+                <a:solidFill>
+                  <a:srgbClr val="3B8686"/>
+                </a:solidFill>
+              </a:rPr>
+              <a:t>Since we want to be able to filter by county, we will need to transform the ‘Counties’ column to allow this (more on this later).</a:t>
+            </a:r>
+          </a:p>
+        </p:txBody>
+      </p:sp>
+    </p:spTree>
+    <p:extLst>
+      <p:ext uri="{BB962C8B-B14F-4D97-AF65-F5344CB8AC3E}">
+        <p14:creationId xmlns:p14="http://schemas.microsoft.com/office/powerpoint/2010/main" val="4226910340"/>
+      </p:ext>
+    </p:extLst>
+  </p:cSld>
+  <p:clrMapOvr>
+    <a:masterClrMapping/>
+  </p:clrMapOvr>
+</p:sld>
+</file>
+
+<file path=ppt/slides/slide6.xml><?xml version="1.0" encoding="utf-8"?>
+<p:sld xmlns:a="http://schemas.openxmlformats.org/drawingml/2006/main" xmlns:r="http://schemas.openxmlformats.org/officeDocument/2006/relationships" xmlns:p="http://schemas.openxmlformats.org/presentationml/2006/main">
+  <p:cSld>
+    <p:spTree>
+      <p:nvGrpSpPr>
+        <p:cNvPr id="1" name=""/>
+        <p:cNvGrpSpPr/>
+        <p:nvPr/>
+      </p:nvGrpSpPr>
+      <p:grpSpPr>
+        <a:xfrm>
+          <a:off x="0" y="0"/>
+          <a:ext cx="0" cy="0"/>
+          <a:chOff x="0" y="0"/>
+          <a:chExt cx="0" cy="0"/>
+        </a:xfrm>
+      </p:grpSpPr>
+      <p:sp>
+        <p:nvSpPr>
+          <p:cNvPr id="2" name="Title 1">
+            <a:extLst>
+              <a:ext uri="{FF2B5EF4-FFF2-40B4-BE49-F238E27FC236}">
+                <a16:creationId xmlns:a16="http://schemas.microsoft.com/office/drawing/2014/main" id="{F417B415-AA1C-CDCA-C01A-CA561D47F226}"/>
+              </a:ext>
+            </a:extLst>
+          </p:cNvPr>
+          <p:cNvSpPr>
+            <a:spLocks noGrp="1"/>
+          </p:cNvSpPr>
+          <p:nvPr>
+            <p:ph type="title"/>
+          </p:nvPr>
+        </p:nvSpPr>
+        <p:spPr/>
+        <p:txBody>
+          <a:bodyPr/>
+          <a:lstStyle/>
+          <a:p>
+            <a:r>
+              <a:rPr lang="en-US" dirty="0"/>
+              <a:t>TREATMENT FACILITIES</a:t>
+            </a:r>
+          </a:p>
+        </p:txBody>
+      </p:sp>
+      <p:sp>
+        <p:nvSpPr>
+          <p:cNvPr id="3" name="Text Placeholder 2">
+            <a:extLst>
+              <a:ext uri="{FF2B5EF4-FFF2-40B4-BE49-F238E27FC236}">
+                <a16:creationId xmlns:a16="http://schemas.microsoft.com/office/drawing/2014/main" id="{D60B955F-7E29-BE4C-673D-A8F124946888}"/>
+              </a:ext>
+            </a:extLst>
+          </p:cNvPr>
+          <p:cNvSpPr>
+            <a:spLocks noGrp="1"/>
+          </p:cNvSpPr>
+          <p:nvPr>
+            <p:ph type="body" sz="quarter" idx="10"/>
+          </p:nvPr>
+        </p:nvSpPr>
+        <p:spPr/>
+        <p:txBody>
+          <a:bodyPr/>
+          <a:lstStyle/>
+          <a:p>
+            <a:pPr marL="457200" indent="-457200">
+              <a:buFont typeface="Arial" panose="020B0604020202020204" pitchFamily="34" charset="0"/>
+              <a:buChar char="•"/>
+            </a:pPr>
+            <a:r>
+              <a:rPr lang="en-US" sz="4000" dirty="0"/>
+              <a:t>How to download:  </a:t>
+            </a:r>
+            <a:r>
+              <a:rPr lang="en-US" sz="4000" dirty="0">
+                <a:solidFill>
+                  <a:srgbClr val="3B8686"/>
+                </a:solidFill>
+              </a:rPr>
+              <a:t>We will use the download function on the website and use the Excel option so we get the service codes for each facility.</a:t>
+            </a:r>
+          </a:p>
+          <a:p>
+            <a:pPr marL="457200" indent="-457200">
+              <a:buFont typeface="Arial" panose="020B0604020202020204" pitchFamily="34" charset="0"/>
+              <a:buChar char="•"/>
+            </a:pPr>
+            <a:r>
+              <a:rPr lang="en-US" sz="4000" dirty="0"/>
+              <a:t>What geocodes are used, if any? </a:t>
+            </a:r>
+            <a:r>
+              <a:rPr lang="en-US" sz="4000" dirty="0">
+                <a:solidFill>
+                  <a:srgbClr val="3B8686"/>
+                </a:solidFill>
+              </a:rPr>
+              <a:t>Street address, city, state, ZIP, county name, latitude and longitude </a:t>
+            </a:r>
+          </a:p>
+          <a:p>
+            <a:pPr marL="457200" indent="-457200">
+              <a:buFont typeface="Arial" panose="020B0604020202020204" pitchFamily="34" charset="0"/>
+              <a:buChar char="•"/>
+            </a:pPr>
+            <a:r>
+              <a:rPr lang="en-US" sz="4000" dirty="0"/>
+              <a:t>What cleaning/preprocessing will be needed, if any?  </a:t>
+            </a:r>
+            <a:r>
+              <a:rPr lang="en-US" sz="4000" dirty="0">
+                <a:solidFill>
+                  <a:srgbClr val="3B8686"/>
+                </a:solidFill>
+              </a:rPr>
+              <a:t>We will need to identify which service codes we want to keep and drop the rest.</a:t>
+            </a:r>
+          </a:p>
+        </p:txBody>
+      </p:sp>
+    </p:spTree>
+    <p:extLst>
+      <p:ext uri="{BB962C8B-B14F-4D97-AF65-F5344CB8AC3E}">
+        <p14:creationId xmlns:p14="http://schemas.microsoft.com/office/powerpoint/2010/main" val="3823664255"/>
+      </p:ext>
+    </p:extLst>
+  </p:cSld>
+  <p:clrMapOvr>
+    <a:masterClrMapping/>
+  </p:clrMapOvr>
+</p:sld>
+</file>
+
+<file path=ppt/slides/slide7.xml><?xml version="1.0" encoding="utf-8"?>
+<p:sld xmlns:a="http://schemas.openxmlformats.org/drawingml/2006/main" xmlns:r="http://schemas.openxmlformats.org/officeDocument/2006/relationships" xmlns:p="http://schemas.openxmlformats.org/presentationml/2006/main">
+  <p:cSld>
+    <p:spTree>
+      <p:nvGrpSpPr>
+        <p:cNvPr id="1" name=""/>
+        <p:cNvGrpSpPr/>
+        <p:nvPr/>
+      </p:nvGrpSpPr>
+      <p:grpSpPr>
+        <a:xfrm>
+          <a:off x="0" y="0"/>
+          <a:ext cx="0" cy="0"/>
+          <a:chOff x="0" y="0"/>
+          <a:chExt cx="0" cy="0"/>
+        </a:xfrm>
+      </p:grpSpPr>
+      <p:sp>
+        <p:nvSpPr>
+          <p:cNvPr id="2" name="Title 1">
+            <a:extLst>
+              <a:ext uri="{FF2B5EF4-FFF2-40B4-BE49-F238E27FC236}">
+                <a16:creationId xmlns:a16="http://schemas.microsoft.com/office/drawing/2014/main" id="{24562247-A2D7-B461-9373-A605DCB50487}"/>
+              </a:ext>
+            </a:extLst>
+          </p:cNvPr>
+          <p:cNvSpPr>
+            <a:spLocks noGrp="1"/>
+          </p:cNvSpPr>
+          <p:nvPr>
+            <p:ph type="title"/>
+          </p:nvPr>
+        </p:nvSpPr>
+        <p:spPr/>
+        <p:txBody>
+          <a:bodyPr/>
+          <a:lstStyle/>
+          <a:p>
+            <a:r>
+              <a:rPr lang="en-US" dirty="0"/>
+              <a:t>EMERGENCY ROOMS</a:t>
+            </a:r>
+          </a:p>
+        </p:txBody>
+      </p:sp>
+      <p:sp>
+        <p:nvSpPr>
+          <p:cNvPr id="3" name="Text Placeholder 2">
+            <a:extLst>
+              <a:ext uri="{FF2B5EF4-FFF2-40B4-BE49-F238E27FC236}">
+                <a16:creationId xmlns:a16="http://schemas.microsoft.com/office/drawing/2014/main" id="{C683625E-26BE-193B-DF57-1F25062F69B0}"/>
+              </a:ext>
+            </a:extLst>
+          </p:cNvPr>
+          <p:cNvSpPr>
+            <a:spLocks noGrp="1"/>
+          </p:cNvSpPr>
+          <p:nvPr>
+            <p:ph type="body" sz="quarter" idx="10"/>
+          </p:nvPr>
+        </p:nvSpPr>
+        <p:spPr/>
+        <p:txBody>
+          <a:bodyPr/>
+          <a:lstStyle/>
+          <a:p>
+            <a:pPr marL="457200" indent="-457200">
+              <a:buFont typeface="Arial" panose="020B0604020202020204" pitchFamily="34" charset="0"/>
+              <a:buChar char="•"/>
+            </a:pPr>
+            <a:r>
+              <a:rPr lang="en-US" sz="4400" dirty="0"/>
+              <a:t>How to download: </a:t>
+            </a:r>
+            <a:r>
+              <a:rPr lang="en-US" sz="4400" dirty="0">
+                <a:solidFill>
+                  <a:srgbClr val="3B8686"/>
+                </a:solidFill>
+              </a:rPr>
+              <a:t>We will use the download function on the website.</a:t>
+            </a:r>
+            <a:endParaRPr lang="en-US" sz="4400" dirty="0"/>
+          </a:p>
+          <a:p>
+            <a:pPr marL="457200" indent="-457200">
+              <a:buFont typeface="Arial" panose="020B0604020202020204" pitchFamily="34" charset="0"/>
+              <a:buChar char="•"/>
+            </a:pPr>
+            <a:r>
+              <a:rPr lang="en-US" sz="4400" dirty="0"/>
+              <a:t>What geocodes are used, if any?  </a:t>
+            </a:r>
+            <a:r>
+              <a:rPr lang="en-US" sz="4400" dirty="0">
+                <a:solidFill>
+                  <a:srgbClr val="3B8686"/>
+                </a:solidFill>
+              </a:rPr>
+              <a:t>Street address, city, state, and county name.</a:t>
+            </a:r>
+          </a:p>
+          <a:p>
+            <a:pPr marL="457200" indent="-457200">
+              <a:buFont typeface="Arial" panose="020B0604020202020204" pitchFamily="34" charset="0"/>
+              <a:buChar char="•"/>
+            </a:pPr>
+            <a:r>
+              <a:rPr lang="en-US" sz="4400" dirty="0"/>
+              <a:t>What cleaning/preprocessing will be needed, if any?  </a:t>
+            </a:r>
+            <a:r>
+              <a:rPr lang="en-US" sz="4400" dirty="0">
+                <a:solidFill>
+                  <a:srgbClr val="3B8686"/>
+                </a:solidFill>
+              </a:rPr>
+              <a:t>There are some columns we will not need for the dashboard and can drop, and we can drop hospitals outside of Texas.</a:t>
+            </a:r>
+          </a:p>
+        </p:txBody>
+      </p:sp>
+    </p:spTree>
+    <p:extLst>
+      <p:ext uri="{BB962C8B-B14F-4D97-AF65-F5344CB8AC3E}">
+        <p14:creationId xmlns:p14="http://schemas.microsoft.com/office/powerpoint/2010/main" val="2799284806"/>
+      </p:ext>
+    </p:extLst>
+  </p:cSld>
+  <p:clrMapOvr>
+    <a:masterClrMapping/>
+  </p:clrMapOvr>
+</p:sld>
+</file>
+
+<file path=ppt/slides/slide8.xml><?xml version="1.0" encoding="utf-8"?>
+<p:sld xmlns:a="http://schemas.openxmlformats.org/drawingml/2006/main" xmlns:r="http://schemas.openxmlformats.org/officeDocument/2006/relationships" xmlns:p="http://schemas.openxmlformats.org/presentationml/2006/main">
+  <p:cSld>
+    <p:spTree>
+      <p:nvGrpSpPr>
+        <p:cNvPr id="1" name=""/>
+        <p:cNvGrpSpPr/>
+        <p:nvPr/>
+      </p:nvGrpSpPr>
+      <p:grpSpPr>
+        <a:xfrm>
+          <a:off x="0" y="0"/>
+          <a:ext cx="0" cy="0"/>
+          <a:chOff x="0" y="0"/>
+          <a:chExt cx="0" cy="0"/>
+        </a:xfrm>
+      </p:grpSpPr>
+      <p:sp>
+        <p:nvSpPr>
+          <p:cNvPr id="2" name="Title 1">
+            <a:extLst>
+              <a:ext uri="{FF2B5EF4-FFF2-40B4-BE49-F238E27FC236}">
+                <a16:creationId xmlns:a16="http://schemas.microsoft.com/office/drawing/2014/main" id="{35A32602-F3D6-9276-F269-3674A19F9728}"/>
+              </a:ext>
+            </a:extLst>
+          </p:cNvPr>
+          <p:cNvSpPr>
+            <a:spLocks noGrp="1"/>
+          </p:cNvSpPr>
+          <p:nvPr>
+            <p:ph type="title"/>
+          </p:nvPr>
+        </p:nvSpPr>
+        <p:spPr/>
+        <p:txBody>
+          <a:bodyPr/>
+          <a:lstStyle/>
+          <a:p>
+            <a:r>
+              <a:rPr lang="en-US" dirty="0"/>
+              <a:t>MH PROFESSIONALS BY COUNTY</a:t>
+            </a:r>
+          </a:p>
+        </p:txBody>
+      </p:sp>
+      <p:sp>
+        <p:nvSpPr>
+          <p:cNvPr id="3" name="Text Placeholder 2">
+            <a:extLst>
+              <a:ext uri="{FF2B5EF4-FFF2-40B4-BE49-F238E27FC236}">
+                <a16:creationId xmlns:a16="http://schemas.microsoft.com/office/drawing/2014/main" id="{B42CF871-340A-4D53-BD96-6E11CEED5ADE}"/>
+              </a:ext>
+            </a:extLst>
+          </p:cNvPr>
+          <p:cNvSpPr>
+            <a:spLocks noGrp="1"/>
+          </p:cNvSpPr>
+          <p:nvPr>
+            <p:ph type="body" sz="quarter" idx="10"/>
+          </p:nvPr>
+        </p:nvSpPr>
+        <p:spPr/>
+        <p:txBody>
+          <a:bodyPr/>
+          <a:lstStyle/>
+          <a:p>
+            <a:pPr marL="457200" indent="-457200">
+              <a:buFont typeface="Arial" panose="020B0604020202020204" pitchFamily="34" charset="0"/>
+              <a:buChar char="•"/>
+            </a:pPr>
+            <a:r>
+              <a:rPr lang="en-US" sz="4400" dirty="0"/>
+              <a:t>How to download:  </a:t>
+            </a:r>
+            <a:r>
+              <a:rPr lang="en-US" sz="4400" dirty="0">
+                <a:solidFill>
+                  <a:srgbClr val="3B8686"/>
+                </a:solidFill>
+              </a:rPr>
+              <a:t>Use the ‘crosstab’ feature in the lower right corner of the dashboard window.</a:t>
+            </a:r>
+          </a:p>
+          <a:p>
+            <a:pPr marL="457200" indent="-457200">
+              <a:buFont typeface="Arial" panose="020B0604020202020204" pitchFamily="34" charset="0"/>
+              <a:buChar char="•"/>
+            </a:pPr>
+            <a:r>
+              <a:rPr lang="en-US" sz="4400" dirty="0"/>
+              <a:t>What geocodes are used, if any?  </a:t>
+            </a:r>
+            <a:r>
+              <a:rPr lang="en-US" sz="4400" dirty="0">
+                <a:solidFill>
+                  <a:srgbClr val="3B8686"/>
+                </a:solidFill>
+              </a:rPr>
+              <a:t>County names.</a:t>
+            </a:r>
+          </a:p>
+          <a:p>
+            <a:pPr marL="457200" indent="-457200">
+              <a:buFont typeface="Arial" panose="020B0604020202020204" pitchFamily="34" charset="0"/>
+              <a:buChar char="•"/>
+            </a:pPr>
+            <a:r>
+              <a:rPr lang="en-US" sz="4400" dirty="0"/>
+              <a:t>What cleaning/preprocessing will be needed, if any?  </a:t>
+            </a:r>
+            <a:r>
+              <a:rPr lang="en-US" sz="4400" dirty="0">
+                <a:solidFill>
+                  <a:srgbClr val="3B8686"/>
+                </a:solidFill>
+              </a:rPr>
+              <a:t>We will need to merge the supply tables for all health professionals that we are including.</a:t>
+            </a:r>
+          </a:p>
+        </p:txBody>
+      </p:sp>
+    </p:spTree>
+    <p:extLst>
+      <p:ext uri="{BB962C8B-B14F-4D97-AF65-F5344CB8AC3E}">
+        <p14:creationId xmlns:p14="http://schemas.microsoft.com/office/powerpoint/2010/main" val="2148046636"/>
+      </p:ext>
+    </p:extLst>
+  </p:cSld>
+  <p:clrMapOvr>
+    <a:masterClrMapping/>
+  </p:clrMapOvr>
+</p:sld>
+</file>
+
+<file path=ppt/slides/slide9.xml><?xml version="1.0" encoding="utf-8"?>
+<p:sld xmlns:a="http://schemas.openxmlformats.org/drawingml/2006/main" xmlns:r="http://schemas.openxmlformats.org/officeDocument/2006/relationships" xmlns:p="http://schemas.openxmlformats.org/presentationml/2006/main">
+  <p:cSld>
+    <p:spTree>
+      <p:nvGrpSpPr>
+        <p:cNvPr id="1" name=""/>
+        <p:cNvGrpSpPr/>
+        <p:nvPr/>
+      </p:nvGrpSpPr>
+      <p:grpSpPr>
+        <a:xfrm>
+          <a:off x="0" y="0"/>
+          <a:ext cx="0" cy="0"/>
+          <a:chOff x="0" y="0"/>
+          <a:chExt cx="0" cy="0"/>
+        </a:xfrm>
+      </p:grpSpPr>
+      <p:sp>
+        <p:nvSpPr>
+          <p:cNvPr id="2" name="Title 1">
+            <a:extLst>
+              <a:ext uri="{FF2B5EF4-FFF2-40B4-BE49-F238E27FC236}">
+                <a16:creationId xmlns:a16="http://schemas.microsoft.com/office/drawing/2014/main" id="{C2A218CA-B0D7-266A-291A-8A08B81EE7DF}"/>
+              </a:ext>
+            </a:extLst>
+          </p:cNvPr>
+          <p:cNvSpPr>
+            <a:spLocks noGrp="1"/>
+          </p:cNvSpPr>
+          <p:nvPr>
+            <p:ph type="title"/>
+          </p:nvPr>
+        </p:nvSpPr>
+        <p:spPr/>
+        <p:txBody>
+          <a:bodyPr/>
+          <a:lstStyle/>
+          <a:p>
+            <a:r>
+              <a:rPr lang="en-US" dirty="0"/>
+              <a:t>DATA TERMINOLOGY</a:t>
+            </a:r>
+          </a:p>
+        </p:txBody>
+      </p:sp>
+      <p:sp>
+        <p:nvSpPr>
+          <p:cNvPr id="3" name="Text Placeholder 2">
+            <a:extLst>
+              <a:ext uri="{FF2B5EF4-FFF2-40B4-BE49-F238E27FC236}">
+                <a16:creationId xmlns:a16="http://schemas.microsoft.com/office/drawing/2014/main" id="{8F6BF3F3-4472-D78D-FAFE-4C3B74683A45}"/>
+              </a:ext>
+            </a:extLst>
+          </p:cNvPr>
+          <p:cNvSpPr>
+            <a:spLocks noGrp="1"/>
+          </p:cNvSpPr>
+          <p:nvPr>
+            <p:ph type="body" sz="quarter" idx="10"/>
+          </p:nvPr>
+        </p:nvSpPr>
+        <p:spPr>
+          <a:xfrm>
+            <a:off x="3048000" y="3422469"/>
+            <a:ext cx="18288000" cy="6737531"/>
+          </a:xfrm>
+        </p:spPr>
+        <p:txBody>
+          <a:bodyPr/>
+          <a:lstStyle/>
+          <a:p>
+            <a:pPr marL="457200" indent="-457200">
+              <a:buFont typeface="Arial" panose="020B0604020202020204" pitchFamily="34" charset="0"/>
+              <a:buChar char="•"/>
+            </a:pPr>
+            <a:r>
+              <a:rPr lang="en-US" sz="4000" dirty="0"/>
+              <a:t>In this series, we will refer to rows as </a:t>
+            </a:r>
+            <a:r>
+              <a:rPr lang="en-US" sz="4000" b="1" dirty="0"/>
+              <a:t>observations</a:t>
+            </a:r>
+            <a:r>
+              <a:rPr lang="en-US" sz="4000" dirty="0"/>
+              <a:t> and columns as </a:t>
+            </a:r>
+            <a:r>
+              <a:rPr lang="en-US" sz="4000" b="1" dirty="0"/>
+              <a:t>variables</a:t>
+            </a:r>
+          </a:p>
+        </p:txBody>
+      </p:sp>
+      <p:graphicFrame>
+        <p:nvGraphicFramePr>
+          <p:cNvPr id="4" name="Table 4">
+            <a:extLst>
+              <a:ext uri="{FF2B5EF4-FFF2-40B4-BE49-F238E27FC236}">
+                <a16:creationId xmlns:a16="http://schemas.microsoft.com/office/drawing/2014/main" id="{987C7DEC-D24F-1566-AA5D-AF53A77F868A}"/>
+              </a:ext>
+            </a:extLst>
+          </p:cNvPr>
+          <p:cNvGraphicFramePr>
+            <a:graphicFrameLocks noGrp="1"/>
+          </p:cNvGraphicFramePr>
+          <p:nvPr>
+            <p:extLst>
+              <p:ext uri="{D42A27DB-BD31-4B8C-83A1-F6EECF244321}">
+                <p14:modId xmlns:p14="http://schemas.microsoft.com/office/powerpoint/2010/main" val="4043070281"/>
+              </p:ext>
+            </p:extLst>
+          </p:nvPr>
+        </p:nvGraphicFramePr>
+        <p:xfrm>
+          <a:off x="4898571" y="6793707"/>
+          <a:ext cx="16256001" cy="3200400"/>
+        </p:xfrm>
+        <a:graphic>
+          <a:graphicData uri="http://schemas.openxmlformats.org/drawingml/2006/table">
+            <a:tbl>
+              <a:tblPr firstRow="1" bandRow="1">
+                <a:tableStyleId>{5C22544A-7EE6-4342-B048-85BDC9FD1C3A}</a:tableStyleId>
+              </a:tblPr>
+              <a:tblGrid>
+                <a:gridCol w="5418667">
+                  <a:extLst>
+                    <a:ext uri="{9D8B030D-6E8A-4147-A177-3AD203B41FA5}">
+                      <a16:colId xmlns:a16="http://schemas.microsoft.com/office/drawing/2014/main" val="3699644126"/>
+                    </a:ext>
+                  </a:extLst>
+                </a:gridCol>
+                <a:gridCol w="5418667">
+                  <a:extLst>
+                    <a:ext uri="{9D8B030D-6E8A-4147-A177-3AD203B41FA5}">
+                      <a16:colId xmlns:a16="http://schemas.microsoft.com/office/drawing/2014/main" val="3667060327"/>
+                    </a:ext>
+                  </a:extLst>
+                </a:gridCol>
+                <a:gridCol w="5418667">
+                  <a:extLst>
+                    <a:ext uri="{9D8B030D-6E8A-4147-A177-3AD203B41FA5}">
+                      <a16:colId xmlns:a16="http://schemas.microsoft.com/office/drawing/2014/main" val="2576613788"/>
+                    </a:ext>
+                  </a:extLst>
+                </a:gridCol>
+              </a:tblGrid>
+              <a:tr h="370840">
+                <a:tc>
+                  <a:txBody>
+                    <a:bodyPr/>
+                    <a:lstStyle/>
+                    <a:p>
+                      <a:r>
+                        <a:rPr lang="en-US" dirty="0"/>
+                        <a:t>County</a:t>
+                      </a:r>
+                    </a:p>
+                  </a:txBody>
+                  <a:tcPr/>
+                </a:tc>
+                <a:tc>
+                  <a:txBody>
+                    <a:bodyPr/>
+                    <a:lstStyle/>
+                    <a:p>
+                      <a:r>
+                        <a:rPr lang="en-US" dirty="0"/>
+                        <a:t>Population - 2020</a:t>
+                      </a:r>
+                    </a:p>
+                  </a:txBody>
+                  <a:tcPr/>
+                </a:tc>
+                <a:tc>
+                  <a:txBody>
+                    <a:bodyPr/>
+                    <a:lstStyle/>
+                    <a:p>
+                      <a:r>
+                        <a:rPr lang="en-US" dirty="0"/>
+                        <a:t>Poverty Rate - 2020</a:t>
+                      </a:r>
+                    </a:p>
+                  </a:txBody>
+                  <a:tcPr/>
+                </a:tc>
+                <a:extLst>
+                  <a:ext uri="{0D108BD9-81ED-4DB2-BD59-A6C34878D82A}">
+                    <a16:rowId xmlns:a16="http://schemas.microsoft.com/office/drawing/2014/main" val="3356930229"/>
+                  </a:ext>
+                </a:extLst>
+              </a:tr>
+              <a:tr h="370840">
+                <a:tc>
+                  <a:txBody>
+                    <a:bodyPr/>
+                    <a:lstStyle/>
+                    <a:p>
+                      <a:r>
+                        <a:rPr lang="en-US" dirty="0"/>
+                        <a:t>Anderson</a:t>
+                      </a:r>
+                    </a:p>
+                  </a:txBody>
+                  <a:tcPr/>
+                </a:tc>
+                <a:tc>
+                  <a:txBody>
+                    <a:bodyPr/>
+                    <a:lstStyle/>
+                    <a:p>
+                      <a:r>
+                        <a:rPr lang="en-US" dirty="0"/>
+                        <a:t>58,057</a:t>
+                      </a:r>
+                    </a:p>
+                  </a:txBody>
+                  <a:tcPr/>
+                </a:tc>
+                <a:tc>
+                  <a:txBody>
+                    <a:bodyPr/>
+                    <a:lstStyle/>
+                    <a:p>
+                      <a:r>
+                        <a:rPr lang="en-US" dirty="0"/>
+                        <a:t>20.9%</a:t>
+                      </a:r>
+                    </a:p>
+                  </a:txBody>
+                  <a:tcPr/>
+                </a:tc>
+                <a:extLst>
+                  <a:ext uri="{0D108BD9-81ED-4DB2-BD59-A6C34878D82A}">
+                    <a16:rowId xmlns:a16="http://schemas.microsoft.com/office/drawing/2014/main" val="1151605331"/>
+                  </a:ext>
+                </a:extLst>
+              </a:tr>
+              <a:tr h="370840">
+                <a:tc>
+                  <a:txBody>
+                    <a:bodyPr/>
+                    <a:lstStyle/>
+                    <a:p>
+                      <a:r>
+                        <a:rPr lang="en-US" dirty="0"/>
+                        <a:t>Andrews</a:t>
+                      </a:r>
+                    </a:p>
+                  </a:txBody>
+                  <a:tcPr/>
+                </a:tc>
+                <a:tc>
+                  <a:txBody>
+                    <a:bodyPr/>
+                    <a:lstStyle/>
+                    <a:p>
+                      <a:r>
+                        <a:rPr lang="en-US" dirty="0"/>
+                        <a:t>18,128</a:t>
+                      </a:r>
+                    </a:p>
+                  </a:txBody>
+                  <a:tcPr/>
+                </a:tc>
+                <a:tc>
+                  <a:txBody>
+                    <a:bodyPr/>
+                    <a:lstStyle/>
+                    <a:p>
+                      <a:r>
+                        <a:rPr lang="en-US" dirty="0"/>
+                        <a:t>9.2%</a:t>
+                      </a:r>
+                    </a:p>
+                  </a:txBody>
+                  <a:tcPr/>
+                </a:tc>
+                <a:extLst>
+                  <a:ext uri="{0D108BD9-81ED-4DB2-BD59-A6C34878D82A}">
+                    <a16:rowId xmlns:a16="http://schemas.microsoft.com/office/drawing/2014/main" val="4173016939"/>
+                  </a:ext>
+                </a:extLst>
+              </a:tr>
+              <a:tr h="370840">
+                <a:tc>
+                  <a:txBody>
+                    <a:bodyPr/>
+                    <a:lstStyle/>
+                    <a:p>
+                      <a:r>
+                        <a:rPr lang="en-US" dirty="0"/>
+                        <a:t>Angelina</a:t>
+                      </a:r>
+                    </a:p>
+                  </a:txBody>
+                  <a:tcPr/>
+                </a:tc>
+                <a:tc>
+                  <a:txBody>
+                    <a:bodyPr/>
+                    <a:lstStyle/>
+                    <a:p>
+                      <a:r>
+                        <a:rPr lang="en-US" dirty="0"/>
+                        <a:t>87,092</a:t>
+                      </a:r>
+                    </a:p>
+                  </a:txBody>
+                  <a:tcPr/>
+                </a:tc>
+                <a:tc>
+                  <a:txBody>
+                    <a:bodyPr/>
+                    <a:lstStyle/>
+                    <a:p>
+                      <a:r>
+                        <a:rPr lang="en-US" dirty="0"/>
+                        <a:t>17%</a:t>
+                      </a:r>
+                    </a:p>
+                  </a:txBody>
+                  <a:tcPr/>
+                </a:tc>
+                <a:extLst>
+                  <a:ext uri="{0D108BD9-81ED-4DB2-BD59-A6C34878D82A}">
+                    <a16:rowId xmlns:a16="http://schemas.microsoft.com/office/drawing/2014/main" val="1243671268"/>
+                  </a:ext>
+                </a:extLst>
+              </a:tr>
+              <a:tr h="370840">
+                <a:tc>
+                  <a:txBody>
+                    <a:bodyPr/>
+                    <a:lstStyle/>
+                    <a:p>
+                      <a:r>
+                        <a:rPr lang="en-US" dirty="0"/>
+                        <a:t>Aransas</a:t>
+                      </a:r>
+                    </a:p>
+                  </a:txBody>
+                  <a:tcPr/>
+                </a:tc>
+                <a:tc>
+                  <a:txBody>
+                    <a:bodyPr/>
+                    <a:lstStyle/>
+                    <a:p>
+                      <a:r>
+                        <a:rPr lang="en-US" dirty="0"/>
+                        <a:t>23,792</a:t>
+                      </a:r>
+                    </a:p>
+                  </a:txBody>
+                  <a:tcPr/>
+                </a:tc>
+                <a:tc>
+                  <a:txBody>
+                    <a:bodyPr/>
+                    <a:lstStyle/>
+                    <a:p>
+                      <a:r>
+                        <a:rPr lang="en-US" dirty="0"/>
+                        <a:t>17.1%</a:t>
+                      </a:r>
+                    </a:p>
+                  </a:txBody>
+                  <a:tcPr/>
+                </a:tc>
+                <a:extLst>
+                  <a:ext uri="{0D108BD9-81ED-4DB2-BD59-A6C34878D82A}">
+                    <a16:rowId xmlns:a16="http://schemas.microsoft.com/office/drawing/2014/main" val="3581653560"/>
+                  </a:ext>
+                </a:extLst>
+              </a:tr>
+            </a:tbl>
+          </a:graphicData>
+        </a:graphic>
+      </p:graphicFrame>
+      <p:sp>
+        <p:nvSpPr>
+          <p:cNvPr id="5" name="Left Brace 4">
+            <a:extLst>
+              <a:ext uri="{FF2B5EF4-FFF2-40B4-BE49-F238E27FC236}">
+                <a16:creationId xmlns:a16="http://schemas.microsoft.com/office/drawing/2014/main" id="{2E56ECFD-AC56-78EE-7E67-E47726C8D264}"/>
+              </a:ext>
+            </a:extLst>
+          </p:cNvPr>
+          <p:cNvSpPr/>
+          <p:nvPr/>
+        </p:nvSpPr>
+        <p:spPr>
+          <a:xfrm>
+            <a:off x="3666308" y="7458429"/>
+            <a:ext cx="971006" cy="2507870"/>
+          </a:xfrm>
+          <a:prstGeom prst="leftBrace">
+            <a:avLst/>
+          </a:prstGeom>
+          <a:ln w="38100">
+            <a:solidFill>
+              <a:schemeClr val="tx1">
+                <a:lumMod val="95000"/>
+                <a:lumOff val="5000"/>
+              </a:schemeClr>
+            </a:solidFill>
+          </a:ln>
+        </p:spPr>
+        <p:style>
+          <a:lnRef idx="1">
+            <a:schemeClr val="accent1"/>
+          </a:lnRef>
+          <a:fillRef idx="0">
+            <a:schemeClr val="accent1"/>
+          </a:fillRef>
+          <a:effectRef idx="0">
+            <a:schemeClr val="accent1"/>
+          </a:effectRef>
+          <a:fontRef idx="minor">
+            <a:schemeClr val="tx1"/>
+          </a:fontRef>
+        </p:style>
+        <p:txBody>
+          <a:bodyPr rtlCol="0" anchor="ctr"/>
+          <a:lstStyle/>
+          <a:p>
+            <a:pPr algn="ctr"/>
+            <a:endParaRPr lang="en-US"/>
+          </a:p>
+        </p:txBody>
+      </p:sp>
+      <p:sp>
+        <p:nvSpPr>
+          <p:cNvPr id="6" name="TextBox 5">
+            <a:extLst>
+              <a:ext uri="{FF2B5EF4-FFF2-40B4-BE49-F238E27FC236}">
+                <a16:creationId xmlns:a16="http://schemas.microsoft.com/office/drawing/2014/main" id="{964F2AC9-E605-DD14-E393-89DC60747AF5}"/>
+              </a:ext>
+            </a:extLst>
+          </p:cNvPr>
+          <p:cNvSpPr txBox="1"/>
+          <p:nvPr/>
+        </p:nvSpPr>
+        <p:spPr>
+          <a:xfrm>
+            <a:off x="494936" y="8112199"/>
+            <a:ext cx="3229428" cy="1200329"/>
+          </a:xfrm>
+          <a:prstGeom prst="rect">
+            <a:avLst/>
+          </a:prstGeom>
+          <a:noFill/>
+        </p:spPr>
+        <p:txBody>
+          <a:bodyPr wrap="square" rtlCol="0">
+            <a:spAutoFit/>
+          </a:bodyPr>
+          <a:lstStyle/>
+          <a:p>
+            <a:pPr algn="ctr"/>
+            <a:r>
+              <a:rPr lang="en-US" dirty="0">
+                <a:solidFill>
+                  <a:srgbClr val="414141"/>
+                </a:solidFill>
+                <a:latin typeface="Open Sans Semibold" panose="020B0706030804020204" pitchFamily="34" charset="0"/>
+                <a:ea typeface="Open Sans Semibold" panose="020B0706030804020204" pitchFamily="34" charset="0"/>
+                <a:cs typeface="Open Sans Semibold" panose="020B0706030804020204" pitchFamily="34" charset="0"/>
+              </a:rPr>
+              <a:t>4 observations</a:t>
+            </a:r>
+          </a:p>
+        </p:txBody>
+      </p:sp>
+      <p:sp>
+        <p:nvSpPr>
+          <p:cNvPr id="7" name="Left Brace 6">
+            <a:extLst>
+              <a:ext uri="{FF2B5EF4-FFF2-40B4-BE49-F238E27FC236}">
+                <a16:creationId xmlns:a16="http://schemas.microsoft.com/office/drawing/2014/main" id="{E3047D5D-51D5-D372-9266-B33D2E7436EE}"/>
+              </a:ext>
+            </a:extLst>
+          </p:cNvPr>
+          <p:cNvSpPr/>
+          <p:nvPr/>
+        </p:nvSpPr>
+        <p:spPr>
+          <a:xfrm rot="5400000">
+            <a:off x="12680408" y="-1682932"/>
+            <a:ext cx="692329" cy="16256002"/>
+          </a:xfrm>
+          <a:prstGeom prst="leftBrace">
+            <a:avLst>
+              <a:gd name="adj1" fmla="val 8333"/>
+              <a:gd name="adj2" fmla="val 51446"/>
+            </a:avLst>
+          </a:prstGeom>
+          <a:ln w="38100">
+            <a:solidFill>
+              <a:schemeClr val="tx1">
+                <a:lumMod val="95000"/>
+                <a:lumOff val="5000"/>
+              </a:schemeClr>
+            </a:solidFill>
+          </a:ln>
+        </p:spPr>
+        <p:style>
+          <a:lnRef idx="1">
+            <a:schemeClr val="accent1"/>
+          </a:lnRef>
+          <a:fillRef idx="0">
+            <a:schemeClr val="accent1"/>
+          </a:fillRef>
+          <a:effectRef idx="0">
+            <a:schemeClr val="accent1"/>
+          </a:effectRef>
+          <a:fontRef idx="minor">
+            <a:schemeClr val="tx1"/>
+          </a:fontRef>
+        </p:style>
+        <p:txBody>
+          <a:bodyPr rtlCol="0" anchor="ctr"/>
+          <a:lstStyle/>
+          <a:p>
+            <a:pPr algn="ctr"/>
+            <a:endParaRPr lang="en-US"/>
+          </a:p>
+        </p:txBody>
+      </p:sp>
+      <p:sp>
+        <p:nvSpPr>
+          <p:cNvPr id="8" name="TextBox 7">
+            <a:extLst>
+              <a:ext uri="{FF2B5EF4-FFF2-40B4-BE49-F238E27FC236}">
+                <a16:creationId xmlns:a16="http://schemas.microsoft.com/office/drawing/2014/main" id="{65304822-1178-D38E-2FAD-6B48B330E61E}"/>
+              </a:ext>
+            </a:extLst>
+          </p:cNvPr>
+          <p:cNvSpPr txBox="1"/>
+          <p:nvPr/>
+        </p:nvSpPr>
+        <p:spPr>
+          <a:xfrm>
+            <a:off x="10128304" y="5370277"/>
+            <a:ext cx="5068388" cy="646331"/>
+          </a:xfrm>
+          <a:prstGeom prst="rect">
+            <a:avLst/>
+          </a:prstGeom>
+          <a:noFill/>
+        </p:spPr>
+        <p:txBody>
+          <a:bodyPr wrap="square" rtlCol="0">
+            <a:spAutoFit/>
+          </a:bodyPr>
+          <a:lstStyle/>
+          <a:p>
+            <a:pPr algn="ctr"/>
+            <a:r>
+              <a:rPr lang="en-US" dirty="0">
+                <a:solidFill>
+                  <a:srgbClr val="414141"/>
+                </a:solidFill>
+                <a:latin typeface="Open Sans Semibold" panose="020B0706030804020204" pitchFamily="34" charset="0"/>
+                <a:ea typeface="Open Sans Semibold" panose="020B0706030804020204" pitchFamily="34" charset="0"/>
+                <a:cs typeface="Open Sans Semibold" panose="020B0706030804020204" pitchFamily="34" charset="0"/>
+              </a:rPr>
+              <a:t>3 variables</a:t>
+            </a:r>
+          </a:p>
+        </p:txBody>
+      </p:sp>
+    </p:spTree>
+    <p:extLst>
+      <p:ext uri="{BB962C8B-B14F-4D97-AF65-F5344CB8AC3E}">
+        <p14:creationId xmlns:p14="http://schemas.microsoft.com/office/powerpoint/2010/main" val="561931300"/>
+      </p:ext>
+    </p:extLst>
+  </p:cSld>
+  <p:clrMapOvr>
+    <a:masterClrMapping/>
+  </p:clrMapOvr>
 </p:sld>
 </file>
 

--- a/Formatted Slides/Module1_Video2.pptx
+++ b/Formatted Slides/Module1_Video2.pptx
@@ -40,23 +40,24 @@
       <p:boldItalic r:id="rId26"/>
     </p:embeddedFont>
     <p:embeddedFont>
-      <p:font typeface="Nunito Sans" pitchFamily="2" charset="0"/>
+      <p:font typeface="Nunito Sans" pitchFamily="2" charset="77"/>
       <p:regular r:id="rId27"/>
       <p:bold r:id="rId28"/>
       <p:italic r:id="rId29"/>
       <p:boldItalic r:id="rId30"/>
     </p:embeddedFont>
     <p:embeddedFont>
-      <p:font typeface="Nunito Sans SemiBold" pitchFamily="2" charset="0"/>
+      <p:font typeface="Nunito Sans SemiBold" panose="020F0502020204030204" pitchFamily="34" charset="0"/>
       <p:regular r:id="rId31"/>
       <p:bold r:id="rId32"/>
       <p:italic r:id="rId33"/>
       <p:boldItalic r:id="rId34"/>
     </p:embeddedFont>
     <p:embeddedFont>
-      <p:font typeface="Open Sans Semibold" panose="020B0706030804020204" pitchFamily="34" charset="0"/>
-      <p:bold r:id="rId35"/>
-      <p:boldItalic r:id="rId36"/>
+      <p:font typeface="Open Sans Semibold" panose="020F0502020204030204" pitchFamily="34" charset="0"/>
+      <p:regular r:id="rId35"/>
+      <p:bold r:id="rId36"/>
+      <p:boldItalic r:id="rId37"/>
     </p:embeddedFont>
   </p:embeddedFontLst>
   <p:defaultTextStyle>
@@ -244,7 +245,7 @@
           <a:p>
             <a:fld id="{A1994904-53C7-FE4A-A4F3-9371B9AA3FA4}" type="datetimeFigureOut">
               <a:rPr lang="en-US" smtClean="0"/>
-              <a:t>7/30/2023</a:t>
+              <a:t>7/30/23</a:t>
             </a:fld>
             <a:endParaRPr lang="en-US"/>
           </a:p>
